--- a/최예람 포트폴리오.pptx
+++ b/최예람 포트폴리오.pptx
@@ -16,22 +16,30 @@
     <p:sldId id="264" r:id="rId10"/>
     <p:sldId id="265" r:id="rId11"/>
     <p:sldId id="266" r:id="rId12"/>
+    <p:sldId id="267" r:id="rId13"/>
+    <p:sldId id="268" r:id="rId14"/>
+    <p:sldId id="269" r:id="rId15"/>
+    <p:sldId id="270" r:id="rId16"/>
+    <p:sldId id="271" r:id="rId17"/>
+    <p:sldId id="273" r:id="rId18"/>
+    <p:sldId id="272" r:id="rId19"/>
+    <p:sldId id="274" r:id="rId20"/>
   </p:sldIdLst>
   <p:sldSz cx="12192000" cy="6858000"/>
   <p:notesSz cx="6858000" cy="9144000"/>
   <p:embeddedFontLst>
     <p:embeddedFont>
       <p:font typeface="SB 어그로 Medium" panose="02020603020101020101" pitchFamily="18" charset="-127"/>
-      <p:regular r:id="rId13"/>
+      <p:regular r:id="rId21"/>
     </p:embeddedFont>
     <p:embeddedFont>
       <p:font typeface="맑은 고딕" panose="020B0503020000020004" pitchFamily="50" charset="-127"/>
-      <p:regular r:id="rId14"/>
-      <p:bold r:id="rId15"/>
+      <p:regular r:id="rId22"/>
+      <p:bold r:id="rId23"/>
     </p:embeddedFont>
     <p:embeddedFont>
       <p:font typeface="배스킨라빈스 R" panose="02020603020101020101" pitchFamily="18" charset="-127"/>
-      <p:regular r:id="rId16"/>
+      <p:regular r:id="rId24"/>
     </p:embeddedFont>
   </p:embeddedFontLst>
   <p:defaultTextStyle>
@@ -129,6 +137,11 @@
       </a:defRPr>
     </a:lvl9pPr>
   </p:defaultTextStyle>
+  <p:extLst>
+    <p:ext uri="{EFAFB233-063F-42B5-8137-9DF3F51BA10A}">
+      <p15:sldGuideLst xmlns:p15="http://schemas.microsoft.com/office/powerpoint/2012/main"/>
+    </p:ext>
+  </p:extLst>
 </p:presentation>
 </file>
 
@@ -263,7 +276,7 @@
           <a:p>
             <a:fld id="{B2A5FC70-7B36-45E3-95FD-37F18891D2C1}" type="datetimeFigureOut">
               <a:rPr lang="ko-KR" altLang="en-US" smtClean="0"/>
-              <a:t>2022-09-13</a:t>
+              <a:t>2022-09-15</a:t>
             </a:fld>
             <a:endParaRPr lang="ko-KR" altLang="en-US"/>
           </a:p>
@@ -433,7 +446,7 @@
           <a:p>
             <a:fld id="{B2A5FC70-7B36-45E3-95FD-37F18891D2C1}" type="datetimeFigureOut">
               <a:rPr lang="ko-KR" altLang="en-US" smtClean="0"/>
-              <a:t>2022-09-13</a:t>
+              <a:t>2022-09-15</a:t>
             </a:fld>
             <a:endParaRPr lang="ko-KR" altLang="en-US"/>
           </a:p>
@@ -613,7 +626,7 @@
           <a:p>
             <a:fld id="{B2A5FC70-7B36-45E3-95FD-37F18891D2C1}" type="datetimeFigureOut">
               <a:rPr lang="ko-KR" altLang="en-US" smtClean="0"/>
-              <a:t>2022-09-13</a:t>
+              <a:t>2022-09-15</a:t>
             </a:fld>
             <a:endParaRPr lang="ko-KR" altLang="en-US"/>
           </a:p>
@@ -783,7 +796,7 @@
           <a:p>
             <a:fld id="{B2A5FC70-7B36-45E3-95FD-37F18891D2C1}" type="datetimeFigureOut">
               <a:rPr lang="ko-KR" altLang="en-US" smtClean="0"/>
-              <a:t>2022-09-13</a:t>
+              <a:t>2022-09-15</a:t>
             </a:fld>
             <a:endParaRPr lang="ko-KR" altLang="en-US"/>
           </a:p>
@@ -1029,7 +1042,7 @@
           <a:p>
             <a:fld id="{B2A5FC70-7B36-45E3-95FD-37F18891D2C1}" type="datetimeFigureOut">
               <a:rPr lang="ko-KR" altLang="en-US" smtClean="0"/>
-              <a:t>2022-09-13</a:t>
+              <a:t>2022-09-15</a:t>
             </a:fld>
             <a:endParaRPr lang="ko-KR" altLang="en-US"/>
           </a:p>
@@ -1261,7 +1274,7 @@
           <a:p>
             <a:fld id="{B2A5FC70-7B36-45E3-95FD-37F18891D2C1}" type="datetimeFigureOut">
               <a:rPr lang="ko-KR" altLang="en-US" smtClean="0"/>
-              <a:t>2022-09-13</a:t>
+              <a:t>2022-09-15</a:t>
             </a:fld>
             <a:endParaRPr lang="ko-KR" altLang="en-US"/>
           </a:p>
@@ -1628,7 +1641,7 @@
           <a:p>
             <a:fld id="{B2A5FC70-7B36-45E3-95FD-37F18891D2C1}" type="datetimeFigureOut">
               <a:rPr lang="ko-KR" altLang="en-US" smtClean="0"/>
-              <a:t>2022-09-13</a:t>
+              <a:t>2022-09-15</a:t>
             </a:fld>
             <a:endParaRPr lang="ko-KR" altLang="en-US"/>
           </a:p>
@@ -1746,7 +1759,7 @@
           <a:p>
             <a:fld id="{B2A5FC70-7B36-45E3-95FD-37F18891D2C1}" type="datetimeFigureOut">
               <a:rPr lang="ko-KR" altLang="en-US" smtClean="0"/>
-              <a:t>2022-09-13</a:t>
+              <a:t>2022-09-15</a:t>
             </a:fld>
             <a:endParaRPr lang="ko-KR" altLang="en-US"/>
           </a:p>
@@ -1841,7 +1854,7 @@
           <a:p>
             <a:fld id="{B2A5FC70-7B36-45E3-95FD-37F18891D2C1}" type="datetimeFigureOut">
               <a:rPr lang="ko-KR" altLang="en-US" smtClean="0"/>
-              <a:t>2022-09-13</a:t>
+              <a:t>2022-09-15</a:t>
             </a:fld>
             <a:endParaRPr lang="ko-KR" altLang="en-US"/>
           </a:p>
@@ -2118,7 +2131,7 @@
           <a:p>
             <a:fld id="{B2A5FC70-7B36-45E3-95FD-37F18891D2C1}" type="datetimeFigureOut">
               <a:rPr lang="ko-KR" altLang="en-US" smtClean="0"/>
-              <a:t>2022-09-13</a:t>
+              <a:t>2022-09-15</a:t>
             </a:fld>
             <a:endParaRPr lang="ko-KR" altLang="en-US"/>
           </a:p>
@@ -2371,7 +2384,7 @@
           <a:p>
             <a:fld id="{B2A5FC70-7B36-45E3-95FD-37F18891D2C1}" type="datetimeFigureOut">
               <a:rPr lang="ko-KR" altLang="en-US" smtClean="0"/>
-              <a:t>2022-09-13</a:t>
+              <a:t>2022-09-15</a:t>
             </a:fld>
             <a:endParaRPr lang="ko-KR" altLang="en-US"/>
           </a:p>
@@ -2584,7 +2597,7 @@
           <a:p>
             <a:fld id="{B2A5FC70-7B36-45E3-95FD-37F18891D2C1}" type="datetimeFigureOut">
               <a:rPr lang="ko-KR" altLang="en-US" smtClean="0"/>
-              <a:t>2022-09-13</a:t>
+              <a:t>2022-09-15</a:t>
             </a:fld>
             <a:endParaRPr lang="ko-KR" altLang="en-US"/>
           </a:p>
@@ -4192,13 +4205,6 @@
               </a:rPr>
               <a:t>Render Sector</a:t>
             </a:r>
-            <a:endParaRPr lang="en-US" altLang="ko-KR" sz="3200" dirty="0" smtClean="0">
-              <a:solidFill>
-                <a:schemeClr val="bg1"/>
-              </a:solidFill>
-              <a:latin typeface="배스킨라빈스 R" panose="02020603020101020101" pitchFamily="18" charset="-127"/>
-              <a:ea typeface="배스킨라빈스 R" panose="02020603020101020101" pitchFamily="18" charset="-127"/>
-            </a:endParaRPr>
           </a:p>
         </p:txBody>
       </p:sp>
@@ -4336,10 +4342,6585 @@
           </a:p>
         </p:txBody>
       </p:sp>
+      <p:pic>
+        <p:nvPicPr>
+          <p:cNvPr id="2" name="그림 1"/>
+          <p:cNvPicPr>
+            <a:picLocks noChangeAspect="1"/>
+          </p:cNvPicPr>
+          <p:nvPr/>
+        </p:nvPicPr>
+        <p:blipFill>
+          <a:blip r:embed="rId2"/>
+          <a:stretch>
+            <a:fillRect/>
+          </a:stretch>
+        </p:blipFill>
+        <p:spPr>
+          <a:xfrm>
+            <a:off x="3536497" y="313000"/>
+            <a:ext cx="3943350" cy="6029325"/>
+          </a:xfrm>
+          <a:prstGeom prst="rect">
+            <a:avLst/>
+          </a:prstGeom>
+        </p:spPr>
+      </p:pic>
+      <p:pic>
+        <p:nvPicPr>
+          <p:cNvPr id="3" name="그림 2"/>
+          <p:cNvPicPr>
+            <a:picLocks noChangeAspect="1"/>
+          </p:cNvPicPr>
+          <p:nvPr/>
+        </p:nvPicPr>
+        <p:blipFill>
+          <a:blip r:embed="rId3"/>
+          <a:stretch>
+            <a:fillRect/>
+          </a:stretch>
+        </p:blipFill>
+        <p:spPr>
+          <a:xfrm>
+            <a:off x="7550226" y="308401"/>
+            <a:ext cx="4239003" cy="6033924"/>
+          </a:xfrm>
+          <a:prstGeom prst="rect">
+            <a:avLst/>
+          </a:prstGeom>
+        </p:spPr>
+      </p:pic>
+      <p:sp>
+        <p:nvSpPr>
+          <p:cNvPr id="5" name="TextBox 4"/>
+          <p:cNvSpPr txBox="1"/>
+          <p:nvPr/>
+        </p:nvSpPr>
+        <p:spPr>
+          <a:xfrm>
+            <a:off x="368666" y="2601686"/>
+            <a:ext cx="2653290" cy="3693319"/>
+          </a:xfrm>
+          <a:prstGeom prst="rect">
+            <a:avLst/>
+          </a:prstGeom>
+          <a:noFill/>
+        </p:spPr>
+        <p:txBody>
+          <a:bodyPr wrap="square" rtlCol="0">
+            <a:spAutoFit/>
+          </a:bodyPr>
+          <a:lstStyle/>
+          <a:p>
+            <a:pPr algn="r"/>
+            <a:r>
+              <a:rPr lang="en-US" altLang="ko-KR" dirty="0" err="1" smtClean="0">
+                <a:solidFill>
+                  <a:schemeClr val="bg1"/>
+                </a:solidFill>
+                <a:latin typeface="배스킨라빈스 R" panose="02020603020101020101" pitchFamily="18" charset="-127"/>
+                <a:ea typeface="배스킨라빈스 R" panose="02020603020101020101" pitchFamily="18" charset="-127"/>
+              </a:rPr>
+              <a:t>QuadNode</a:t>
+            </a:r>
+            <a:r>
+              <a:rPr lang="en-US" altLang="ko-KR" dirty="0" smtClean="0">
+                <a:solidFill>
+                  <a:schemeClr val="bg1"/>
+                </a:solidFill>
+                <a:latin typeface="배스킨라빈스 R" panose="02020603020101020101" pitchFamily="18" charset="-127"/>
+                <a:ea typeface="배스킨라빈스 R" panose="02020603020101020101" pitchFamily="18" charset="-127"/>
+              </a:rPr>
+              <a:t> </a:t>
+            </a:r>
+            <a:r>
+              <a:rPr lang="ko-KR" altLang="en-US" dirty="0" smtClean="0">
+                <a:solidFill>
+                  <a:schemeClr val="bg1"/>
+                </a:solidFill>
+                <a:latin typeface="배스킨라빈스 R" panose="02020603020101020101" pitchFamily="18" charset="-127"/>
+                <a:ea typeface="배스킨라빈스 R" panose="02020603020101020101" pitchFamily="18" charset="-127"/>
+              </a:rPr>
+              <a:t>는 </a:t>
+            </a:r>
+            <a:endParaRPr lang="en-US" altLang="ko-KR" dirty="0" smtClean="0">
+              <a:solidFill>
+                <a:schemeClr val="bg1"/>
+              </a:solidFill>
+              <a:latin typeface="배스킨라빈스 R" panose="02020603020101020101" pitchFamily="18" charset="-127"/>
+              <a:ea typeface="배스킨라빈스 R" panose="02020603020101020101" pitchFamily="18" charset="-127"/>
+            </a:endParaRPr>
+          </a:p>
+          <a:p>
+            <a:pPr algn="r"/>
+            <a:r>
+              <a:rPr lang="en-US" altLang="ko-KR" dirty="0" smtClean="0">
+                <a:solidFill>
+                  <a:schemeClr val="bg1"/>
+                </a:solidFill>
+                <a:latin typeface="배스킨라빈스 R" panose="02020603020101020101" pitchFamily="18" charset="-127"/>
+                <a:ea typeface="배스킨라빈스 R" panose="02020603020101020101" pitchFamily="18" charset="-127"/>
+              </a:rPr>
+              <a:t>Children </a:t>
+            </a:r>
+            <a:r>
+              <a:rPr lang="ko-KR" altLang="en-US" dirty="0" smtClean="0">
+                <a:solidFill>
+                  <a:schemeClr val="bg1"/>
+                </a:solidFill>
+                <a:latin typeface="배스킨라빈스 R" panose="02020603020101020101" pitchFamily="18" charset="-127"/>
+                <a:ea typeface="배스킨라빈스 R" panose="02020603020101020101" pitchFamily="18" charset="-127"/>
+              </a:rPr>
+              <a:t>정보를 관리 </a:t>
+            </a:r>
+            <a:endParaRPr lang="en-US" altLang="ko-KR" dirty="0" smtClean="0">
+              <a:solidFill>
+                <a:schemeClr val="bg1"/>
+              </a:solidFill>
+              <a:latin typeface="배스킨라빈스 R" panose="02020603020101020101" pitchFamily="18" charset="-127"/>
+              <a:ea typeface="배스킨라빈스 R" panose="02020603020101020101" pitchFamily="18" charset="-127"/>
+            </a:endParaRPr>
+          </a:p>
+          <a:p>
+            <a:pPr algn="r"/>
+            <a:endParaRPr lang="en-US" altLang="ko-KR" dirty="0">
+              <a:solidFill>
+                <a:schemeClr val="bg1"/>
+              </a:solidFill>
+              <a:latin typeface="배스킨라빈스 R" panose="02020603020101020101" pitchFamily="18" charset="-127"/>
+              <a:ea typeface="배스킨라빈스 R" panose="02020603020101020101" pitchFamily="18" charset="-127"/>
+            </a:endParaRPr>
+          </a:p>
+          <a:p>
+            <a:pPr algn="r"/>
+            <a:r>
+              <a:rPr lang="en-US" altLang="ko-KR" dirty="0" smtClean="0">
+                <a:solidFill>
+                  <a:schemeClr val="bg1"/>
+                </a:solidFill>
+                <a:latin typeface="배스킨라빈스 R" panose="02020603020101020101" pitchFamily="18" charset="-127"/>
+                <a:ea typeface="배스킨라빈스 R" panose="02020603020101020101" pitchFamily="18" charset="-127"/>
+              </a:rPr>
+              <a:t>Sector </a:t>
+            </a:r>
+            <a:r>
+              <a:rPr lang="ko-KR" altLang="en-US" dirty="0" smtClean="0">
+                <a:solidFill>
+                  <a:schemeClr val="bg1"/>
+                </a:solidFill>
+                <a:latin typeface="배스킨라빈스 R" panose="02020603020101020101" pitchFamily="18" charset="-127"/>
+                <a:ea typeface="배스킨라빈스 R" panose="02020603020101020101" pitchFamily="18" charset="-127"/>
+              </a:rPr>
+              <a:t>는 </a:t>
+            </a:r>
+            <a:endParaRPr lang="en-US" altLang="ko-KR" dirty="0" smtClean="0">
+              <a:solidFill>
+                <a:schemeClr val="bg1"/>
+              </a:solidFill>
+              <a:latin typeface="배스킨라빈스 R" panose="02020603020101020101" pitchFamily="18" charset="-127"/>
+              <a:ea typeface="배스킨라빈스 R" panose="02020603020101020101" pitchFamily="18" charset="-127"/>
+            </a:endParaRPr>
+          </a:p>
+          <a:p>
+            <a:pPr algn="r"/>
+            <a:r>
+              <a:rPr lang="ko-KR" altLang="en-US" dirty="0" smtClean="0">
+                <a:solidFill>
+                  <a:schemeClr val="bg1"/>
+                </a:solidFill>
+                <a:latin typeface="배스킨라빈스 R" panose="02020603020101020101" pitchFamily="18" charset="-127"/>
+                <a:ea typeface="배스킨라빈스 R" panose="02020603020101020101" pitchFamily="18" charset="-127"/>
+              </a:rPr>
+              <a:t>현재 </a:t>
+            </a:r>
+            <a:r>
+              <a:rPr lang="en-US" altLang="ko-KR" dirty="0" smtClean="0">
+                <a:solidFill>
+                  <a:schemeClr val="bg1"/>
+                </a:solidFill>
+                <a:latin typeface="배스킨라빈스 R" panose="02020603020101020101" pitchFamily="18" charset="-127"/>
+                <a:ea typeface="배스킨라빈스 R" panose="02020603020101020101" pitchFamily="18" charset="-127"/>
+              </a:rPr>
+              <a:t>Sector</a:t>
+            </a:r>
+            <a:r>
+              <a:rPr lang="ko-KR" altLang="en-US" dirty="0" smtClean="0">
+                <a:solidFill>
+                  <a:schemeClr val="bg1"/>
+                </a:solidFill>
+                <a:latin typeface="배스킨라빈스 R" panose="02020603020101020101" pitchFamily="18" charset="-127"/>
+                <a:ea typeface="배스킨라빈스 R" panose="02020603020101020101" pitchFamily="18" charset="-127"/>
+              </a:rPr>
+              <a:t>의 시야 내에 </a:t>
+            </a:r>
+            <a:endParaRPr lang="en-US" altLang="ko-KR" dirty="0" smtClean="0">
+              <a:solidFill>
+                <a:schemeClr val="bg1"/>
+              </a:solidFill>
+              <a:latin typeface="배스킨라빈스 R" panose="02020603020101020101" pitchFamily="18" charset="-127"/>
+              <a:ea typeface="배스킨라빈스 R" panose="02020603020101020101" pitchFamily="18" charset="-127"/>
+            </a:endParaRPr>
+          </a:p>
+          <a:p>
+            <a:pPr algn="r"/>
+            <a:r>
+              <a:rPr lang="ko-KR" altLang="en-US" dirty="0" smtClean="0">
+                <a:solidFill>
+                  <a:schemeClr val="bg1"/>
+                </a:solidFill>
+                <a:latin typeface="배스킨라빈스 R" panose="02020603020101020101" pitchFamily="18" charset="-127"/>
+                <a:ea typeface="배스킨라빈스 R" panose="02020603020101020101" pitchFamily="18" charset="-127"/>
+              </a:rPr>
+              <a:t>들어오는 타일들의 정보와 </a:t>
+            </a:r>
+            <a:endParaRPr lang="en-US" altLang="ko-KR" dirty="0" smtClean="0">
+              <a:solidFill>
+                <a:schemeClr val="bg1"/>
+              </a:solidFill>
+              <a:latin typeface="배스킨라빈스 R" panose="02020603020101020101" pitchFamily="18" charset="-127"/>
+              <a:ea typeface="배스킨라빈스 R" panose="02020603020101020101" pitchFamily="18" charset="-127"/>
+            </a:endParaRPr>
+          </a:p>
+          <a:p>
+            <a:pPr algn="r"/>
+            <a:r>
+              <a:rPr lang="en-US" altLang="ko-KR" dirty="0" smtClean="0">
+                <a:solidFill>
+                  <a:schemeClr val="bg1"/>
+                </a:solidFill>
+                <a:latin typeface="배스킨라빈스 R" panose="02020603020101020101" pitchFamily="18" charset="-127"/>
+                <a:ea typeface="배스킨라빈스 R" panose="02020603020101020101" pitchFamily="18" charset="-127"/>
+              </a:rPr>
+              <a:t>Sector</a:t>
+            </a:r>
+            <a:r>
+              <a:rPr lang="ko-KR" altLang="en-US" dirty="0" smtClean="0">
+                <a:solidFill>
+                  <a:schemeClr val="bg1"/>
+                </a:solidFill>
+                <a:latin typeface="배스킨라빈스 R" panose="02020603020101020101" pitchFamily="18" charset="-127"/>
+                <a:ea typeface="배스킨라빈스 R" panose="02020603020101020101" pitchFamily="18" charset="-127"/>
+              </a:rPr>
+              <a:t>들의 정보를 </a:t>
+            </a:r>
+            <a:endParaRPr lang="en-US" altLang="ko-KR" dirty="0" smtClean="0">
+              <a:solidFill>
+                <a:schemeClr val="bg1"/>
+              </a:solidFill>
+              <a:latin typeface="배스킨라빈스 R" panose="02020603020101020101" pitchFamily="18" charset="-127"/>
+              <a:ea typeface="배스킨라빈스 R" panose="02020603020101020101" pitchFamily="18" charset="-127"/>
+            </a:endParaRPr>
+          </a:p>
+          <a:p>
+            <a:pPr algn="r"/>
+            <a:r>
+              <a:rPr lang="ko-KR" altLang="en-US" dirty="0" smtClean="0">
+                <a:solidFill>
+                  <a:schemeClr val="bg1"/>
+                </a:solidFill>
+                <a:latin typeface="배스킨라빈스 R" panose="02020603020101020101" pitchFamily="18" charset="-127"/>
+                <a:ea typeface="배스킨라빈스 R" panose="02020603020101020101" pitchFamily="18" charset="-127"/>
+              </a:rPr>
+              <a:t>관리</a:t>
+            </a:r>
+            <a:r>
+              <a:rPr lang="en-US" altLang="ko-KR" dirty="0">
+                <a:solidFill>
+                  <a:schemeClr val="bg1"/>
+                </a:solidFill>
+                <a:latin typeface="배스킨라빈스 R" panose="02020603020101020101" pitchFamily="18" charset="-127"/>
+                <a:ea typeface="배스킨라빈스 R" panose="02020603020101020101" pitchFamily="18" charset="-127"/>
+              </a:rPr>
+              <a:t> </a:t>
+            </a:r>
+            <a:r>
+              <a:rPr lang="ko-KR" altLang="en-US" dirty="0" smtClean="0">
+                <a:solidFill>
+                  <a:schemeClr val="bg1"/>
+                </a:solidFill>
+                <a:latin typeface="배스킨라빈스 R" panose="02020603020101020101" pitchFamily="18" charset="-127"/>
+                <a:ea typeface="배스킨라빈스 R" panose="02020603020101020101" pitchFamily="18" charset="-127"/>
+              </a:rPr>
+              <a:t>합니다</a:t>
+            </a:r>
+            <a:r>
+              <a:rPr lang="en-US" altLang="ko-KR" dirty="0" smtClean="0">
+                <a:solidFill>
+                  <a:schemeClr val="bg1"/>
+                </a:solidFill>
+                <a:latin typeface="배스킨라빈스 R" panose="02020603020101020101" pitchFamily="18" charset="-127"/>
+                <a:ea typeface="배스킨라빈스 R" panose="02020603020101020101" pitchFamily="18" charset="-127"/>
+              </a:rPr>
+              <a:t>.</a:t>
+            </a:r>
+          </a:p>
+          <a:p>
+            <a:endParaRPr lang="en-US" altLang="ko-KR" dirty="0">
+              <a:solidFill>
+                <a:schemeClr val="bg1"/>
+              </a:solidFill>
+              <a:latin typeface="배스킨라빈스 R" panose="02020603020101020101" pitchFamily="18" charset="-127"/>
+              <a:ea typeface="배스킨라빈스 R" panose="02020603020101020101" pitchFamily="18" charset="-127"/>
+            </a:endParaRPr>
+          </a:p>
+          <a:p>
+            <a:pPr algn="r"/>
+            <a:r>
+              <a:rPr lang="en-US" altLang="ko-KR" dirty="0" smtClean="0">
+                <a:solidFill>
+                  <a:schemeClr val="bg1"/>
+                </a:solidFill>
+                <a:latin typeface="배스킨라빈스 R" panose="02020603020101020101" pitchFamily="18" charset="-127"/>
+                <a:ea typeface="배스킨라빈스 R" panose="02020603020101020101" pitchFamily="18" charset="-127"/>
+              </a:rPr>
+              <a:t>+ </a:t>
+            </a:r>
+            <a:r>
+              <a:rPr lang="ko-KR" altLang="en-US" dirty="0" smtClean="0">
+                <a:solidFill>
+                  <a:schemeClr val="bg1"/>
+                </a:solidFill>
+                <a:latin typeface="배스킨라빈스 R" panose="02020603020101020101" pitchFamily="18" charset="-127"/>
+                <a:ea typeface="배스킨라빈스 R" panose="02020603020101020101" pitchFamily="18" charset="-127"/>
+              </a:rPr>
+              <a:t>오브젝트들의 정보는</a:t>
+            </a:r>
+            <a:endParaRPr lang="en-US" altLang="ko-KR" dirty="0" smtClean="0">
+              <a:solidFill>
+                <a:schemeClr val="bg1"/>
+              </a:solidFill>
+              <a:latin typeface="배스킨라빈스 R" panose="02020603020101020101" pitchFamily="18" charset="-127"/>
+              <a:ea typeface="배스킨라빈스 R" panose="02020603020101020101" pitchFamily="18" charset="-127"/>
+            </a:endParaRPr>
+          </a:p>
+          <a:p>
+            <a:pPr algn="r"/>
+            <a:r>
+              <a:rPr lang="en-US" altLang="ko-KR" dirty="0" smtClean="0">
+                <a:solidFill>
+                  <a:schemeClr val="bg1"/>
+                </a:solidFill>
+                <a:latin typeface="배스킨라빈스 R" panose="02020603020101020101" pitchFamily="18" charset="-127"/>
+                <a:ea typeface="배스킨라빈스 R" panose="02020603020101020101" pitchFamily="18" charset="-127"/>
+              </a:rPr>
+              <a:t>   Sector</a:t>
+            </a:r>
+            <a:r>
+              <a:rPr lang="ko-KR" altLang="en-US" dirty="0" smtClean="0">
+                <a:solidFill>
+                  <a:schemeClr val="bg1"/>
+                </a:solidFill>
+                <a:latin typeface="배스킨라빈스 R" panose="02020603020101020101" pitchFamily="18" charset="-127"/>
+                <a:ea typeface="배스킨라빈스 R" panose="02020603020101020101" pitchFamily="18" charset="-127"/>
+              </a:rPr>
+              <a:t>를 통하여 </a:t>
+            </a:r>
+            <a:endParaRPr lang="en-US" altLang="ko-KR" dirty="0" smtClean="0">
+              <a:solidFill>
+                <a:schemeClr val="bg1"/>
+              </a:solidFill>
+              <a:latin typeface="배스킨라빈스 R" panose="02020603020101020101" pitchFamily="18" charset="-127"/>
+              <a:ea typeface="배스킨라빈스 R" panose="02020603020101020101" pitchFamily="18" charset="-127"/>
+            </a:endParaRPr>
+          </a:p>
+          <a:p>
+            <a:pPr algn="r"/>
+            <a:r>
+              <a:rPr lang="ko-KR" altLang="en-US" dirty="0" smtClean="0">
+                <a:solidFill>
+                  <a:schemeClr val="bg1"/>
+                </a:solidFill>
+                <a:latin typeface="배스킨라빈스 R" panose="02020603020101020101" pitchFamily="18" charset="-127"/>
+                <a:ea typeface="배스킨라빈스 R" panose="02020603020101020101" pitchFamily="18" charset="-127"/>
+              </a:rPr>
+              <a:t>   해당하는 타일에 </a:t>
+            </a:r>
+            <a:endParaRPr lang="en-US" altLang="ko-KR" dirty="0" smtClean="0">
+              <a:solidFill>
+                <a:schemeClr val="bg1"/>
+              </a:solidFill>
+              <a:latin typeface="배스킨라빈스 R" panose="02020603020101020101" pitchFamily="18" charset="-127"/>
+              <a:ea typeface="배스킨라빈스 R" panose="02020603020101020101" pitchFamily="18" charset="-127"/>
+            </a:endParaRPr>
+          </a:p>
+          <a:p>
+            <a:pPr algn="r"/>
+            <a:r>
+              <a:rPr lang="en-US" altLang="ko-KR" dirty="0">
+                <a:solidFill>
+                  <a:schemeClr val="bg1"/>
+                </a:solidFill>
+                <a:latin typeface="배스킨라빈스 R" panose="02020603020101020101" pitchFamily="18" charset="-127"/>
+                <a:ea typeface="배스킨라빈스 R" panose="02020603020101020101" pitchFamily="18" charset="-127"/>
+              </a:rPr>
+              <a:t> </a:t>
+            </a:r>
+            <a:r>
+              <a:rPr lang="en-US" altLang="ko-KR" dirty="0" smtClean="0">
+                <a:solidFill>
+                  <a:schemeClr val="bg1"/>
+                </a:solidFill>
+                <a:latin typeface="배스킨라빈스 R" panose="02020603020101020101" pitchFamily="18" charset="-127"/>
+                <a:ea typeface="배스킨라빈스 R" panose="02020603020101020101" pitchFamily="18" charset="-127"/>
+              </a:rPr>
+              <a:t>  </a:t>
+            </a:r>
+            <a:r>
+              <a:rPr lang="ko-KR" altLang="en-US" dirty="0" smtClean="0">
+                <a:solidFill>
+                  <a:schemeClr val="bg1"/>
+                </a:solidFill>
+                <a:latin typeface="배스킨라빈스 R" panose="02020603020101020101" pitchFamily="18" charset="-127"/>
+                <a:ea typeface="배스킨라빈스 R" panose="02020603020101020101" pitchFamily="18" charset="-127"/>
+              </a:rPr>
+              <a:t>등록됩니다</a:t>
+            </a:r>
+            <a:r>
+              <a:rPr lang="en-US" altLang="ko-KR" dirty="0" smtClean="0">
+                <a:solidFill>
+                  <a:schemeClr val="bg1"/>
+                </a:solidFill>
+                <a:latin typeface="배스킨라빈스 R" panose="02020603020101020101" pitchFamily="18" charset="-127"/>
+                <a:ea typeface="배스킨라빈스 R" panose="02020603020101020101" pitchFamily="18" charset="-127"/>
+              </a:rPr>
+              <a:t>.</a:t>
+            </a:r>
+            <a:endParaRPr lang="en-US" altLang="ko-KR" dirty="0">
+              <a:solidFill>
+                <a:schemeClr val="bg1"/>
+              </a:solidFill>
+              <a:latin typeface="배스킨라빈스 R" panose="02020603020101020101" pitchFamily="18" charset="-127"/>
+              <a:ea typeface="배스킨라빈스 R" panose="02020603020101020101" pitchFamily="18" charset="-127"/>
+            </a:endParaRPr>
+          </a:p>
+        </p:txBody>
+      </p:sp>
     </p:spTree>
     <p:extLst>
       <p:ext uri="{BB962C8B-B14F-4D97-AF65-F5344CB8AC3E}">
         <p14:creationId xmlns:p14="http://schemas.microsoft.com/office/powerpoint/2010/main" val="1449300344"/>
+      </p:ext>
+    </p:extLst>
+  </p:cSld>
+  <p:clrMapOvr>
+    <a:masterClrMapping/>
+  </p:clrMapOvr>
+  <p:timing>
+    <p:tnLst>
+      <p:par>
+        <p:cTn id="1" dur="indefinite" restart="never" nodeType="tmRoot"/>
+      </p:par>
+    </p:tnLst>
+  </p:timing>
+</p:sld>
+</file>
+
+<file path=ppt/slides/slide12.xml><?xml version="1.0" encoding="utf-8"?>
+<p:sld xmlns:a="http://schemas.openxmlformats.org/drawingml/2006/main" xmlns:r="http://schemas.openxmlformats.org/officeDocument/2006/relationships" xmlns:p="http://schemas.openxmlformats.org/presentationml/2006/main">
+  <p:cSld>
+    <p:bg>
+      <p:bgPr>
+        <a:solidFill>
+          <a:schemeClr val="tx1">
+            <a:lumMod val="75000"/>
+            <a:lumOff val="25000"/>
+          </a:schemeClr>
+        </a:solidFill>
+        <a:effectLst/>
+      </p:bgPr>
+    </p:bg>
+    <p:spTree>
+      <p:nvGrpSpPr>
+        <p:cNvPr id="1" name=""/>
+        <p:cNvGrpSpPr/>
+        <p:nvPr/>
+      </p:nvGrpSpPr>
+      <p:grpSpPr>
+        <a:xfrm>
+          <a:off x="0" y="0"/>
+          <a:ext cx="0" cy="0"/>
+          <a:chOff x="0" y="0"/>
+          <a:chExt cx="0" cy="0"/>
+        </a:xfrm>
+      </p:grpSpPr>
+      <p:sp>
+        <p:nvSpPr>
+          <p:cNvPr id="4" name="직사각형 3"/>
+          <p:cNvSpPr/>
+          <p:nvPr/>
+        </p:nvSpPr>
+        <p:spPr>
+          <a:xfrm>
+            <a:off x="3092335" y="0"/>
+            <a:ext cx="9099665" cy="6858000"/>
+          </a:xfrm>
+          <a:prstGeom prst="rect">
+            <a:avLst/>
+          </a:prstGeom>
+          <a:solidFill>
+            <a:schemeClr val="bg1">
+              <a:lumMod val="85000"/>
+            </a:schemeClr>
+          </a:solidFill>
+          <a:ln>
+            <a:solidFill>
+              <a:schemeClr val="bg1">
+                <a:lumMod val="85000"/>
+              </a:schemeClr>
+            </a:solidFill>
+          </a:ln>
+        </p:spPr>
+        <p:style>
+          <a:lnRef idx="2">
+            <a:schemeClr val="accent1">
+              <a:shade val="50000"/>
+            </a:schemeClr>
+          </a:lnRef>
+          <a:fillRef idx="1">
+            <a:schemeClr val="accent1"/>
+          </a:fillRef>
+          <a:effectRef idx="0">
+            <a:schemeClr val="accent1"/>
+          </a:effectRef>
+          <a:fontRef idx="minor">
+            <a:schemeClr val="lt1"/>
+          </a:fontRef>
+        </p:style>
+        <p:txBody>
+          <a:bodyPr rtlCol="0" anchor="ctr"/>
+          <a:lstStyle/>
+          <a:p>
+            <a:pPr algn="ctr"/>
+            <a:endParaRPr lang="ko-KR" altLang="en-US" dirty="0"/>
+          </a:p>
+        </p:txBody>
+      </p:sp>
+      <p:cxnSp>
+        <p:nvCxnSpPr>
+          <p:cNvPr id="7" name="직선 연결선 6"/>
+          <p:cNvCxnSpPr/>
+          <p:nvPr/>
+        </p:nvCxnSpPr>
+        <p:spPr>
+          <a:xfrm flipV="1">
+            <a:off x="465513" y="897775"/>
+            <a:ext cx="2626822" cy="16625"/>
+          </a:xfrm>
+          <a:prstGeom prst="line">
+            <a:avLst/>
+          </a:prstGeom>
+          <a:ln w="41275">
+            <a:solidFill>
+              <a:schemeClr val="bg1">
+                <a:lumMod val="75000"/>
+              </a:schemeClr>
+            </a:solidFill>
+          </a:ln>
+        </p:spPr>
+        <p:style>
+          <a:lnRef idx="1">
+            <a:schemeClr val="accent1"/>
+          </a:lnRef>
+          <a:fillRef idx="0">
+            <a:schemeClr val="accent1"/>
+          </a:fillRef>
+          <a:effectRef idx="0">
+            <a:schemeClr val="accent1"/>
+          </a:effectRef>
+          <a:fontRef idx="minor">
+            <a:schemeClr val="tx1"/>
+          </a:fontRef>
+        </p:style>
+      </p:cxnSp>
+      <p:sp>
+        <p:nvSpPr>
+          <p:cNvPr id="9" name="TextBox 8"/>
+          <p:cNvSpPr txBox="1"/>
+          <p:nvPr/>
+        </p:nvSpPr>
+        <p:spPr>
+          <a:xfrm>
+            <a:off x="368666" y="313000"/>
+            <a:ext cx="2653290" cy="584775"/>
+          </a:xfrm>
+          <a:prstGeom prst="rect">
+            <a:avLst/>
+          </a:prstGeom>
+          <a:noFill/>
+        </p:spPr>
+        <p:txBody>
+          <a:bodyPr wrap="none" rtlCol="0">
+            <a:spAutoFit/>
+          </a:bodyPr>
+          <a:lstStyle/>
+          <a:p>
+            <a:r>
+              <a:rPr lang="en-US" altLang="ko-KR" sz="3200" dirty="0" smtClean="0">
+                <a:solidFill>
+                  <a:schemeClr val="bg1"/>
+                </a:solidFill>
+                <a:latin typeface="배스킨라빈스 R" panose="02020603020101020101" pitchFamily="18" charset="-127"/>
+                <a:ea typeface="배스킨라빈스 R" panose="02020603020101020101" pitchFamily="18" charset="-127"/>
+              </a:rPr>
+              <a:t>Render Sector</a:t>
+            </a:r>
+          </a:p>
+        </p:txBody>
+      </p:sp>
+      <p:sp>
+        <p:nvSpPr>
+          <p:cNvPr id="8" name="TextBox 7"/>
+          <p:cNvSpPr txBox="1"/>
+          <p:nvPr/>
+        </p:nvSpPr>
+        <p:spPr>
+          <a:xfrm>
+            <a:off x="45743" y="1267107"/>
+            <a:ext cx="3092335" cy="1200329"/>
+          </a:xfrm>
+          <a:prstGeom prst="rect">
+            <a:avLst/>
+          </a:prstGeom>
+          <a:noFill/>
+        </p:spPr>
+        <p:txBody>
+          <a:bodyPr wrap="square" rtlCol="0">
+            <a:spAutoFit/>
+          </a:bodyPr>
+          <a:lstStyle/>
+          <a:p>
+            <a:pPr algn="r"/>
+            <a:endParaRPr lang="en-US" altLang="ko-KR" dirty="0">
+              <a:solidFill>
+                <a:schemeClr val="bg1"/>
+              </a:solidFill>
+              <a:latin typeface="배스킨라빈스 R" panose="02020603020101020101" pitchFamily="18" charset="-127"/>
+              <a:ea typeface="배스킨라빈스 R" panose="02020603020101020101" pitchFamily="18" charset="-127"/>
+            </a:endParaRPr>
+          </a:p>
+          <a:p>
+            <a:pPr algn="r"/>
+            <a:endParaRPr lang="en-US" altLang="ko-KR" dirty="0" smtClean="0">
+              <a:solidFill>
+                <a:schemeClr val="bg1"/>
+              </a:solidFill>
+              <a:latin typeface="배스킨라빈스 R" panose="02020603020101020101" pitchFamily="18" charset="-127"/>
+              <a:ea typeface="배스킨라빈스 R" panose="02020603020101020101" pitchFamily="18" charset="-127"/>
+            </a:endParaRPr>
+          </a:p>
+          <a:p>
+            <a:pPr algn="r"/>
+            <a:endParaRPr lang="en-US" altLang="ko-KR" dirty="0" smtClean="0">
+              <a:solidFill>
+                <a:schemeClr val="bg1"/>
+              </a:solidFill>
+              <a:latin typeface="배스킨라빈스 R" panose="02020603020101020101" pitchFamily="18" charset="-127"/>
+              <a:ea typeface="배스킨라빈스 R" panose="02020603020101020101" pitchFamily="18" charset="-127"/>
+            </a:endParaRPr>
+          </a:p>
+          <a:p>
+            <a:pPr algn="r"/>
+            <a:r>
+              <a:rPr lang="ko-KR" altLang="en-US" dirty="0" smtClean="0">
+                <a:solidFill>
+                  <a:schemeClr val="bg1"/>
+                </a:solidFill>
+                <a:latin typeface="배스킨라빈스 R" panose="02020603020101020101" pitchFamily="18" charset="-127"/>
+                <a:ea typeface="배스킨라빈스 R" panose="02020603020101020101" pitchFamily="18" charset="-127"/>
+              </a:rPr>
+              <a:t> </a:t>
+            </a:r>
+            <a:r>
+              <a:rPr lang="en-US" altLang="ko-KR" dirty="0" smtClean="0">
+                <a:solidFill>
+                  <a:srgbClr val="C77FC9"/>
+                </a:solidFill>
+                <a:latin typeface="배스킨라빈스 R" panose="02020603020101020101" pitchFamily="18" charset="-127"/>
+                <a:ea typeface="배스킨라빈스 R" panose="02020603020101020101" pitchFamily="18" charset="-127"/>
+              </a:rPr>
+              <a:t> </a:t>
+            </a:r>
+          </a:p>
+        </p:txBody>
+      </p:sp>
+      <p:sp>
+        <p:nvSpPr>
+          <p:cNvPr id="19" name="TextBox 18"/>
+          <p:cNvSpPr txBox="1"/>
+          <p:nvPr/>
+        </p:nvSpPr>
+        <p:spPr>
+          <a:xfrm>
+            <a:off x="1753278" y="866997"/>
+            <a:ext cx="1365525" cy="400110"/>
+          </a:xfrm>
+          <a:prstGeom prst="rect">
+            <a:avLst/>
+          </a:prstGeom>
+          <a:noFill/>
+        </p:spPr>
+        <p:txBody>
+          <a:bodyPr wrap="square" rtlCol="0">
+            <a:spAutoFit/>
+          </a:bodyPr>
+          <a:lstStyle/>
+          <a:p>
+            <a:r>
+              <a:rPr lang="en-US" altLang="ko-KR" sz="2000" dirty="0">
+                <a:solidFill>
+                  <a:schemeClr val="bg1">
+                    <a:lumMod val="50000"/>
+                  </a:schemeClr>
+                </a:solidFill>
+                <a:latin typeface="배스킨라빈스 R" panose="02020603020101020101" pitchFamily="18" charset="-127"/>
+                <a:ea typeface="배스킨라빈스 R" panose="02020603020101020101" pitchFamily="18" charset="-127"/>
+              </a:rPr>
+              <a:t>Quad Tree</a:t>
+            </a:r>
+          </a:p>
+        </p:txBody>
+      </p:sp>
+      <p:sp>
+        <p:nvSpPr>
+          <p:cNvPr id="5" name="TextBox 4"/>
+          <p:cNvSpPr txBox="1"/>
+          <p:nvPr/>
+        </p:nvSpPr>
+        <p:spPr>
+          <a:xfrm>
+            <a:off x="214578" y="1174774"/>
+            <a:ext cx="2904226" cy="3416320"/>
+          </a:xfrm>
+          <a:prstGeom prst="rect">
+            <a:avLst/>
+          </a:prstGeom>
+          <a:noFill/>
+        </p:spPr>
+        <p:txBody>
+          <a:bodyPr wrap="square" rtlCol="0">
+            <a:spAutoFit/>
+          </a:bodyPr>
+          <a:lstStyle/>
+          <a:p>
+            <a:r>
+              <a:rPr lang="en-US" altLang="ko-KR" dirty="0" smtClean="0">
+                <a:solidFill>
+                  <a:schemeClr val="bg1"/>
+                </a:solidFill>
+                <a:latin typeface="배스킨라빈스 R" panose="02020603020101020101" pitchFamily="18" charset="-127"/>
+                <a:ea typeface="배스킨라빈스 R" panose="02020603020101020101" pitchFamily="18" charset="-127"/>
+              </a:rPr>
+              <a:t>Sector Manager </a:t>
+            </a:r>
+            <a:r>
+              <a:rPr lang="ko-KR" altLang="en-US" dirty="0" smtClean="0">
+                <a:solidFill>
+                  <a:schemeClr val="bg1"/>
+                </a:solidFill>
+                <a:latin typeface="배스킨라빈스 R" panose="02020603020101020101" pitchFamily="18" charset="-127"/>
+                <a:ea typeface="배스킨라빈스 R" panose="02020603020101020101" pitchFamily="18" charset="-127"/>
+              </a:rPr>
+              <a:t>에서 </a:t>
+            </a:r>
+            <a:endParaRPr lang="en-US" altLang="ko-KR" dirty="0" smtClean="0">
+              <a:solidFill>
+                <a:schemeClr val="bg1"/>
+              </a:solidFill>
+              <a:latin typeface="배스킨라빈스 R" panose="02020603020101020101" pitchFamily="18" charset="-127"/>
+              <a:ea typeface="배스킨라빈스 R" panose="02020603020101020101" pitchFamily="18" charset="-127"/>
+            </a:endParaRPr>
+          </a:p>
+          <a:p>
+            <a:r>
+              <a:rPr lang="en-US" altLang="ko-KR" dirty="0" smtClean="0">
+                <a:solidFill>
+                  <a:schemeClr val="bg1"/>
+                </a:solidFill>
+                <a:latin typeface="배스킨라빈스 R" panose="02020603020101020101" pitchFamily="18" charset="-127"/>
+                <a:ea typeface="배스킨라빈스 R" panose="02020603020101020101" pitchFamily="18" charset="-127"/>
+              </a:rPr>
+              <a:t>Game</a:t>
+            </a:r>
+            <a:r>
+              <a:rPr lang="ko-KR" altLang="en-US" dirty="0" smtClean="0">
+                <a:solidFill>
+                  <a:schemeClr val="bg1"/>
+                </a:solidFill>
+                <a:latin typeface="배스킨라빈스 R" panose="02020603020101020101" pitchFamily="18" charset="-127"/>
+                <a:ea typeface="배스킨라빈스 R" panose="02020603020101020101" pitchFamily="18" charset="-127"/>
+              </a:rPr>
+              <a:t>에 돌입했을 때 </a:t>
+            </a:r>
+            <a:endParaRPr lang="en-US" altLang="ko-KR" dirty="0" smtClean="0">
+              <a:solidFill>
+                <a:schemeClr val="bg1"/>
+              </a:solidFill>
+              <a:latin typeface="배스킨라빈스 R" panose="02020603020101020101" pitchFamily="18" charset="-127"/>
+              <a:ea typeface="배스킨라빈스 R" panose="02020603020101020101" pitchFamily="18" charset="-127"/>
+            </a:endParaRPr>
+          </a:p>
+          <a:p>
+            <a:r>
+              <a:rPr lang="ko-KR" altLang="en-US" dirty="0" smtClean="0">
+                <a:solidFill>
+                  <a:schemeClr val="bg1"/>
+                </a:solidFill>
+                <a:latin typeface="배스킨라빈스 R" panose="02020603020101020101" pitchFamily="18" charset="-127"/>
+                <a:ea typeface="배스킨라빈스 R" panose="02020603020101020101" pitchFamily="18" charset="-127"/>
+              </a:rPr>
+              <a:t>해당 게임의 </a:t>
+            </a:r>
+            <a:r>
+              <a:rPr lang="ko-KR" altLang="en-US" dirty="0" err="1" smtClean="0">
+                <a:solidFill>
+                  <a:schemeClr val="bg1"/>
+                </a:solidFill>
+                <a:latin typeface="배스킨라빈스 R" panose="02020603020101020101" pitchFamily="18" charset="-127"/>
+                <a:ea typeface="배스킨라빈스 R" panose="02020603020101020101" pitchFamily="18" charset="-127"/>
+              </a:rPr>
+              <a:t>맵에</a:t>
+            </a:r>
+            <a:r>
+              <a:rPr lang="ko-KR" altLang="en-US" dirty="0" smtClean="0">
+                <a:solidFill>
+                  <a:schemeClr val="bg1"/>
+                </a:solidFill>
+                <a:latin typeface="배스킨라빈스 R" panose="02020603020101020101" pitchFamily="18" charset="-127"/>
+                <a:ea typeface="배스킨라빈스 R" panose="02020603020101020101" pitchFamily="18" charset="-127"/>
+              </a:rPr>
+              <a:t> 대한 </a:t>
+            </a:r>
+            <a:endParaRPr lang="en-US" altLang="ko-KR" dirty="0" smtClean="0">
+              <a:solidFill>
+                <a:schemeClr val="bg1"/>
+              </a:solidFill>
+              <a:latin typeface="배스킨라빈스 R" panose="02020603020101020101" pitchFamily="18" charset="-127"/>
+              <a:ea typeface="배스킨라빈스 R" panose="02020603020101020101" pitchFamily="18" charset="-127"/>
+            </a:endParaRPr>
+          </a:p>
+          <a:p>
+            <a:r>
+              <a:rPr lang="en-US" altLang="ko-KR" dirty="0" smtClean="0">
+                <a:solidFill>
+                  <a:schemeClr val="bg1"/>
+                </a:solidFill>
+                <a:latin typeface="배스킨라빈스 R" panose="02020603020101020101" pitchFamily="18" charset="-127"/>
+                <a:ea typeface="배스킨라빈스 R" panose="02020603020101020101" pitchFamily="18" charset="-127"/>
+              </a:rPr>
+              <a:t>Sector</a:t>
+            </a:r>
+            <a:r>
+              <a:rPr lang="ko-KR" altLang="en-US" dirty="0" smtClean="0">
+                <a:solidFill>
+                  <a:schemeClr val="bg1"/>
+                </a:solidFill>
+                <a:latin typeface="배스킨라빈스 R" panose="02020603020101020101" pitchFamily="18" charset="-127"/>
+                <a:ea typeface="배스킨라빈스 R" panose="02020603020101020101" pitchFamily="18" charset="-127"/>
+              </a:rPr>
+              <a:t>와 그 자식들의 값을 </a:t>
+            </a:r>
+            <a:endParaRPr lang="en-US" altLang="ko-KR" dirty="0" smtClean="0">
+              <a:solidFill>
+                <a:schemeClr val="bg1"/>
+              </a:solidFill>
+              <a:latin typeface="배스킨라빈스 R" panose="02020603020101020101" pitchFamily="18" charset="-127"/>
+              <a:ea typeface="배스킨라빈스 R" panose="02020603020101020101" pitchFamily="18" charset="-127"/>
+            </a:endParaRPr>
+          </a:p>
+          <a:p>
+            <a:r>
+              <a:rPr lang="ko-KR" altLang="en-US" dirty="0" smtClean="0">
+                <a:solidFill>
+                  <a:schemeClr val="bg1"/>
+                </a:solidFill>
+                <a:latin typeface="배스킨라빈스 R" panose="02020603020101020101" pitchFamily="18" charset="-127"/>
+                <a:ea typeface="배스킨라빈스 R" panose="02020603020101020101" pitchFamily="18" charset="-127"/>
+              </a:rPr>
+              <a:t>설정합니다</a:t>
+            </a:r>
+            <a:r>
+              <a:rPr lang="en-US" altLang="ko-KR" dirty="0" smtClean="0">
+                <a:solidFill>
+                  <a:schemeClr val="bg1"/>
+                </a:solidFill>
+                <a:latin typeface="배스킨라빈스 R" panose="02020603020101020101" pitchFamily="18" charset="-127"/>
+                <a:ea typeface="배스킨라빈스 R" panose="02020603020101020101" pitchFamily="18" charset="-127"/>
+              </a:rPr>
+              <a:t>.</a:t>
+            </a:r>
+          </a:p>
+          <a:p>
+            <a:endParaRPr lang="en-US" altLang="ko-KR" dirty="0">
+              <a:solidFill>
+                <a:schemeClr val="bg1"/>
+              </a:solidFill>
+              <a:latin typeface="배스킨라빈스 R" panose="02020603020101020101" pitchFamily="18" charset="-127"/>
+              <a:ea typeface="배스킨라빈스 R" panose="02020603020101020101" pitchFamily="18" charset="-127"/>
+            </a:endParaRPr>
+          </a:p>
+          <a:p>
+            <a:r>
+              <a:rPr lang="en-US" altLang="ko-KR" dirty="0" smtClean="0">
+                <a:solidFill>
+                  <a:schemeClr val="bg1"/>
+                </a:solidFill>
+                <a:latin typeface="배스킨라빈스 R" panose="02020603020101020101" pitchFamily="18" charset="-127"/>
+                <a:ea typeface="배스킨라빈스 R" panose="02020603020101020101" pitchFamily="18" charset="-127"/>
+              </a:rPr>
+              <a:t>Depth</a:t>
+            </a:r>
+            <a:r>
+              <a:rPr lang="ko-KR" altLang="en-US" dirty="0" smtClean="0">
+                <a:solidFill>
+                  <a:schemeClr val="bg1"/>
+                </a:solidFill>
+                <a:latin typeface="배스킨라빈스 R" panose="02020603020101020101" pitchFamily="18" charset="-127"/>
+                <a:ea typeface="배스킨라빈스 R" panose="02020603020101020101" pitchFamily="18" charset="-127"/>
+              </a:rPr>
+              <a:t>값을 주어 해당 값</a:t>
+            </a:r>
+            <a:endParaRPr lang="en-US" altLang="ko-KR" dirty="0" smtClean="0">
+              <a:solidFill>
+                <a:schemeClr val="bg1"/>
+              </a:solidFill>
+              <a:latin typeface="배스킨라빈스 R" panose="02020603020101020101" pitchFamily="18" charset="-127"/>
+              <a:ea typeface="배스킨라빈스 R" panose="02020603020101020101" pitchFamily="18" charset="-127"/>
+            </a:endParaRPr>
+          </a:p>
+          <a:p>
+            <a:r>
+              <a:rPr lang="ko-KR" altLang="en-US" dirty="0" smtClean="0">
+                <a:solidFill>
+                  <a:schemeClr val="bg1"/>
+                </a:solidFill>
+                <a:latin typeface="배스킨라빈스 R" panose="02020603020101020101" pitchFamily="18" charset="-127"/>
+                <a:ea typeface="배스킨라빈스 R" panose="02020603020101020101" pitchFamily="18" charset="-127"/>
+              </a:rPr>
+              <a:t>수정 시 트리가 </a:t>
+            </a:r>
+            <a:r>
+              <a:rPr lang="en-US" altLang="ko-KR" dirty="0" smtClean="0">
+                <a:solidFill>
+                  <a:srgbClr val="FF0000"/>
+                </a:solidFill>
+                <a:latin typeface="배스킨라빈스 R" panose="02020603020101020101" pitchFamily="18" charset="-127"/>
+                <a:ea typeface="배스킨라빈스 R" panose="02020603020101020101" pitchFamily="18" charset="-127"/>
+              </a:rPr>
+              <a:t>4</a:t>
+            </a:r>
+            <a:r>
+              <a:rPr lang="ko-KR" altLang="en-US" dirty="0" smtClean="0">
+                <a:solidFill>
+                  <a:srgbClr val="FF0000"/>
+                </a:solidFill>
+                <a:latin typeface="배스킨라빈스 R" panose="02020603020101020101" pitchFamily="18" charset="-127"/>
+                <a:ea typeface="배스킨라빈스 R" panose="02020603020101020101" pitchFamily="18" charset="-127"/>
+              </a:rPr>
+              <a:t>의 </a:t>
+            </a:r>
+            <a:r>
+              <a:rPr lang="en-US" altLang="ko-KR" dirty="0" smtClean="0">
+                <a:solidFill>
+                  <a:srgbClr val="FF0000"/>
+                </a:solidFill>
+                <a:latin typeface="배스킨라빈스 R" panose="02020603020101020101" pitchFamily="18" charset="-127"/>
+                <a:ea typeface="배스킨라빈스 R" panose="02020603020101020101" pitchFamily="18" charset="-127"/>
+              </a:rPr>
+              <a:t>depth</a:t>
+            </a:r>
+            <a:r>
+              <a:rPr lang="ko-KR" altLang="en-US" dirty="0" smtClean="0">
+                <a:solidFill>
+                  <a:srgbClr val="FF0000"/>
+                </a:solidFill>
+                <a:latin typeface="배스킨라빈스 R" panose="02020603020101020101" pitchFamily="18" charset="-127"/>
+                <a:ea typeface="배스킨라빈스 R" panose="02020603020101020101" pitchFamily="18" charset="-127"/>
+              </a:rPr>
+              <a:t>승</a:t>
+            </a:r>
+            <a:endParaRPr lang="en-US" altLang="ko-KR" dirty="0" smtClean="0">
+              <a:solidFill>
+                <a:srgbClr val="FF0000"/>
+              </a:solidFill>
+              <a:latin typeface="배스킨라빈스 R" panose="02020603020101020101" pitchFamily="18" charset="-127"/>
+              <a:ea typeface="배스킨라빈스 R" panose="02020603020101020101" pitchFamily="18" charset="-127"/>
+            </a:endParaRPr>
+          </a:p>
+          <a:p>
+            <a:r>
+              <a:rPr lang="ko-KR" altLang="en-US" dirty="0" smtClean="0">
+                <a:solidFill>
+                  <a:schemeClr val="bg1"/>
+                </a:solidFill>
+                <a:latin typeface="배스킨라빈스 R" panose="02020603020101020101" pitchFamily="18" charset="-127"/>
+                <a:ea typeface="배스킨라빈스 R" panose="02020603020101020101" pitchFamily="18" charset="-127"/>
+              </a:rPr>
+              <a:t>만큼 구역이 쪼개집니다</a:t>
+            </a:r>
+            <a:r>
+              <a:rPr lang="en-US" altLang="ko-KR" dirty="0" smtClean="0">
+                <a:solidFill>
+                  <a:schemeClr val="bg1"/>
+                </a:solidFill>
+                <a:latin typeface="배스킨라빈스 R" panose="02020603020101020101" pitchFamily="18" charset="-127"/>
+                <a:ea typeface="배스킨라빈스 R" panose="02020603020101020101" pitchFamily="18" charset="-127"/>
+              </a:rPr>
+              <a:t>.</a:t>
+            </a:r>
+          </a:p>
+          <a:p>
+            <a:r>
+              <a:rPr lang="ko-KR" altLang="en-US" dirty="0" smtClean="0">
+                <a:solidFill>
+                  <a:schemeClr val="bg1"/>
+                </a:solidFill>
+                <a:latin typeface="배스킨라빈스 R" panose="02020603020101020101" pitchFamily="18" charset="-127"/>
+                <a:ea typeface="배스킨라빈스 R" panose="02020603020101020101" pitchFamily="18" charset="-127"/>
+              </a:rPr>
+              <a:t>유효한 데이터는 제일 깊이 있는 노드들 이며</a:t>
+            </a:r>
+            <a:r>
+              <a:rPr lang="en-US" altLang="ko-KR" dirty="0" smtClean="0">
+                <a:solidFill>
+                  <a:schemeClr val="bg1"/>
+                </a:solidFill>
+                <a:latin typeface="배스킨라빈스 R" panose="02020603020101020101" pitchFamily="18" charset="-127"/>
+                <a:ea typeface="배스킨라빈스 R" panose="02020603020101020101" pitchFamily="18" charset="-127"/>
+              </a:rPr>
+              <a:t>, </a:t>
+            </a:r>
+            <a:r>
+              <a:rPr lang="ko-KR" altLang="en-US" dirty="0" smtClean="0">
+                <a:solidFill>
+                  <a:schemeClr val="bg1"/>
+                </a:solidFill>
+                <a:latin typeface="배스킨라빈스 R" panose="02020603020101020101" pitchFamily="18" charset="-127"/>
+                <a:ea typeface="배스킨라빈스 R" panose="02020603020101020101" pitchFamily="18" charset="-127"/>
+              </a:rPr>
+              <a:t>상위 노드들은 구역의 의미만을 갖습니다</a:t>
+            </a:r>
+            <a:r>
+              <a:rPr lang="en-US" altLang="ko-KR" dirty="0" smtClean="0">
+                <a:solidFill>
+                  <a:schemeClr val="bg1"/>
+                </a:solidFill>
+                <a:latin typeface="배스킨라빈스 R" panose="02020603020101020101" pitchFamily="18" charset="-127"/>
+                <a:ea typeface="배스킨라빈스 R" panose="02020603020101020101" pitchFamily="18" charset="-127"/>
+              </a:rPr>
+              <a:t>.</a:t>
+            </a:r>
+            <a:endParaRPr lang="en-US" altLang="ko-KR" dirty="0">
+              <a:solidFill>
+                <a:schemeClr val="bg1"/>
+              </a:solidFill>
+              <a:latin typeface="배스킨라빈스 R" panose="02020603020101020101" pitchFamily="18" charset="-127"/>
+              <a:ea typeface="배스킨라빈스 R" panose="02020603020101020101" pitchFamily="18" charset="-127"/>
+            </a:endParaRPr>
+          </a:p>
+        </p:txBody>
+      </p:sp>
+      <p:pic>
+        <p:nvPicPr>
+          <p:cNvPr id="6" name="그림 5"/>
+          <p:cNvPicPr>
+            <a:picLocks noChangeAspect="1"/>
+          </p:cNvPicPr>
+          <p:nvPr/>
+        </p:nvPicPr>
+        <p:blipFill>
+          <a:blip r:embed="rId2"/>
+          <a:stretch>
+            <a:fillRect/>
+          </a:stretch>
+        </p:blipFill>
+        <p:spPr>
+          <a:xfrm>
+            <a:off x="3293176" y="180294"/>
+            <a:ext cx="8763000" cy="1931535"/>
+          </a:xfrm>
+          <a:prstGeom prst="rect">
+            <a:avLst/>
+          </a:prstGeom>
+        </p:spPr>
+      </p:pic>
+      <p:pic>
+        <p:nvPicPr>
+          <p:cNvPr id="10" name="그림 9"/>
+          <p:cNvPicPr>
+            <a:picLocks noChangeAspect="1"/>
+          </p:cNvPicPr>
+          <p:nvPr/>
+        </p:nvPicPr>
+        <p:blipFill>
+          <a:blip r:embed="rId3"/>
+          <a:stretch>
+            <a:fillRect/>
+          </a:stretch>
+        </p:blipFill>
+        <p:spPr>
+          <a:xfrm>
+            <a:off x="3293176" y="2111829"/>
+            <a:ext cx="5363665" cy="4746171"/>
+          </a:xfrm>
+          <a:prstGeom prst="rect">
+            <a:avLst/>
+          </a:prstGeom>
+        </p:spPr>
+      </p:pic>
+      <p:pic>
+        <p:nvPicPr>
+          <p:cNvPr id="11" name="그림 10"/>
+          <p:cNvPicPr>
+            <a:picLocks noChangeAspect="1"/>
+          </p:cNvPicPr>
+          <p:nvPr/>
+        </p:nvPicPr>
+        <p:blipFill>
+          <a:blip r:embed="rId4"/>
+          <a:stretch>
+            <a:fillRect/>
+          </a:stretch>
+        </p:blipFill>
+        <p:spPr>
+          <a:xfrm>
+            <a:off x="8103408" y="2059988"/>
+            <a:ext cx="3952768" cy="4798012"/>
+          </a:xfrm>
+          <a:prstGeom prst="rect">
+            <a:avLst/>
+          </a:prstGeom>
+        </p:spPr>
+      </p:pic>
+      <p:pic>
+        <p:nvPicPr>
+          <p:cNvPr id="12" name="그림 11"/>
+          <p:cNvPicPr>
+            <a:picLocks noChangeAspect="1"/>
+          </p:cNvPicPr>
+          <p:nvPr/>
+        </p:nvPicPr>
+        <p:blipFill>
+          <a:blip r:embed="rId5"/>
+          <a:stretch>
+            <a:fillRect/>
+          </a:stretch>
+        </p:blipFill>
+        <p:spPr>
+          <a:xfrm>
+            <a:off x="237448" y="4609799"/>
+            <a:ext cx="2708924" cy="1882947"/>
+          </a:xfrm>
+          <a:prstGeom prst="rect">
+            <a:avLst/>
+          </a:prstGeom>
+        </p:spPr>
+      </p:pic>
+      <p:sp>
+        <p:nvSpPr>
+          <p:cNvPr id="13" name="TextBox 12"/>
+          <p:cNvSpPr txBox="1"/>
+          <p:nvPr/>
+        </p:nvSpPr>
+        <p:spPr>
+          <a:xfrm>
+            <a:off x="142590" y="6456458"/>
+            <a:ext cx="2976213" cy="369332"/>
+          </a:xfrm>
+          <a:prstGeom prst="rect">
+            <a:avLst/>
+          </a:prstGeom>
+          <a:noFill/>
+        </p:spPr>
+        <p:txBody>
+          <a:bodyPr wrap="square" rtlCol="0">
+            <a:spAutoFit/>
+          </a:bodyPr>
+          <a:lstStyle/>
+          <a:p>
+            <a:r>
+              <a:rPr lang="ko-KR" altLang="en-US" dirty="0" err="1" smtClean="0">
+                <a:solidFill>
+                  <a:schemeClr val="bg1">
+                    <a:lumMod val="65000"/>
+                  </a:schemeClr>
+                </a:solidFill>
+                <a:latin typeface="배스킨라빈스 R" panose="02020603020101020101" pitchFamily="18" charset="-127"/>
+                <a:ea typeface="배스킨라빈스 R" panose="02020603020101020101" pitchFamily="18" charset="-127"/>
+              </a:rPr>
+              <a:t>초록선</a:t>
+            </a:r>
+            <a:r>
+              <a:rPr lang="en-US" altLang="ko-KR" dirty="0" smtClean="0">
+                <a:solidFill>
+                  <a:schemeClr val="bg1">
+                    <a:lumMod val="65000"/>
+                  </a:schemeClr>
+                </a:solidFill>
+                <a:latin typeface="배스킨라빈스 R" panose="02020603020101020101" pitchFamily="18" charset="-127"/>
+                <a:ea typeface="배스킨라빈스 R" panose="02020603020101020101" pitchFamily="18" charset="-127"/>
+              </a:rPr>
+              <a:t>=sector / </a:t>
+            </a:r>
+            <a:r>
+              <a:rPr lang="ko-KR" altLang="en-US" dirty="0" smtClean="0">
+                <a:solidFill>
+                  <a:schemeClr val="bg1">
+                    <a:lumMod val="65000"/>
+                  </a:schemeClr>
+                </a:solidFill>
+                <a:latin typeface="배스킨라빈스 R" panose="02020603020101020101" pitchFamily="18" charset="-127"/>
+                <a:ea typeface="배스킨라빈스 R" panose="02020603020101020101" pitchFamily="18" charset="-127"/>
+              </a:rPr>
+              <a:t>현재 </a:t>
+            </a:r>
+            <a:r>
+              <a:rPr lang="en-US" altLang="ko-KR" dirty="0" smtClean="0">
+                <a:solidFill>
+                  <a:schemeClr val="bg1">
+                    <a:lumMod val="65000"/>
+                  </a:schemeClr>
+                </a:solidFill>
+                <a:latin typeface="배스킨라빈스 R" panose="02020603020101020101" pitchFamily="18" charset="-127"/>
+                <a:ea typeface="배스킨라빈스 R" panose="02020603020101020101" pitchFamily="18" charset="-127"/>
+              </a:rPr>
+              <a:t>depth:2</a:t>
+            </a:r>
+            <a:endParaRPr lang="ko-KR" altLang="en-US" dirty="0">
+              <a:solidFill>
+                <a:schemeClr val="bg1">
+                  <a:lumMod val="65000"/>
+                </a:schemeClr>
+              </a:solidFill>
+              <a:latin typeface="배스킨라빈스 R" panose="02020603020101020101" pitchFamily="18" charset="-127"/>
+              <a:ea typeface="배스킨라빈스 R" panose="02020603020101020101" pitchFamily="18" charset="-127"/>
+            </a:endParaRPr>
+          </a:p>
+        </p:txBody>
+      </p:sp>
+    </p:spTree>
+    <p:extLst>
+      <p:ext uri="{BB962C8B-B14F-4D97-AF65-F5344CB8AC3E}">
+        <p14:creationId xmlns:p14="http://schemas.microsoft.com/office/powerpoint/2010/main" val="1929382014"/>
+      </p:ext>
+    </p:extLst>
+  </p:cSld>
+  <p:clrMapOvr>
+    <a:masterClrMapping/>
+  </p:clrMapOvr>
+  <p:timing>
+    <p:tnLst>
+      <p:par>
+        <p:cTn id="1" dur="indefinite" restart="never" nodeType="tmRoot"/>
+      </p:par>
+    </p:tnLst>
+  </p:timing>
+</p:sld>
+</file>
+
+<file path=ppt/slides/slide13.xml><?xml version="1.0" encoding="utf-8"?>
+<p:sld xmlns:a="http://schemas.openxmlformats.org/drawingml/2006/main" xmlns:r="http://schemas.openxmlformats.org/officeDocument/2006/relationships" xmlns:p="http://schemas.openxmlformats.org/presentationml/2006/main">
+  <p:cSld>
+    <p:bg>
+      <p:bgPr>
+        <a:solidFill>
+          <a:schemeClr val="tx1">
+            <a:lumMod val="75000"/>
+            <a:lumOff val="25000"/>
+          </a:schemeClr>
+        </a:solidFill>
+        <a:effectLst/>
+      </p:bgPr>
+    </p:bg>
+    <p:spTree>
+      <p:nvGrpSpPr>
+        <p:cNvPr id="1" name=""/>
+        <p:cNvGrpSpPr/>
+        <p:nvPr/>
+      </p:nvGrpSpPr>
+      <p:grpSpPr>
+        <a:xfrm>
+          <a:off x="0" y="0"/>
+          <a:ext cx="0" cy="0"/>
+          <a:chOff x="0" y="0"/>
+          <a:chExt cx="0" cy="0"/>
+        </a:xfrm>
+      </p:grpSpPr>
+      <p:sp>
+        <p:nvSpPr>
+          <p:cNvPr id="4" name="직사각형 3"/>
+          <p:cNvSpPr/>
+          <p:nvPr/>
+        </p:nvSpPr>
+        <p:spPr>
+          <a:xfrm>
+            <a:off x="3092335" y="0"/>
+            <a:ext cx="9099665" cy="6858000"/>
+          </a:xfrm>
+          <a:prstGeom prst="rect">
+            <a:avLst/>
+          </a:prstGeom>
+          <a:solidFill>
+            <a:schemeClr val="bg1">
+              <a:lumMod val="85000"/>
+            </a:schemeClr>
+          </a:solidFill>
+          <a:ln>
+            <a:solidFill>
+              <a:schemeClr val="bg1">
+                <a:lumMod val="85000"/>
+              </a:schemeClr>
+            </a:solidFill>
+          </a:ln>
+        </p:spPr>
+        <p:style>
+          <a:lnRef idx="2">
+            <a:schemeClr val="accent1">
+              <a:shade val="50000"/>
+            </a:schemeClr>
+          </a:lnRef>
+          <a:fillRef idx="1">
+            <a:schemeClr val="accent1"/>
+          </a:fillRef>
+          <a:effectRef idx="0">
+            <a:schemeClr val="accent1"/>
+          </a:effectRef>
+          <a:fontRef idx="minor">
+            <a:schemeClr val="lt1"/>
+          </a:fontRef>
+        </p:style>
+        <p:txBody>
+          <a:bodyPr rtlCol="0" anchor="ctr"/>
+          <a:lstStyle/>
+          <a:p>
+            <a:pPr algn="ctr"/>
+            <a:endParaRPr lang="ko-KR" altLang="en-US" dirty="0"/>
+          </a:p>
+        </p:txBody>
+      </p:sp>
+      <p:cxnSp>
+        <p:nvCxnSpPr>
+          <p:cNvPr id="7" name="직선 연결선 6"/>
+          <p:cNvCxnSpPr/>
+          <p:nvPr/>
+        </p:nvCxnSpPr>
+        <p:spPr>
+          <a:xfrm flipV="1">
+            <a:off x="465513" y="897775"/>
+            <a:ext cx="2626822" cy="16625"/>
+          </a:xfrm>
+          <a:prstGeom prst="line">
+            <a:avLst/>
+          </a:prstGeom>
+          <a:ln w="41275">
+            <a:solidFill>
+              <a:schemeClr val="bg1">
+                <a:lumMod val="75000"/>
+              </a:schemeClr>
+            </a:solidFill>
+          </a:ln>
+        </p:spPr>
+        <p:style>
+          <a:lnRef idx="1">
+            <a:schemeClr val="accent1"/>
+          </a:lnRef>
+          <a:fillRef idx="0">
+            <a:schemeClr val="accent1"/>
+          </a:fillRef>
+          <a:effectRef idx="0">
+            <a:schemeClr val="accent1"/>
+          </a:effectRef>
+          <a:fontRef idx="minor">
+            <a:schemeClr val="tx1"/>
+          </a:fontRef>
+        </p:style>
+      </p:cxnSp>
+      <p:sp>
+        <p:nvSpPr>
+          <p:cNvPr id="9" name="TextBox 8"/>
+          <p:cNvSpPr txBox="1"/>
+          <p:nvPr/>
+        </p:nvSpPr>
+        <p:spPr>
+          <a:xfrm>
+            <a:off x="368666" y="313000"/>
+            <a:ext cx="2653290" cy="584775"/>
+          </a:xfrm>
+          <a:prstGeom prst="rect">
+            <a:avLst/>
+          </a:prstGeom>
+          <a:noFill/>
+        </p:spPr>
+        <p:txBody>
+          <a:bodyPr wrap="none" rtlCol="0">
+            <a:spAutoFit/>
+          </a:bodyPr>
+          <a:lstStyle/>
+          <a:p>
+            <a:r>
+              <a:rPr lang="en-US" altLang="ko-KR" sz="3200" dirty="0" smtClean="0">
+                <a:solidFill>
+                  <a:schemeClr val="bg1"/>
+                </a:solidFill>
+                <a:latin typeface="배스킨라빈스 R" panose="02020603020101020101" pitchFamily="18" charset="-127"/>
+                <a:ea typeface="배스킨라빈스 R" panose="02020603020101020101" pitchFamily="18" charset="-127"/>
+              </a:rPr>
+              <a:t>Render Sector</a:t>
+            </a:r>
+          </a:p>
+        </p:txBody>
+      </p:sp>
+      <p:sp>
+        <p:nvSpPr>
+          <p:cNvPr id="8" name="TextBox 7"/>
+          <p:cNvSpPr txBox="1"/>
+          <p:nvPr/>
+        </p:nvSpPr>
+        <p:spPr>
+          <a:xfrm>
+            <a:off x="45743" y="1267107"/>
+            <a:ext cx="3092335" cy="1200329"/>
+          </a:xfrm>
+          <a:prstGeom prst="rect">
+            <a:avLst/>
+          </a:prstGeom>
+          <a:noFill/>
+        </p:spPr>
+        <p:txBody>
+          <a:bodyPr wrap="square" rtlCol="0">
+            <a:spAutoFit/>
+          </a:bodyPr>
+          <a:lstStyle/>
+          <a:p>
+            <a:pPr algn="r"/>
+            <a:endParaRPr lang="en-US" altLang="ko-KR" dirty="0">
+              <a:solidFill>
+                <a:schemeClr val="bg1"/>
+              </a:solidFill>
+              <a:latin typeface="배스킨라빈스 R" panose="02020603020101020101" pitchFamily="18" charset="-127"/>
+              <a:ea typeface="배스킨라빈스 R" panose="02020603020101020101" pitchFamily="18" charset="-127"/>
+            </a:endParaRPr>
+          </a:p>
+          <a:p>
+            <a:pPr algn="r"/>
+            <a:endParaRPr lang="en-US" altLang="ko-KR" dirty="0" smtClean="0">
+              <a:solidFill>
+                <a:schemeClr val="bg1"/>
+              </a:solidFill>
+              <a:latin typeface="배스킨라빈스 R" panose="02020603020101020101" pitchFamily="18" charset="-127"/>
+              <a:ea typeface="배스킨라빈스 R" panose="02020603020101020101" pitchFamily="18" charset="-127"/>
+            </a:endParaRPr>
+          </a:p>
+          <a:p>
+            <a:pPr algn="r"/>
+            <a:endParaRPr lang="en-US" altLang="ko-KR" dirty="0" smtClean="0">
+              <a:solidFill>
+                <a:schemeClr val="bg1"/>
+              </a:solidFill>
+              <a:latin typeface="배스킨라빈스 R" panose="02020603020101020101" pitchFamily="18" charset="-127"/>
+              <a:ea typeface="배스킨라빈스 R" panose="02020603020101020101" pitchFamily="18" charset="-127"/>
+            </a:endParaRPr>
+          </a:p>
+          <a:p>
+            <a:pPr algn="r"/>
+            <a:r>
+              <a:rPr lang="ko-KR" altLang="en-US" dirty="0" smtClean="0">
+                <a:solidFill>
+                  <a:schemeClr val="bg1"/>
+                </a:solidFill>
+                <a:latin typeface="배스킨라빈스 R" panose="02020603020101020101" pitchFamily="18" charset="-127"/>
+                <a:ea typeface="배스킨라빈스 R" panose="02020603020101020101" pitchFamily="18" charset="-127"/>
+              </a:rPr>
+              <a:t> </a:t>
+            </a:r>
+            <a:r>
+              <a:rPr lang="en-US" altLang="ko-KR" dirty="0" smtClean="0">
+                <a:solidFill>
+                  <a:srgbClr val="C77FC9"/>
+                </a:solidFill>
+                <a:latin typeface="배스킨라빈스 R" panose="02020603020101020101" pitchFamily="18" charset="-127"/>
+                <a:ea typeface="배스킨라빈스 R" panose="02020603020101020101" pitchFamily="18" charset="-127"/>
+              </a:rPr>
+              <a:t> </a:t>
+            </a:r>
+          </a:p>
+        </p:txBody>
+      </p:sp>
+      <p:sp>
+        <p:nvSpPr>
+          <p:cNvPr id="19" name="TextBox 18"/>
+          <p:cNvSpPr txBox="1"/>
+          <p:nvPr/>
+        </p:nvSpPr>
+        <p:spPr>
+          <a:xfrm>
+            <a:off x="1753278" y="866997"/>
+            <a:ext cx="1365525" cy="400110"/>
+          </a:xfrm>
+          <a:prstGeom prst="rect">
+            <a:avLst/>
+          </a:prstGeom>
+          <a:noFill/>
+        </p:spPr>
+        <p:txBody>
+          <a:bodyPr wrap="square" rtlCol="0">
+            <a:spAutoFit/>
+          </a:bodyPr>
+          <a:lstStyle/>
+          <a:p>
+            <a:r>
+              <a:rPr lang="en-US" altLang="ko-KR" sz="2000" dirty="0">
+                <a:solidFill>
+                  <a:schemeClr val="bg1">
+                    <a:lumMod val="50000"/>
+                  </a:schemeClr>
+                </a:solidFill>
+                <a:latin typeface="배스킨라빈스 R" panose="02020603020101020101" pitchFamily="18" charset="-127"/>
+                <a:ea typeface="배스킨라빈스 R" panose="02020603020101020101" pitchFamily="18" charset="-127"/>
+              </a:rPr>
+              <a:t>Quad Tree</a:t>
+            </a:r>
+          </a:p>
+        </p:txBody>
+      </p:sp>
+      <p:sp>
+        <p:nvSpPr>
+          <p:cNvPr id="5" name="TextBox 4"/>
+          <p:cNvSpPr txBox="1"/>
+          <p:nvPr/>
+        </p:nvSpPr>
+        <p:spPr>
+          <a:xfrm>
+            <a:off x="269422" y="1728772"/>
+            <a:ext cx="2822913" cy="2308324"/>
+          </a:xfrm>
+          <a:prstGeom prst="rect">
+            <a:avLst/>
+          </a:prstGeom>
+          <a:noFill/>
+        </p:spPr>
+        <p:txBody>
+          <a:bodyPr wrap="square" rtlCol="0">
+            <a:spAutoFit/>
+          </a:bodyPr>
+          <a:lstStyle/>
+          <a:p>
+            <a:r>
+              <a:rPr lang="en-US" altLang="ko-KR" dirty="0" smtClean="0">
+                <a:solidFill>
+                  <a:schemeClr val="bg1"/>
+                </a:solidFill>
+                <a:latin typeface="배스킨라빈스 R" panose="02020603020101020101" pitchFamily="18" charset="-127"/>
+                <a:ea typeface="배스킨라빈스 R" panose="02020603020101020101" pitchFamily="18" charset="-127"/>
+              </a:rPr>
+              <a:t>Player</a:t>
+            </a:r>
+            <a:r>
+              <a:rPr lang="ko-KR" altLang="en-US" dirty="0" smtClean="0">
+                <a:solidFill>
+                  <a:schemeClr val="bg1"/>
+                </a:solidFill>
+                <a:latin typeface="배스킨라빈스 R" panose="02020603020101020101" pitchFamily="18" charset="-127"/>
+                <a:ea typeface="배스킨라빈스 R" panose="02020603020101020101" pitchFamily="18" charset="-127"/>
+              </a:rPr>
+              <a:t>의 위치를 받아와</a:t>
+            </a:r>
+            <a:endParaRPr lang="en-US" altLang="ko-KR" dirty="0" smtClean="0">
+              <a:solidFill>
+                <a:schemeClr val="bg1"/>
+              </a:solidFill>
+              <a:latin typeface="배스킨라빈스 R" panose="02020603020101020101" pitchFamily="18" charset="-127"/>
+              <a:ea typeface="배스킨라빈스 R" panose="02020603020101020101" pitchFamily="18" charset="-127"/>
+            </a:endParaRPr>
+          </a:p>
+          <a:p>
+            <a:r>
+              <a:rPr lang="ko-KR" altLang="en-US" dirty="0" smtClean="0">
+                <a:solidFill>
+                  <a:schemeClr val="bg1"/>
+                </a:solidFill>
+                <a:latin typeface="배스킨라빈스 R" panose="02020603020101020101" pitchFamily="18" charset="-127"/>
+                <a:ea typeface="배스킨라빈스 R" panose="02020603020101020101" pitchFamily="18" charset="-127"/>
+              </a:rPr>
+              <a:t>해당 위치에 속하는 </a:t>
+            </a:r>
+            <a:endParaRPr lang="en-US" altLang="ko-KR" dirty="0">
+              <a:solidFill>
+                <a:schemeClr val="bg1"/>
+              </a:solidFill>
+              <a:latin typeface="배스킨라빈스 R" panose="02020603020101020101" pitchFamily="18" charset="-127"/>
+              <a:ea typeface="배스킨라빈스 R" panose="02020603020101020101" pitchFamily="18" charset="-127"/>
+            </a:endParaRPr>
+          </a:p>
+          <a:p>
+            <a:r>
+              <a:rPr lang="en-US" altLang="ko-KR" dirty="0" smtClean="0">
+                <a:solidFill>
+                  <a:schemeClr val="bg1"/>
+                </a:solidFill>
+                <a:latin typeface="배스킨라빈스 R" panose="02020603020101020101" pitchFamily="18" charset="-127"/>
+                <a:ea typeface="배스킨라빈스 R" panose="02020603020101020101" pitchFamily="18" charset="-127"/>
+              </a:rPr>
+              <a:t>Sector</a:t>
+            </a:r>
+            <a:r>
+              <a:rPr lang="ko-KR" altLang="en-US" dirty="0" smtClean="0">
+                <a:solidFill>
+                  <a:schemeClr val="bg1"/>
+                </a:solidFill>
+                <a:latin typeface="배스킨라빈스 R" panose="02020603020101020101" pitchFamily="18" charset="-127"/>
+                <a:ea typeface="배스킨라빈스 R" panose="02020603020101020101" pitchFamily="18" charset="-127"/>
+              </a:rPr>
+              <a:t>를 탐색</a:t>
+            </a:r>
+            <a:r>
+              <a:rPr lang="en-US" altLang="ko-KR" dirty="0" smtClean="0">
+                <a:solidFill>
+                  <a:schemeClr val="bg1"/>
+                </a:solidFill>
+                <a:latin typeface="배스킨라빈스 R" panose="02020603020101020101" pitchFamily="18" charset="-127"/>
+                <a:ea typeface="배스킨라빈스 R" panose="02020603020101020101" pitchFamily="18" charset="-127"/>
+              </a:rPr>
+              <a:t>.</a:t>
+            </a:r>
+          </a:p>
+          <a:p>
+            <a:endParaRPr lang="en-US" altLang="ko-KR" dirty="0">
+              <a:solidFill>
+                <a:schemeClr val="bg1"/>
+              </a:solidFill>
+              <a:latin typeface="배스킨라빈스 R" panose="02020603020101020101" pitchFamily="18" charset="-127"/>
+              <a:ea typeface="배스킨라빈스 R" panose="02020603020101020101" pitchFamily="18" charset="-127"/>
+            </a:endParaRPr>
+          </a:p>
+          <a:p>
+            <a:r>
+              <a:rPr lang="ko-KR" altLang="en-US" dirty="0" smtClean="0">
+                <a:solidFill>
+                  <a:schemeClr val="bg1"/>
+                </a:solidFill>
+                <a:latin typeface="배스킨라빈스 R" panose="02020603020101020101" pitchFamily="18" charset="-127"/>
+                <a:ea typeface="배스킨라빈스 R" panose="02020603020101020101" pitchFamily="18" charset="-127"/>
+              </a:rPr>
+              <a:t>해당 </a:t>
+            </a:r>
+            <a:r>
+              <a:rPr lang="en-US" altLang="ko-KR" dirty="0" smtClean="0">
+                <a:solidFill>
+                  <a:schemeClr val="bg1"/>
+                </a:solidFill>
+                <a:latin typeface="배스킨라빈스 R" panose="02020603020101020101" pitchFamily="18" charset="-127"/>
+                <a:ea typeface="배스킨라빈스 R" panose="02020603020101020101" pitchFamily="18" charset="-127"/>
+              </a:rPr>
+              <a:t>Sector</a:t>
+            </a:r>
+            <a:r>
+              <a:rPr lang="ko-KR" altLang="en-US" dirty="0" smtClean="0">
+                <a:solidFill>
+                  <a:schemeClr val="bg1"/>
+                </a:solidFill>
+                <a:latin typeface="배스킨라빈스 R" panose="02020603020101020101" pitchFamily="18" charset="-127"/>
+                <a:ea typeface="배스킨라빈스 R" panose="02020603020101020101" pitchFamily="18" charset="-127"/>
+              </a:rPr>
+              <a:t>와 </a:t>
+            </a:r>
+            <a:r>
+              <a:rPr lang="en-US" altLang="ko-KR" dirty="0" smtClean="0">
+                <a:solidFill>
+                  <a:schemeClr val="bg1"/>
+                </a:solidFill>
+                <a:latin typeface="배스킨라빈스 R" panose="02020603020101020101" pitchFamily="18" charset="-127"/>
+                <a:ea typeface="배스킨라빈스 R" panose="02020603020101020101" pitchFamily="18" charset="-127"/>
+              </a:rPr>
+              <a:t>Tile </a:t>
+            </a:r>
+            <a:r>
+              <a:rPr lang="ko-KR" altLang="en-US" dirty="0" smtClean="0">
+                <a:solidFill>
+                  <a:schemeClr val="bg1"/>
+                </a:solidFill>
+                <a:latin typeface="배스킨라빈스 R" panose="02020603020101020101" pitchFamily="18" charset="-127"/>
+                <a:ea typeface="배스킨라빈스 R" panose="02020603020101020101" pitchFamily="18" charset="-127"/>
+              </a:rPr>
+              <a:t>정보를 </a:t>
+            </a:r>
+            <a:endParaRPr lang="en-US" altLang="ko-KR" dirty="0" smtClean="0">
+              <a:solidFill>
+                <a:schemeClr val="bg1"/>
+              </a:solidFill>
+              <a:latin typeface="배스킨라빈스 R" panose="02020603020101020101" pitchFamily="18" charset="-127"/>
+              <a:ea typeface="배스킨라빈스 R" panose="02020603020101020101" pitchFamily="18" charset="-127"/>
+            </a:endParaRPr>
+          </a:p>
+          <a:p>
+            <a:r>
+              <a:rPr lang="ko-KR" altLang="en-US" dirty="0" smtClean="0">
+                <a:solidFill>
+                  <a:schemeClr val="bg1"/>
+                </a:solidFill>
+                <a:latin typeface="배스킨라빈스 R" panose="02020603020101020101" pitchFamily="18" charset="-127"/>
+                <a:ea typeface="배스킨라빈스 R" panose="02020603020101020101" pitchFamily="18" charset="-127"/>
+              </a:rPr>
+              <a:t>잘 읽어서 </a:t>
+            </a:r>
+            <a:r>
+              <a:rPr lang="ko-KR" altLang="en-US" dirty="0" err="1" smtClean="0">
+                <a:solidFill>
+                  <a:schemeClr val="bg1"/>
+                </a:solidFill>
+                <a:latin typeface="배스킨라빈스 R" panose="02020603020101020101" pitchFamily="18" charset="-127"/>
+                <a:ea typeface="배스킨라빈스 R" panose="02020603020101020101" pitchFamily="18" charset="-127"/>
+              </a:rPr>
+              <a:t>클라에</a:t>
+            </a:r>
+            <a:r>
+              <a:rPr lang="ko-KR" altLang="en-US" dirty="0" smtClean="0">
+                <a:solidFill>
+                  <a:schemeClr val="bg1"/>
+                </a:solidFill>
+                <a:latin typeface="배스킨라빈스 R" panose="02020603020101020101" pitchFamily="18" charset="-127"/>
+                <a:ea typeface="배스킨라빈스 R" panose="02020603020101020101" pitchFamily="18" charset="-127"/>
+              </a:rPr>
+              <a:t> 전송했는지</a:t>
+            </a:r>
+            <a:endParaRPr lang="en-US" altLang="ko-KR" dirty="0" smtClean="0">
+              <a:solidFill>
+                <a:schemeClr val="bg1"/>
+              </a:solidFill>
+              <a:latin typeface="배스킨라빈스 R" panose="02020603020101020101" pitchFamily="18" charset="-127"/>
+              <a:ea typeface="배스킨라빈스 R" panose="02020603020101020101" pitchFamily="18" charset="-127"/>
+            </a:endParaRPr>
+          </a:p>
+          <a:p>
+            <a:r>
+              <a:rPr lang="ko-KR" altLang="en-US" dirty="0" smtClean="0">
+                <a:solidFill>
+                  <a:schemeClr val="bg1"/>
+                </a:solidFill>
+                <a:latin typeface="배스킨라빈스 R" panose="02020603020101020101" pitchFamily="18" charset="-127"/>
+                <a:ea typeface="배스킨라빈스 R" panose="02020603020101020101" pitchFamily="18" charset="-127"/>
+              </a:rPr>
+              <a:t>확인을 위해 해당 범위를 </a:t>
+            </a:r>
+            <a:endParaRPr lang="en-US" altLang="ko-KR" dirty="0" smtClean="0">
+              <a:solidFill>
+                <a:schemeClr val="bg1"/>
+              </a:solidFill>
+              <a:latin typeface="배스킨라빈스 R" panose="02020603020101020101" pitchFamily="18" charset="-127"/>
+              <a:ea typeface="배스킨라빈스 R" panose="02020603020101020101" pitchFamily="18" charset="-127"/>
+            </a:endParaRPr>
+          </a:p>
+          <a:p>
+            <a:r>
+              <a:rPr lang="ko-KR" altLang="en-US" dirty="0" smtClean="0">
+                <a:solidFill>
+                  <a:schemeClr val="bg1"/>
+                </a:solidFill>
+                <a:latin typeface="배스킨라빈스 R" panose="02020603020101020101" pitchFamily="18" charset="-127"/>
+                <a:ea typeface="배스킨라빈스 R" panose="02020603020101020101" pitchFamily="18" charset="-127"/>
+              </a:rPr>
+              <a:t>빨갛게 변하도록 처리했습니다</a:t>
+            </a:r>
+            <a:r>
+              <a:rPr lang="en-US" altLang="ko-KR" dirty="0" smtClean="0">
+                <a:solidFill>
+                  <a:schemeClr val="bg1"/>
+                </a:solidFill>
+                <a:latin typeface="배스킨라빈스 R" panose="02020603020101020101" pitchFamily="18" charset="-127"/>
+                <a:ea typeface="배스킨라빈스 R" panose="02020603020101020101" pitchFamily="18" charset="-127"/>
+              </a:rPr>
+              <a:t>.</a:t>
+            </a:r>
+          </a:p>
+        </p:txBody>
+      </p:sp>
+      <p:pic>
+        <p:nvPicPr>
+          <p:cNvPr id="2" name="그림 1"/>
+          <p:cNvPicPr>
+            <a:picLocks noChangeAspect="1"/>
+          </p:cNvPicPr>
+          <p:nvPr/>
+        </p:nvPicPr>
+        <p:blipFill>
+          <a:blip r:embed="rId2"/>
+          <a:stretch>
+            <a:fillRect/>
+          </a:stretch>
+        </p:blipFill>
+        <p:spPr>
+          <a:xfrm>
+            <a:off x="3363224" y="866997"/>
+            <a:ext cx="4003903" cy="800100"/>
+          </a:xfrm>
+          <a:prstGeom prst="rect">
+            <a:avLst/>
+          </a:prstGeom>
+        </p:spPr>
+      </p:pic>
+      <p:pic>
+        <p:nvPicPr>
+          <p:cNvPr id="3" name="그림 2"/>
+          <p:cNvPicPr>
+            <a:picLocks noChangeAspect="1"/>
+          </p:cNvPicPr>
+          <p:nvPr/>
+        </p:nvPicPr>
+        <p:blipFill>
+          <a:blip r:embed="rId3"/>
+          <a:stretch>
+            <a:fillRect/>
+          </a:stretch>
+        </p:blipFill>
+        <p:spPr>
+          <a:xfrm>
+            <a:off x="3363225" y="2032241"/>
+            <a:ext cx="4003902" cy="3479477"/>
+          </a:xfrm>
+          <a:prstGeom prst="rect">
+            <a:avLst/>
+          </a:prstGeom>
+        </p:spPr>
+      </p:pic>
+      <p:pic>
+        <p:nvPicPr>
+          <p:cNvPr id="15" name="그림 14"/>
+          <p:cNvPicPr>
+            <a:picLocks noChangeAspect="1"/>
+          </p:cNvPicPr>
+          <p:nvPr/>
+        </p:nvPicPr>
+        <p:blipFill>
+          <a:blip r:embed="rId4"/>
+          <a:stretch>
+            <a:fillRect/>
+          </a:stretch>
+        </p:blipFill>
+        <p:spPr>
+          <a:xfrm>
+            <a:off x="269422" y="4484914"/>
+            <a:ext cx="2637064" cy="1702500"/>
+          </a:xfrm>
+          <a:prstGeom prst="rect">
+            <a:avLst/>
+          </a:prstGeom>
+        </p:spPr>
+      </p:pic>
+      <p:sp>
+        <p:nvSpPr>
+          <p:cNvPr id="16" name="TextBox 15"/>
+          <p:cNvSpPr txBox="1"/>
+          <p:nvPr/>
+        </p:nvSpPr>
+        <p:spPr>
+          <a:xfrm>
+            <a:off x="338229" y="6187414"/>
+            <a:ext cx="2461620" cy="369332"/>
+          </a:xfrm>
+          <a:prstGeom prst="rect">
+            <a:avLst/>
+          </a:prstGeom>
+          <a:noFill/>
+        </p:spPr>
+        <p:txBody>
+          <a:bodyPr wrap="square" rtlCol="0">
+            <a:spAutoFit/>
+          </a:bodyPr>
+          <a:lstStyle/>
+          <a:p>
+            <a:r>
+              <a:rPr lang="en-US" altLang="ko-KR" dirty="0" smtClean="0">
+                <a:solidFill>
+                  <a:schemeClr val="bg1">
+                    <a:lumMod val="65000"/>
+                  </a:schemeClr>
+                </a:solidFill>
+                <a:latin typeface="배스킨라빈스 R" panose="02020603020101020101" pitchFamily="18" charset="-127"/>
+                <a:ea typeface="배스킨라빈스 R" panose="02020603020101020101" pitchFamily="18" charset="-127"/>
+              </a:rPr>
+              <a:t>Player </a:t>
+            </a:r>
+            <a:r>
+              <a:rPr lang="ko-KR" altLang="en-US" dirty="0" smtClean="0">
+                <a:solidFill>
+                  <a:schemeClr val="bg1">
+                    <a:lumMod val="65000"/>
+                  </a:schemeClr>
+                </a:solidFill>
+                <a:latin typeface="배스킨라빈스 R" panose="02020603020101020101" pitchFamily="18" charset="-127"/>
+                <a:ea typeface="배스킨라빈스 R" panose="02020603020101020101" pitchFamily="18" charset="-127"/>
+              </a:rPr>
+              <a:t>위치 </a:t>
+            </a:r>
+            <a:r>
+              <a:rPr lang="en-US" altLang="ko-KR" dirty="0" smtClean="0">
+                <a:solidFill>
+                  <a:schemeClr val="bg1">
+                    <a:lumMod val="65000"/>
+                  </a:schemeClr>
+                </a:solidFill>
+                <a:latin typeface="배스킨라빈스 R" panose="02020603020101020101" pitchFamily="18" charset="-127"/>
+                <a:ea typeface="배스킨라빈스 R" panose="02020603020101020101" pitchFamily="18" charset="-127"/>
+              </a:rPr>
+              <a:t>= </a:t>
+            </a:r>
+            <a:r>
+              <a:rPr lang="ko-KR" altLang="en-US" dirty="0" smtClean="0">
+                <a:solidFill>
+                  <a:schemeClr val="bg1">
+                    <a:lumMod val="65000"/>
+                  </a:schemeClr>
+                </a:solidFill>
+                <a:latin typeface="배스킨라빈스 R" panose="02020603020101020101" pitchFamily="18" charset="-127"/>
+                <a:ea typeface="배스킨라빈스 R" panose="02020603020101020101" pitchFamily="18" charset="-127"/>
+              </a:rPr>
+              <a:t>파란 원</a:t>
+            </a:r>
+            <a:endParaRPr lang="ko-KR" altLang="en-US" dirty="0">
+              <a:solidFill>
+                <a:schemeClr val="bg1">
+                  <a:lumMod val="65000"/>
+                </a:schemeClr>
+              </a:solidFill>
+              <a:latin typeface="배스킨라빈스 R" panose="02020603020101020101" pitchFamily="18" charset="-127"/>
+              <a:ea typeface="배스킨라빈스 R" panose="02020603020101020101" pitchFamily="18" charset="-127"/>
+            </a:endParaRPr>
+          </a:p>
+        </p:txBody>
+      </p:sp>
+      <p:pic>
+        <p:nvPicPr>
+          <p:cNvPr id="17" name="그림 16"/>
+          <p:cNvPicPr>
+            <a:picLocks noChangeAspect="1"/>
+          </p:cNvPicPr>
+          <p:nvPr/>
+        </p:nvPicPr>
+        <p:blipFill>
+          <a:blip r:embed="rId5"/>
+          <a:stretch>
+            <a:fillRect/>
+          </a:stretch>
+        </p:blipFill>
+        <p:spPr>
+          <a:xfrm>
+            <a:off x="7483249" y="205337"/>
+            <a:ext cx="4714875" cy="2124075"/>
+          </a:xfrm>
+          <a:prstGeom prst="rect">
+            <a:avLst/>
+          </a:prstGeom>
+        </p:spPr>
+      </p:pic>
+      <p:sp>
+        <p:nvSpPr>
+          <p:cNvPr id="18" name="TextBox 17"/>
+          <p:cNvSpPr txBox="1"/>
+          <p:nvPr/>
+        </p:nvSpPr>
+        <p:spPr>
+          <a:xfrm>
+            <a:off x="3247915" y="5507530"/>
+            <a:ext cx="3701599" cy="369332"/>
+          </a:xfrm>
+          <a:prstGeom prst="rect">
+            <a:avLst/>
+          </a:prstGeom>
+          <a:noFill/>
+        </p:spPr>
+        <p:txBody>
+          <a:bodyPr wrap="square" rtlCol="0">
+            <a:spAutoFit/>
+          </a:bodyPr>
+          <a:lstStyle/>
+          <a:p>
+            <a:r>
+              <a:rPr lang="ko-KR" altLang="en-US" dirty="0" err="1" smtClean="0">
+                <a:solidFill>
+                  <a:schemeClr val="tx1">
+                    <a:lumMod val="65000"/>
+                    <a:lumOff val="35000"/>
+                  </a:schemeClr>
+                </a:solidFill>
+                <a:latin typeface="배스킨라빈스 R" panose="02020603020101020101" pitchFamily="18" charset="-127"/>
+                <a:ea typeface="배스킨라빈스 R" panose="02020603020101020101" pitchFamily="18" charset="-127"/>
+              </a:rPr>
+              <a:t>위치값</a:t>
+            </a:r>
+            <a:r>
+              <a:rPr lang="ko-KR" altLang="en-US" dirty="0" smtClean="0">
+                <a:solidFill>
+                  <a:schemeClr val="tx1">
+                    <a:lumMod val="65000"/>
+                    <a:lumOff val="35000"/>
+                  </a:schemeClr>
+                </a:solidFill>
+                <a:latin typeface="배스킨라빈스 R" panose="02020603020101020101" pitchFamily="18" charset="-127"/>
+                <a:ea typeface="배스킨라빈스 R" panose="02020603020101020101" pitchFamily="18" charset="-127"/>
+              </a:rPr>
+              <a:t> 기반으로 </a:t>
+            </a:r>
+            <a:r>
+              <a:rPr lang="en-US" altLang="ko-KR" dirty="0" smtClean="0">
+                <a:solidFill>
+                  <a:schemeClr val="tx1">
+                    <a:lumMod val="65000"/>
+                    <a:lumOff val="35000"/>
+                  </a:schemeClr>
+                </a:solidFill>
+                <a:latin typeface="배스킨라빈스 R" panose="02020603020101020101" pitchFamily="18" charset="-127"/>
+                <a:ea typeface="배스킨라빈스 R" panose="02020603020101020101" pitchFamily="18" charset="-127"/>
+              </a:rPr>
+              <a:t>Sector </a:t>
+            </a:r>
+            <a:r>
+              <a:rPr lang="ko-KR" altLang="en-US" dirty="0" smtClean="0">
+                <a:solidFill>
+                  <a:schemeClr val="tx1">
+                    <a:lumMod val="65000"/>
+                    <a:lumOff val="35000"/>
+                  </a:schemeClr>
+                </a:solidFill>
+                <a:latin typeface="배스킨라빈스 R" panose="02020603020101020101" pitchFamily="18" charset="-127"/>
+                <a:ea typeface="배스킨라빈스 R" panose="02020603020101020101" pitchFamily="18" charset="-127"/>
+              </a:rPr>
+              <a:t>검색</a:t>
+            </a:r>
+            <a:endParaRPr lang="ko-KR" altLang="en-US" dirty="0">
+              <a:solidFill>
+                <a:schemeClr val="tx1">
+                  <a:lumMod val="65000"/>
+                  <a:lumOff val="35000"/>
+                </a:schemeClr>
+              </a:solidFill>
+              <a:latin typeface="배스킨라빈스 R" panose="02020603020101020101" pitchFamily="18" charset="-127"/>
+              <a:ea typeface="배스킨라빈스 R" panose="02020603020101020101" pitchFamily="18" charset="-127"/>
+            </a:endParaRPr>
+          </a:p>
+        </p:txBody>
+      </p:sp>
+      <p:pic>
+        <p:nvPicPr>
+          <p:cNvPr id="20" name="그림 19"/>
+          <p:cNvPicPr>
+            <a:picLocks noChangeAspect="1"/>
+          </p:cNvPicPr>
+          <p:nvPr/>
+        </p:nvPicPr>
+        <p:blipFill>
+          <a:blip r:embed="rId6"/>
+          <a:stretch>
+            <a:fillRect/>
+          </a:stretch>
+        </p:blipFill>
+        <p:spPr>
+          <a:xfrm>
+            <a:off x="7483248" y="2329413"/>
+            <a:ext cx="4715353" cy="4227333"/>
+          </a:xfrm>
+          <a:prstGeom prst="rect">
+            <a:avLst/>
+          </a:prstGeom>
+        </p:spPr>
+      </p:pic>
+      <p:sp>
+        <p:nvSpPr>
+          <p:cNvPr id="21" name="TextBox 20"/>
+          <p:cNvSpPr txBox="1"/>
+          <p:nvPr/>
+        </p:nvSpPr>
+        <p:spPr>
+          <a:xfrm>
+            <a:off x="7390945" y="6488669"/>
+            <a:ext cx="4801055" cy="369332"/>
+          </a:xfrm>
+          <a:prstGeom prst="rect">
+            <a:avLst/>
+          </a:prstGeom>
+          <a:noFill/>
+        </p:spPr>
+        <p:txBody>
+          <a:bodyPr wrap="square" rtlCol="0">
+            <a:spAutoFit/>
+          </a:bodyPr>
+          <a:lstStyle/>
+          <a:p>
+            <a:r>
+              <a:rPr lang="en-US" altLang="ko-KR" dirty="0" smtClean="0">
+                <a:solidFill>
+                  <a:schemeClr val="tx1">
+                    <a:lumMod val="65000"/>
+                    <a:lumOff val="35000"/>
+                  </a:schemeClr>
+                </a:solidFill>
+                <a:latin typeface="배스킨라빈스 R" panose="02020603020101020101" pitchFamily="18" charset="-127"/>
+                <a:ea typeface="배스킨라빈스 R" panose="02020603020101020101" pitchFamily="18" charset="-127"/>
+              </a:rPr>
+              <a:t>Player </a:t>
+            </a:r>
+            <a:r>
+              <a:rPr lang="ko-KR" altLang="en-US" dirty="0" smtClean="0">
+                <a:solidFill>
+                  <a:schemeClr val="tx1">
+                    <a:lumMod val="65000"/>
+                    <a:lumOff val="35000"/>
+                  </a:schemeClr>
+                </a:solidFill>
+                <a:latin typeface="배스킨라빈스 R" panose="02020603020101020101" pitchFamily="18" charset="-127"/>
+                <a:ea typeface="배스킨라빈스 R" panose="02020603020101020101" pitchFamily="18" charset="-127"/>
+              </a:rPr>
+              <a:t>움직임에 따른 </a:t>
+            </a:r>
+            <a:r>
+              <a:rPr lang="en-US" altLang="ko-KR" dirty="0" smtClean="0">
+                <a:solidFill>
+                  <a:schemeClr val="tx1">
+                    <a:lumMod val="65000"/>
+                    <a:lumOff val="35000"/>
+                  </a:schemeClr>
+                </a:solidFill>
+                <a:latin typeface="배스킨라빈스 R" panose="02020603020101020101" pitchFamily="18" charset="-127"/>
+                <a:ea typeface="배스킨라빈스 R" panose="02020603020101020101" pitchFamily="18" charset="-127"/>
+              </a:rPr>
+              <a:t>sector</a:t>
+            </a:r>
+            <a:r>
+              <a:rPr lang="ko-KR" altLang="en-US" dirty="0" smtClean="0">
+                <a:solidFill>
+                  <a:schemeClr val="tx1">
+                    <a:lumMod val="65000"/>
+                    <a:lumOff val="35000"/>
+                  </a:schemeClr>
+                </a:solidFill>
+                <a:latin typeface="배스킨라빈스 R" panose="02020603020101020101" pitchFamily="18" charset="-127"/>
+                <a:ea typeface="배스킨라빈스 R" panose="02020603020101020101" pitchFamily="18" charset="-127"/>
+              </a:rPr>
+              <a:t>정보와 </a:t>
+            </a:r>
+            <a:r>
+              <a:rPr lang="en-US" altLang="ko-KR" dirty="0" smtClean="0">
+                <a:solidFill>
+                  <a:schemeClr val="tx1">
+                    <a:lumMod val="65000"/>
+                    <a:lumOff val="35000"/>
+                  </a:schemeClr>
+                </a:solidFill>
+                <a:latin typeface="배스킨라빈스 R" panose="02020603020101020101" pitchFamily="18" charset="-127"/>
+                <a:ea typeface="배스킨라빈스 R" panose="02020603020101020101" pitchFamily="18" charset="-127"/>
+              </a:rPr>
+              <a:t>tile </a:t>
+            </a:r>
+            <a:r>
+              <a:rPr lang="ko-KR" altLang="en-US" dirty="0" smtClean="0">
+                <a:solidFill>
+                  <a:schemeClr val="tx1">
+                    <a:lumMod val="65000"/>
+                    <a:lumOff val="35000"/>
+                  </a:schemeClr>
+                </a:solidFill>
+                <a:latin typeface="배스킨라빈스 R" panose="02020603020101020101" pitchFamily="18" charset="-127"/>
+                <a:ea typeface="배스킨라빈스 R" panose="02020603020101020101" pitchFamily="18" charset="-127"/>
+              </a:rPr>
+              <a:t>정보 전송</a:t>
+            </a:r>
+            <a:endParaRPr lang="ko-KR" altLang="en-US" dirty="0">
+              <a:solidFill>
+                <a:schemeClr val="tx1">
+                  <a:lumMod val="65000"/>
+                  <a:lumOff val="35000"/>
+                </a:schemeClr>
+              </a:solidFill>
+              <a:latin typeface="배스킨라빈스 R" panose="02020603020101020101" pitchFamily="18" charset="-127"/>
+              <a:ea typeface="배스킨라빈스 R" panose="02020603020101020101" pitchFamily="18" charset="-127"/>
+            </a:endParaRPr>
+          </a:p>
+        </p:txBody>
+      </p:sp>
+    </p:spTree>
+    <p:extLst>
+      <p:ext uri="{BB962C8B-B14F-4D97-AF65-F5344CB8AC3E}">
+        <p14:creationId xmlns:p14="http://schemas.microsoft.com/office/powerpoint/2010/main" val="3449491919"/>
+      </p:ext>
+    </p:extLst>
+  </p:cSld>
+  <p:clrMapOvr>
+    <a:masterClrMapping/>
+  </p:clrMapOvr>
+  <p:timing>
+    <p:tnLst>
+      <p:par>
+        <p:cTn id="1" dur="indefinite" restart="never" nodeType="tmRoot"/>
+      </p:par>
+    </p:tnLst>
+  </p:timing>
+</p:sld>
+</file>
+
+<file path=ppt/slides/slide14.xml><?xml version="1.0" encoding="utf-8"?>
+<p:sld xmlns:a="http://schemas.openxmlformats.org/drawingml/2006/main" xmlns:r="http://schemas.openxmlformats.org/officeDocument/2006/relationships" xmlns:p="http://schemas.openxmlformats.org/presentationml/2006/main">
+  <p:cSld>
+    <p:bg>
+      <p:bgPr>
+        <a:solidFill>
+          <a:schemeClr val="tx1">
+            <a:lumMod val="75000"/>
+            <a:lumOff val="25000"/>
+          </a:schemeClr>
+        </a:solidFill>
+        <a:effectLst/>
+      </p:bgPr>
+    </p:bg>
+    <p:spTree>
+      <p:nvGrpSpPr>
+        <p:cNvPr id="1" name=""/>
+        <p:cNvGrpSpPr/>
+        <p:nvPr/>
+      </p:nvGrpSpPr>
+      <p:grpSpPr>
+        <a:xfrm>
+          <a:off x="0" y="0"/>
+          <a:ext cx="0" cy="0"/>
+          <a:chOff x="0" y="0"/>
+          <a:chExt cx="0" cy="0"/>
+        </a:xfrm>
+      </p:grpSpPr>
+      <p:sp>
+        <p:nvSpPr>
+          <p:cNvPr id="4" name="직사각형 3"/>
+          <p:cNvSpPr/>
+          <p:nvPr/>
+        </p:nvSpPr>
+        <p:spPr>
+          <a:xfrm>
+            <a:off x="3092335" y="0"/>
+            <a:ext cx="9099665" cy="6858000"/>
+          </a:xfrm>
+          <a:prstGeom prst="rect">
+            <a:avLst/>
+          </a:prstGeom>
+          <a:solidFill>
+            <a:schemeClr val="bg1">
+              <a:lumMod val="85000"/>
+            </a:schemeClr>
+          </a:solidFill>
+          <a:ln>
+            <a:solidFill>
+              <a:schemeClr val="bg1">
+                <a:lumMod val="85000"/>
+              </a:schemeClr>
+            </a:solidFill>
+          </a:ln>
+        </p:spPr>
+        <p:style>
+          <a:lnRef idx="2">
+            <a:schemeClr val="accent1">
+              <a:shade val="50000"/>
+            </a:schemeClr>
+          </a:lnRef>
+          <a:fillRef idx="1">
+            <a:schemeClr val="accent1"/>
+          </a:fillRef>
+          <a:effectRef idx="0">
+            <a:schemeClr val="accent1"/>
+          </a:effectRef>
+          <a:fontRef idx="minor">
+            <a:schemeClr val="lt1"/>
+          </a:fontRef>
+        </p:style>
+        <p:txBody>
+          <a:bodyPr rtlCol="0" anchor="ctr"/>
+          <a:lstStyle/>
+          <a:p>
+            <a:pPr algn="ctr"/>
+            <a:endParaRPr lang="ko-KR" altLang="en-US" dirty="0"/>
+          </a:p>
+        </p:txBody>
+      </p:sp>
+      <p:cxnSp>
+        <p:nvCxnSpPr>
+          <p:cNvPr id="7" name="직선 연결선 6"/>
+          <p:cNvCxnSpPr/>
+          <p:nvPr/>
+        </p:nvCxnSpPr>
+        <p:spPr>
+          <a:xfrm flipV="1">
+            <a:off x="465513" y="897775"/>
+            <a:ext cx="2626822" cy="16625"/>
+          </a:xfrm>
+          <a:prstGeom prst="line">
+            <a:avLst/>
+          </a:prstGeom>
+          <a:ln w="41275">
+            <a:solidFill>
+              <a:schemeClr val="bg1">
+                <a:lumMod val="75000"/>
+              </a:schemeClr>
+            </a:solidFill>
+          </a:ln>
+        </p:spPr>
+        <p:style>
+          <a:lnRef idx="1">
+            <a:schemeClr val="accent1"/>
+          </a:lnRef>
+          <a:fillRef idx="0">
+            <a:schemeClr val="accent1"/>
+          </a:fillRef>
+          <a:effectRef idx="0">
+            <a:schemeClr val="accent1"/>
+          </a:effectRef>
+          <a:fontRef idx="minor">
+            <a:schemeClr val="tx1"/>
+          </a:fontRef>
+        </p:style>
+      </p:cxnSp>
+      <p:sp>
+        <p:nvSpPr>
+          <p:cNvPr id="9" name="TextBox 8"/>
+          <p:cNvSpPr txBox="1"/>
+          <p:nvPr/>
+        </p:nvSpPr>
+        <p:spPr>
+          <a:xfrm>
+            <a:off x="368666" y="313000"/>
+            <a:ext cx="2653290" cy="584775"/>
+          </a:xfrm>
+          <a:prstGeom prst="rect">
+            <a:avLst/>
+          </a:prstGeom>
+          <a:noFill/>
+        </p:spPr>
+        <p:txBody>
+          <a:bodyPr wrap="none" rtlCol="0">
+            <a:spAutoFit/>
+          </a:bodyPr>
+          <a:lstStyle/>
+          <a:p>
+            <a:r>
+              <a:rPr lang="en-US" altLang="ko-KR" sz="3200" dirty="0" smtClean="0">
+                <a:solidFill>
+                  <a:schemeClr val="bg1"/>
+                </a:solidFill>
+                <a:latin typeface="배스킨라빈스 R" panose="02020603020101020101" pitchFamily="18" charset="-127"/>
+                <a:ea typeface="배스킨라빈스 R" panose="02020603020101020101" pitchFamily="18" charset="-127"/>
+              </a:rPr>
+              <a:t>Render Sector</a:t>
+            </a:r>
+          </a:p>
+        </p:txBody>
+      </p:sp>
+      <p:sp>
+        <p:nvSpPr>
+          <p:cNvPr id="8" name="TextBox 7"/>
+          <p:cNvSpPr txBox="1"/>
+          <p:nvPr/>
+        </p:nvSpPr>
+        <p:spPr>
+          <a:xfrm>
+            <a:off x="32262" y="1499175"/>
+            <a:ext cx="3092335" cy="5078313"/>
+          </a:xfrm>
+          <a:prstGeom prst="rect">
+            <a:avLst/>
+          </a:prstGeom>
+          <a:noFill/>
+        </p:spPr>
+        <p:txBody>
+          <a:bodyPr wrap="square" rtlCol="0">
+            <a:spAutoFit/>
+          </a:bodyPr>
+          <a:lstStyle/>
+          <a:p>
+            <a:pPr algn="r"/>
+            <a:endParaRPr lang="en-US" altLang="ko-KR" dirty="0" smtClean="0">
+              <a:solidFill>
+                <a:schemeClr val="bg1"/>
+              </a:solidFill>
+              <a:latin typeface="배스킨라빈스 R" panose="02020603020101020101" pitchFamily="18" charset="-127"/>
+              <a:ea typeface="배스킨라빈스 R" panose="02020603020101020101" pitchFamily="18" charset="-127"/>
+            </a:endParaRPr>
+          </a:p>
+          <a:p>
+            <a:pPr algn="r"/>
+            <a:r>
+              <a:rPr lang="ko-KR" altLang="en-US" dirty="0" smtClean="0">
+                <a:solidFill>
+                  <a:schemeClr val="bg1"/>
+                </a:solidFill>
+                <a:latin typeface="배스킨라빈스 R" panose="02020603020101020101" pitchFamily="18" charset="-127"/>
+                <a:ea typeface="배스킨라빈스 R" panose="02020603020101020101" pitchFamily="18" charset="-127"/>
+              </a:rPr>
+              <a:t> </a:t>
+            </a:r>
+            <a:r>
+              <a:rPr lang="en-US" altLang="ko-KR" dirty="0" smtClean="0">
+                <a:solidFill>
+                  <a:schemeClr val="bg1"/>
+                </a:solidFill>
+                <a:latin typeface="배스킨라빈스 R" panose="02020603020101020101" pitchFamily="18" charset="-127"/>
+                <a:ea typeface="배스킨라빈스 R" panose="02020603020101020101" pitchFamily="18" charset="-127"/>
+              </a:rPr>
+              <a:t> </a:t>
+            </a:r>
+            <a:r>
+              <a:rPr lang="ko-KR" altLang="en-US" dirty="0" smtClean="0">
+                <a:solidFill>
+                  <a:schemeClr val="bg1"/>
+                </a:solidFill>
+                <a:latin typeface="배스킨라빈스 R" panose="02020603020101020101" pitchFamily="18" charset="-127"/>
+                <a:ea typeface="배스킨라빈스 R" panose="02020603020101020101" pitchFamily="18" charset="-127"/>
+              </a:rPr>
+              <a:t>우선순위 큐를 구현하여 </a:t>
+            </a:r>
+            <a:endParaRPr lang="en-US" altLang="ko-KR" dirty="0" smtClean="0">
+              <a:solidFill>
+                <a:schemeClr val="bg1"/>
+              </a:solidFill>
+              <a:latin typeface="배스킨라빈스 R" panose="02020603020101020101" pitchFamily="18" charset="-127"/>
+              <a:ea typeface="배스킨라빈스 R" panose="02020603020101020101" pitchFamily="18" charset="-127"/>
+            </a:endParaRPr>
+          </a:p>
+          <a:p>
+            <a:pPr algn="r"/>
+            <a:r>
+              <a:rPr lang="ko-KR" altLang="en-US" dirty="0" smtClean="0">
+                <a:solidFill>
+                  <a:schemeClr val="bg1"/>
+                </a:solidFill>
+                <a:latin typeface="배스킨라빈스 R" panose="02020603020101020101" pitchFamily="18" charset="-127"/>
+                <a:ea typeface="배스킨라빈스 R" panose="02020603020101020101" pitchFamily="18" charset="-127"/>
+              </a:rPr>
+              <a:t>렌더링 범위에 들어올 때 마다 </a:t>
+            </a:r>
+            <a:endParaRPr lang="en-US" altLang="ko-KR" dirty="0" smtClean="0">
+              <a:solidFill>
+                <a:schemeClr val="bg1"/>
+              </a:solidFill>
+              <a:latin typeface="배스킨라빈스 R" panose="02020603020101020101" pitchFamily="18" charset="-127"/>
+              <a:ea typeface="배스킨라빈스 R" panose="02020603020101020101" pitchFamily="18" charset="-127"/>
+            </a:endParaRPr>
+          </a:p>
+          <a:p>
+            <a:pPr algn="r"/>
+            <a:r>
+              <a:rPr lang="ko-KR" altLang="en-US" dirty="0" smtClean="0">
+                <a:solidFill>
+                  <a:schemeClr val="bg1"/>
+                </a:solidFill>
+                <a:latin typeface="배스킨라빈스 R" panose="02020603020101020101" pitchFamily="18" charset="-127"/>
+                <a:ea typeface="배스킨라빈스 R" panose="02020603020101020101" pitchFamily="18" charset="-127"/>
+              </a:rPr>
+              <a:t>해당 </a:t>
+            </a:r>
+            <a:r>
+              <a:rPr lang="en-US" altLang="ko-KR" dirty="0" smtClean="0">
+                <a:solidFill>
+                  <a:schemeClr val="bg1"/>
+                </a:solidFill>
+                <a:latin typeface="배스킨라빈스 R" panose="02020603020101020101" pitchFamily="18" charset="-127"/>
+                <a:ea typeface="배스킨라빈스 R" panose="02020603020101020101" pitchFamily="18" charset="-127"/>
+              </a:rPr>
+              <a:t>Tile</a:t>
+            </a:r>
+            <a:r>
+              <a:rPr lang="ko-KR" altLang="en-US" dirty="0" smtClean="0">
+                <a:solidFill>
+                  <a:schemeClr val="bg1"/>
+                </a:solidFill>
+                <a:latin typeface="배스킨라빈스 R" panose="02020603020101020101" pitchFamily="18" charset="-127"/>
+                <a:ea typeface="배스킨라빈스 R" panose="02020603020101020101" pitchFamily="18" charset="-127"/>
+              </a:rPr>
+              <a:t>에 대한 </a:t>
+            </a:r>
+            <a:r>
+              <a:rPr lang="en-US" altLang="ko-KR" dirty="0" smtClean="0">
+                <a:solidFill>
+                  <a:schemeClr val="bg1"/>
+                </a:solidFill>
+                <a:latin typeface="배스킨라빈스 R" panose="02020603020101020101" pitchFamily="18" charset="-127"/>
+                <a:ea typeface="배스킨라빈스 R" panose="02020603020101020101" pitchFamily="18" charset="-127"/>
+              </a:rPr>
+              <a:t>time </a:t>
+            </a:r>
+            <a:r>
+              <a:rPr lang="ko-KR" altLang="en-US" dirty="0" smtClean="0">
+                <a:solidFill>
+                  <a:schemeClr val="bg1"/>
+                </a:solidFill>
+                <a:latin typeface="배스킨라빈스 R" panose="02020603020101020101" pitchFamily="18" charset="-127"/>
+                <a:ea typeface="배스킨라빈스 R" panose="02020603020101020101" pitchFamily="18" charset="-127"/>
+              </a:rPr>
+              <a:t>변수를</a:t>
+            </a:r>
+            <a:endParaRPr lang="en-US" altLang="ko-KR" dirty="0" smtClean="0">
+              <a:solidFill>
+                <a:schemeClr val="bg1"/>
+              </a:solidFill>
+              <a:latin typeface="배스킨라빈스 R" panose="02020603020101020101" pitchFamily="18" charset="-127"/>
+              <a:ea typeface="배스킨라빈스 R" panose="02020603020101020101" pitchFamily="18" charset="-127"/>
+            </a:endParaRPr>
+          </a:p>
+          <a:p>
+            <a:pPr algn="r"/>
+            <a:r>
+              <a:rPr lang="ko-KR" altLang="en-US" dirty="0" smtClean="0">
+                <a:solidFill>
+                  <a:schemeClr val="bg1"/>
+                </a:solidFill>
+                <a:latin typeface="배스킨라빈스 R" panose="02020603020101020101" pitchFamily="18" charset="-127"/>
+                <a:ea typeface="배스킨라빈스 R" panose="02020603020101020101" pitchFamily="18" charset="-127"/>
+              </a:rPr>
+              <a:t>그때의 시간으로 갱신해 줍니다</a:t>
+            </a:r>
+            <a:r>
+              <a:rPr lang="en-US" altLang="ko-KR" dirty="0" smtClean="0">
+                <a:solidFill>
+                  <a:schemeClr val="bg1"/>
+                </a:solidFill>
+                <a:latin typeface="배스킨라빈스 R" panose="02020603020101020101" pitchFamily="18" charset="-127"/>
+                <a:ea typeface="배스킨라빈스 R" panose="02020603020101020101" pitchFamily="18" charset="-127"/>
+              </a:rPr>
+              <a:t>.</a:t>
+            </a:r>
+          </a:p>
+          <a:p>
+            <a:pPr algn="r"/>
+            <a:endParaRPr lang="en-US" altLang="ko-KR" dirty="0">
+              <a:solidFill>
+                <a:schemeClr val="bg1"/>
+              </a:solidFill>
+              <a:latin typeface="배스킨라빈스 R" panose="02020603020101020101" pitchFamily="18" charset="-127"/>
+              <a:ea typeface="배스킨라빈스 R" panose="02020603020101020101" pitchFamily="18" charset="-127"/>
+            </a:endParaRPr>
+          </a:p>
+          <a:p>
+            <a:pPr algn="r"/>
+            <a:r>
+              <a:rPr lang="ko-KR" altLang="en-US" dirty="0" smtClean="0">
+                <a:solidFill>
+                  <a:schemeClr val="bg1"/>
+                </a:solidFill>
+                <a:latin typeface="배스킨라빈스 R" panose="02020603020101020101" pitchFamily="18" charset="-127"/>
+                <a:ea typeface="배스킨라빈스 R" panose="02020603020101020101" pitchFamily="18" charset="-127"/>
+              </a:rPr>
+              <a:t>갱신이 오랫동안 안되어 있는데</a:t>
+            </a:r>
+            <a:endParaRPr lang="en-US" altLang="ko-KR" dirty="0" smtClean="0">
+              <a:solidFill>
+                <a:schemeClr val="bg1"/>
+              </a:solidFill>
+              <a:latin typeface="배스킨라빈스 R" panose="02020603020101020101" pitchFamily="18" charset="-127"/>
+              <a:ea typeface="배스킨라빈스 R" panose="02020603020101020101" pitchFamily="18" charset="-127"/>
+            </a:endParaRPr>
+          </a:p>
+          <a:p>
+            <a:pPr algn="r"/>
+            <a:r>
+              <a:rPr lang="en-US" altLang="ko-KR" dirty="0" smtClean="0">
+                <a:solidFill>
+                  <a:schemeClr val="bg1"/>
+                </a:solidFill>
+                <a:latin typeface="배스킨라빈스 R" panose="02020603020101020101" pitchFamily="18" charset="-127"/>
+                <a:ea typeface="배스킨라빈스 R" panose="02020603020101020101" pitchFamily="18" charset="-127"/>
+              </a:rPr>
+              <a:t>Queue</a:t>
+            </a:r>
+            <a:r>
+              <a:rPr lang="ko-KR" altLang="en-US" dirty="0" smtClean="0">
+                <a:solidFill>
+                  <a:schemeClr val="bg1"/>
+                </a:solidFill>
+                <a:latin typeface="배스킨라빈스 R" panose="02020603020101020101" pitchFamily="18" charset="-127"/>
+                <a:ea typeface="배스킨라빈스 R" panose="02020603020101020101" pitchFamily="18" charset="-127"/>
+              </a:rPr>
+              <a:t>가 꽉 찬 경우</a:t>
+            </a:r>
+            <a:endParaRPr lang="en-US" altLang="ko-KR" dirty="0" smtClean="0">
+              <a:solidFill>
+                <a:schemeClr val="bg1"/>
+              </a:solidFill>
+              <a:latin typeface="배스킨라빈스 R" panose="02020603020101020101" pitchFamily="18" charset="-127"/>
+              <a:ea typeface="배스킨라빈스 R" panose="02020603020101020101" pitchFamily="18" charset="-127"/>
+            </a:endParaRPr>
+          </a:p>
+          <a:p>
+            <a:pPr algn="r"/>
+            <a:r>
+              <a:rPr lang="ko-KR" altLang="en-US" dirty="0" smtClean="0">
+                <a:solidFill>
+                  <a:schemeClr val="bg1"/>
+                </a:solidFill>
+                <a:latin typeface="배스킨라빈스 R" panose="02020603020101020101" pitchFamily="18" charset="-127"/>
+                <a:ea typeface="배스킨라빈스 R" panose="02020603020101020101" pitchFamily="18" charset="-127"/>
+              </a:rPr>
+              <a:t>갱신이 안된 </a:t>
+            </a:r>
+            <a:r>
+              <a:rPr lang="en-US" altLang="ko-KR" dirty="0" smtClean="0">
+                <a:solidFill>
+                  <a:schemeClr val="bg1"/>
+                </a:solidFill>
+                <a:latin typeface="배스킨라빈스 R" panose="02020603020101020101" pitchFamily="18" charset="-127"/>
+                <a:ea typeface="배스킨라빈스 R" panose="02020603020101020101" pitchFamily="18" charset="-127"/>
+              </a:rPr>
+              <a:t>Tile </a:t>
+            </a:r>
+            <a:r>
+              <a:rPr lang="ko-KR" altLang="en-US" dirty="0" smtClean="0">
+                <a:solidFill>
+                  <a:schemeClr val="bg1"/>
+                </a:solidFill>
+                <a:latin typeface="배스킨라빈스 R" panose="02020603020101020101" pitchFamily="18" charset="-127"/>
+                <a:ea typeface="배스킨라빈스 R" panose="02020603020101020101" pitchFamily="18" charset="-127"/>
+              </a:rPr>
+              <a:t>부터 </a:t>
+            </a:r>
+            <a:endParaRPr lang="en-US" altLang="ko-KR" dirty="0">
+              <a:solidFill>
+                <a:schemeClr val="bg1"/>
+              </a:solidFill>
+              <a:latin typeface="배스킨라빈스 R" panose="02020603020101020101" pitchFamily="18" charset="-127"/>
+              <a:ea typeface="배스킨라빈스 R" panose="02020603020101020101" pitchFamily="18" charset="-127"/>
+            </a:endParaRPr>
+          </a:p>
+          <a:p>
+            <a:pPr algn="r"/>
+            <a:r>
+              <a:rPr lang="en-US" altLang="ko-KR" dirty="0" smtClean="0">
+                <a:solidFill>
+                  <a:schemeClr val="bg1"/>
+                </a:solidFill>
+                <a:latin typeface="배스킨라빈스 R" panose="02020603020101020101" pitchFamily="18" charset="-127"/>
+                <a:ea typeface="배스킨라빈스 R" panose="02020603020101020101" pitchFamily="18" charset="-127"/>
+              </a:rPr>
+              <a:t>Queue </a:t>
+            </a:r>
+            <a:r>
+              <a:rPr lang="ko-KR" altLang="en-US" dirty="0" smtClean="0">
+                <a:solidFill>
+                  <a:schemeClr val="bg1"/>
+                </a:solidFill>
+                <a:latin typeface="배스킨라빈스 R" panose="02020603020101020101" pitchFamily="18" charset="-127"/>
+                <a:ea typeface="배스킨라빈스 R" panose="02020603020101020101" pitchFamily="18" charset="-127"/>
+              </a:rPr>
+              <a:t>에서 제외 시켜 줍니다</a:t>
+            </a:r>
+            <a:r>
+              <a:rPr lang="en-US" altLang="ko-KR" dirty="0" smtClean="0">
+                <a:solidFill>
+                  <a:schemeClr val="bg1"/>
+                </a:solidFill>
+                <a:latin typeface="배스킨라빈스 R" panose="02020603020101020101" pitchFamily="18" charset="-127"/>
+                <a:ea typeface="배스킨라빈스 R" panose="02020603020101020101" pitchFamily="18" charset="-127"/>
+              </a:rPr>
+              <a:t>.</a:t>
+            </a:r>
+          </a:p>
+          <a:p>
+            <a:pPr algn="r"/>
+            <a:endParaRPr lang="en-US" altLang="ko-KR" dirty="0">
+              <a:solidFill>
+                <a:schemeClr val="bg1"/>
+              </a:solidFill>
+              <a:latin typeface="배스킨라빈스 R" panose="02020603020101020101" pitchFamily="18" charset="-127"/>
+              <a:ea typeface="배스킨라빈스 R" panose="02020603020101020101" pitchFamily="18" charset="-127"/>
+            </a:endParaRPr>
+          </a:p>
+          <a:p>
+            <a:pPr algn="r"/>
+            <a:r>
+              <a:rPr lang="ko-KR" altLang="en-US" dirty="0" smtClean="0">
+                <a:solidFill>
+                  <a:schemeClr val="bg1"/>
+                </a:solidFill>
+                <a:latin typeface="배스킨라빈스 R" panose="02020603020101020101" pitchFamily="18" charset="-127"/>
+                <a:ea typeface="배스킨라빈스 R" panose="02020603020101020101" pitchFamily="18" charset="-127"/>
+              </a:rPr>
+              <a:t>구현된 우선순위 큐는 </a:t>
+            </a:r>
+            <a:endParaRPr lang="en-US" altLang="ko-KR" dirty="0" smtClean="0">
+              <a:solidFill>
+                <a:schemeClr val="bg1"/>
+              </a:solidFill>
+              <a:latin typeface="배스킨라빈스 R" panose="02020603020101020101" pitchFamily="18" charset="-127"/>
+              <a:ea typeface="배스킨라빈스 R" panose="02020603020101020101" pitchFamily="18" charset="-127"/>
+            </a:endParaRPr>
+          </a:p>
+          <a:p>
+            <a:pPr algn="r"/>
+            <a:r>
+              <a:rPr lang="en-US" altLang="ko-KR" dirty="0" err="1" smtClean="0">
+                <a:solidFill>
+                  <a:schemeClr val="bg1"/>
+                </a:solidFill>
+                <a:latin typeface="배스킨라빈스 R" panose="02020603020101020101" pitchFamily="18" charset="-127"/>
+                <a:ea typeface="배스킨라빈스 R" panose="02020603020101020101" pitchFamily="18" charset="-127"/>
+              </a:rPr>
+              <a:t>LRU_Queue</a:t>
+            </a:r>
+            <a:r>
+              <a:rPr lang="en-US" altLang="ko-KR" dirty="0" smtClean="0">
+                <a:solidFill>
+                  <a:schemeClr val="bg1"/>
+                </a:solidFill>
+                <a:latin typeface="배스킨라빈스 R" panose="02020603020101020101" pitchFamily="18" charset="-127"/>
+                <a:ea typeface="배스킨라빈스 R" panose="02020603020101020101" pitchFamily="18" charset="-127"/>
+              </a:rPr>
+              <a:t> Class</a:t>
+            </a:r>
+            <a:r>
+              <a:rPr lang="ko-KR" altLang="en-US" dirty="0" smtClean="0">
+                <a:solidFill>
+                  <a:schemeClr val="bg1"/>
+                </a:solidFill>
+                <a:latin typeface="배스킨라빈스 R" panose="02020603020101020101" pitchFamily="18" charset="-127"/>
+                <a:ea typeface="배스킨라빈스 R" panose="02020603020101020101" pitchFamily="18" charset="-127"/>
+              </a:rPr>
+              <a:t>에서</a:t>
+            </a:r>
+            <a:endParaRPr lang="en-US" altLang="ko-KR" dirty="0" smtClean="0">
+              <a:solidFill>
+                <a:schemeClr val="bg1"/>
+              </a:solidFill>
+              <a:latin typeface="배스킨라빈스 R" panose="02020603020101020101" pitchFamily="18" charset="-127"/>
+              <a:ea typeface="배스킨라빈스 R" panose="02020603020101020101" pitchFamily="18" charset="-127"/>
+            </a:endParaRPr>
+          </a:p>
+          <a:p>
+            <a:pPr algn="r"/>
+            <a:r>
+              <a:rPr lang="ko-KR" altLang="en-US" dirty="0" smtClean="0">
+                <a:solidFill>
+                  <a:schemeClr val="bg1"/>
+                </a:solidFill>
+                <a:latin typeface="배스킨라빈스 R" panose="02020603020101020101" pitchFamily="18" charset="-127"/>
+                <a:ea typeface="배스킨라빈스 R" panose="02020603020101020101" pitchFamily="18" charset="-127"/>
+              </a:rPr>
+              <a:t>한번 더 감싸 줍니다</a:t>
+            </a:r>
+            <a:r>
+              <a:rPr lang="en-US" altLang="ko-KR" dirty="0" smtClean="0">
+                <a:solidFill>
+                  <a:schemeClr val="bg1"/>
+                </a:solidFill>
+                <a:latin typeface="배스킨라빈스 R" panose="02020603020101020101" pitchFamily="18" charset="-127"/>
+                <a:ea typeface="배스킨라빈스 R" panose="02020603020101020101" pitchFamily="18" charset="-127"/>
+              </a:rPr>
+              <a:t>.</a:t>
+            </a:r>
+          </a:p>
+          <a:p>
+            <a:pPr algn="r"/>
+            <a:endParaRPr lang="en-US" altLang="ko-KR" dirty="0">
+              <a:solidFill>
+                <a:schemeClr val="bg1"/>
+              </a:solidFill>
+              <a:latin typeface="배스킨라빈스 R" panose="02020603020101020101" pitchFamily="18" charset="-127"/>
+              <a:ea typeface="배스킨라빈스 R" panose="02020603020101020101" pitchFamily="18" charset="-127"/>
+            </a:endParaRPr>
+          </a:p>
+          <a:p>
+            <a:pPr algn="r"/>
+            <a:endParaRPr lang="en-US" altLang="ko-KR" dirty="0" smtClean="0">
+              <a:solidFill>
+                <a:schemeClr val="bg1"/>
+              </a:solidFill>
+              <a:latin typeface="배스킨라빈스 R" panose="02020603020101020101" pitchFamily="18" charset="-127"/>
+              <a:ea typeface="배스킨라빈스 R" panose="02020603020101020101" pitchFamily="18" charset="-127"/>
+            </a:endParaRPr>
+          </a:p>
+          <a:p>
+            <a:pPr algn="r"/>
+            <a:endParaRPr lang="en-US" altLang="ko-KR" dirty="0">
+              <a:solidFill>
+                <a:schemeClr val="bg1"/>
+              </a:solidFill>
+              <a:latin typeface="배스킨라빈스 R" panose="02020603020101020101" pitchFamily="18" charset="-127"/>
+              <a:ea typeface="배스킨라빈스 R" panose="02020603020101020101" pitchFamily="18" charset="-127"/>
+            </a:endParaRPr>
+          </a:p>
+          <a:p>
+            <a:pPr algn="r"/>
+            <a:r>
+              <a:rPr lang="ko-KR" altLang="en-US" dirty="0" smtClean="0">
+                <a:solidFill>
+                  <a:schemeClr val="bg1"/>
+                </a:solidFill>
+                <a:latin typeface="배스킨라빈스 R" panose="02020603020101020101" pitchFamily="18" charset="-127"/>
+                <a:ea typeface="배스킨라빈스 R" panose="02020603020101020101" pitchFamily="18" charset="-127"/>
+              </a:rPr>
+              <a:t> </a:t>
+            </a:r>
+            <a:endParaRPr lang="en-US" altLang="ko-KR" dirty="0" smtClean="0">
+              <a:solidFill>
+                <a:schemeClr val="bg1"/>
+              </a:solidFill>
+              <a:latin typeface="배스킨라빈스 R" panose="02020603020101020101" pitchFamily="18" charset="-127"/>
+              <a:ea typeface="배스킨라빈스 R" panose="02020603020101020101" pitchFamily="18" charset="-127"/>
+            </a:endParaRPr>
+          </a:p>
+        </p:txBody>
+      </p:sp>
+      <p:sp>
+        <p:nvSpPr>
+          <p:cNvPr id="19" name="TextBox 18"/>
+          <p:cNvSpPr txBox="1"/>
+          <p:nvPr/>
+        </p:nvSpPr>
+        <p:spPr>
+          <a:xfrm>
+            <a:off x="1578430" y="866997"/>
+            <a:ext cx="1540374" cy="400110"/>
+          </a:xfrm>
+          <a:prstGeom prst="rect">
+            <a:avLst/>
+          </a:prstGeom>
+          <a:noFill/>
+        </p:spPr>
+        <p:txBody>
+          <a:bodyPr wrap="square" rtlCol="0">
+            <a:spAutoFit/>
+          </a:bodyPr>
+          <a:lstStyle/>
+          <a:p>
+            <a:r>
+              <a:rPr lang="en-US" altLang="ko-KR" sz="2000" dirty="0" smtClean="0">
+                <a:solidFill>
+                  <a:schemeClr val="bg1">
+                    <a:lumMod val="50000"/>
+                  </a:schemeClr>
+                </a:solidFill>
+                <a:latin typeface="배스킨라빈스 R" panose="02020603020101020101" pitchFamily="18" charset="-127"/>
+                <a:ea typeface="배스킨라빈스 R" panose="02020603020101020101" pitchFamily="18" charset="-127"/>
+              </a:rPr>
+              <a:t>LRU Queue</a:t>
+            </a:r>
+            <a:endParaRPr lang="en-US" altLang="ko-KR" sz="2000" dirty="0">
+              <a:solidFill>
+                <a:schemeClr val="bg1">
+                  <a:lumMod val="50000"/>
+                </a:schemeClr>
+              </a:solidFill>
+              <a:latin typeface="배스킨라빈스 R" panose="02020603020101020101" pitchFamily="18" charset="-127"/>
+              <a:ea typeface="배스킨라빈스 R" panose="02020603020101020101" pitchFamily="18" charset="-127"/>
+            </a:endParaRPr>
+          </a:p>
+        </p:txBody>
+      </p:sp>
+      <p:pic>
+        <p:nvPicPr>
+          <p:cNvPr id="10" name="그림 9"/>
+          <p:cNvPicPr>
+            <a:picLocks noChangeAspect="1"/>
+          </p:cNvPicPr>
+          <p:nvPr/>
+        </p:nvPicPr>
+        <p:blipFill>
+          <a:blip r:embed="rId2"/>
+          <a:stretch>
+            <a:fillRect/>
+          </a:stretch>
+        </p:blipFill>
+        <p:spPr>
+          <a:xfrm>
+            <a:off x="3092336" y="-47624"/>
+            <a:ext cx="4778036" cy="3204481"/>
+          </a:xfrm>
+          <a:prstGeom prst="rect">
+            <a:avLst/>
+          </a:prstGeom>
+        </p:spPr>
+      </p:pic>
+      <p:pic>
+        <p:nvPicPr>
+          <p:cNvPr id="11" name="그림 10"/>
+          <p:cNvPicPr>
+            <a:picLocks noChangeAspect="1"/>
+          </p:cNvPicPr>
+          <p:nvPr/>
+        </p:nvPicPr>
+        <p:blipFill>
+          <a:blip r:embed="rId3"/>
+          <a:stretch>
+            <a:fillRect/>
+          </a:stretch>
+        </p:blipFill>
+        <p:spPr>
+          <a:xfrm>
+            <a:off x="3068523" y="3156857"/>
+            <a:ext cx="4801849" cy="3701143"/>
+          </a:xfrm>
+          <a:prstGeom prst="rect">
+            <a:avLst/>
+          </a:prstGeom>
+        </p:spPr>
+      </p:pic>
+      <p:pic>
+        <p:nvPicPr>
+          <p:cNvPr id="12" name="그림 11"/>
+          <p:cNvPicPr>
+            <a:picLocks noChangeAspect="1"/>
+          </p:cNvPicPr>
+          <p:nvPr/>
+        </p:nvPicPr>
+        <p:blipFill>
+          <a:blip r:embed="rId4"/>
+          <a:stretch>
+            <a:fillRect/>
+          </a:stretch>
+        </p:blipFill>
+        <p:spPr>
+          <a:xfrm>
+            <a:off x="8432290" y="-47625"/>
+            <a:ext cx="3735897" cy="6905625"/>
+          </a:xfrm>
+          <a:prstGeom prst="rect">
+            <a:avLst/>
+          </a:prstGeom>
+        </p:spPr>
+      </p:pic>
+      <p:sp>
+        <p:nvSpPr>
+          <p:cNvPr id="13" name="TextBox 12"/>
+          <p:cNvSpPr txBox="1"/>
+          <p:nvPr/>
+        </p:nvSpPr>
+        <p:spPr>
+          <a:xfrm>
+            <a:off x="10666809" y="6488668"/>
+            <a:ext cx="1615168" cy="369332"/>
+          </a:xfrm>
+          <a:prstGeom prst="rect">
+            <a:avLst/>
+          </a:prstGeom>
+          <a:noFill/>
+        </p:spPr>
+        <p:txBody>
+          <a:bodyPr wrap="square" rtlCol="0">
+            <a:spAutoFit/>
+          </a:bodyPr>
+          <a:lstStyle/>
+          <a:p>
+            <a:r>
+              <a:rPr lang="en-US" altLang="ko-KR" dirty="0" err="1" smtClean="0">
+                <a:solidFill>
+                  <a:schemeClr val="bg1"/>
+                </a:solidFill>
+                <a:latin typeface="배스킨라빈스 R" panose="02020603020101020101" pitchFamily="18" charset="-127"/>
+                <a:ea typeface="배스킨라빈스 R" panose="02020603020101020101" pitchFamily="18" charset="-127"/>
+              </a:rPr>
+              <a:t>LRU_Queue.h</a:t>
+            </a:r>
+            <a:endParaRPr lang="ko-KR" altLang="en-US" dirty="0">
+              <a:solidFill>
+                <a:schemeClr val="bg1"/>
+              </a:solidFill>
+              <a:latin typeface="배스킨라빈스 R" panose="02020603020101020101" pitchFamily="18" charset="-127"/>
+              <a:ea typeface="배스킨라빈스 R" panose="02020603020101020101" pitchFamily="18" charset="-127"/>
+            </a:endParaRPr>
+          </a:p>
+        </p:txBody>
+      </p:sp>
+      <p:sp>
+        <p:nvSpPr>
+          <p:cNvPr id="22" name="TextBox 21"/>
+          <p:cNvSpPr txBox="1"/>
+          <p:nvPr/>
+        </p:nvSpPr>
+        <p:spPr>
+          <a:xfrm>
+            <a:off x="5918229" y="6488668"/>
+            <a:ext cx="2042120" cy="369332"/>
+          </a:xfrm>
+          <a:prstGeom prst="rect">
+            <a:avLst/>
+          </a:prstGeom>
+          <a:noFill/>
+        </p:spPr>
+        <p:txBody>
+          <a:bodyPr wrap="square" rtlCol="0">
+            <a:spAutoFit/>
+          </a:bodyPr>
+          <a:lstStyle/>
+          <a:p>
+            <a:r>
+              <a:rPr lang="en-US" altLang="ko-KR" dirty="0" err="1" smtClean="0">
+                <a:solidFill>
+                  <a:schemeClr val="bg1"/>
+                </a:solidFill>
+                <a:latin typeface="배스킨라빈스 R" panose="02020603020101020101" pitchFamily="18" charset="-127"/>
+                <a:ea typeface="배스킨라빈스 R" panose="02020603020101020101" pitchFamily="18" charset="-127"/>
+              </a:rPr>
+              <a:t>PriorityQueue.h</a:t>
+            </a:r>
+            <a:endParaRPr lang="ko-KR" altLang="en-US" dirty="0">
+              <a:solidFill>
+                <a:schemeClr val="bg1"/>
+              </a:solidFill>
+              <a:latin typeface="배스킨라빈스 R" panose="02020603020101020101" pitchFamily="18" charset="-127"/>
+              <a:ea typeface="배스킨라빈스 R" panose="02020603020101020101" pitchFamily="18" charset="-127"/>
+            </a:endParaRPr>
+          </a:p>
+        </p:txBody>
+      </p:sp>
+    </p:spTree>
+    <p:extLst>
+      <p:ext uri="{BB962C8B-B14F-4D97-AF65-F5344CB8AC3E}">
+        <p14:creationId xmlns:p14="http://schemas.microsoft.com/office/powerpoint/2010/main" val="1287811491"/>
+      </p:ext>
+    </p:extLst>
+  </p:cSld>
+  <p:clrMapOvr>
+    <a:masterClrMapping/>
+  </p:clrMapOvr>
+  <p:timing>
+    <p:tnLst>
+      <p:par>
+        <p:cTn id="1" dur="indefinite" restart="never" nodeType="tmRoot"/>
+      </p:par>
+    </p:tnLst>
+  </p:timing>
+</p:sld>
+</file>
+
+<file path=ppt/slides/slide15.xml><?xml version="1.0" encoding="utf-8"?>
+<p:sld xmlns:a="http://schemas.openxmlformats.org/drawingml/2006/main" xmlns:r="http://schemas.openxmlformats.org/officeDocument/2006/relationships" xmlns:p="http://schemas.openxmlformats.org/presentationml/2006/main">
+  <p:cSld>
+    <p:bg>
+      <p:bgPr>
+        <a:solidFill>
+          <a:schemeClr val="tx1">
+            <a:lumMod val="75000"/>
+            <a:lumOff val="25000"/>
+          </a:schemeClr>
+        </a:solidFill>
+        <a:effectLst/>
+      </p:bgPr>
+    </p:bg>
+    <p:spTree>
+      <p:nvGrpSpPr>
+        <p:cNvPr id="1" name=""/>
+        <p:cNvGrpSpPr/>
+        <p:nvPr/>
+      </p:nvGrpSpPr>
+      <p:grpSpPr>
+        <a:xfrm>
+          <a:off x="0" y="0"/>
+          <a:ext cx="0" cy="0"/>
+          <a:chOff x="0" y="0"/>
+          <a:chExt cx="0" cy="0"/>
+        </a:xfrm>
+      </p:grpSpPr>
+      <p:sp>
+        <p:nvSpPr>
+          <p:cNvPr id="4" name="직사각형 3"/>
+          <p:cNvSpPr/>
+          <p:nvPr/>
+        </p:nvSpPr>
+        <p:spPr>
+          <a:xfrm>
+            <a:off x="3092335" y="0"/>
+            <a:ext cx="9099665" cy="6858000"/>
+          </a:xfrm>
+          <a:prstGeom prst="rect">
+            <a:avLst/>
+          </a:prstGeom>
+          <a:solidFill>
+            <a:schemeClr val="bg1">
+              <a:lumMod val="85000"/>
+            </a:schemeClr>
+          </a:solidFill>
+          <a:ln>
+            <a:solidFill>
+              <a:schemeClr val="bg1">
+                <a:lumMod val="85000"/>
+              </a:schemeClr>
+            </a:solidFill>
+          </a:ln>
+        </p:spPr>
+        <p:style>
+          <a:lnRef idx="2">
+            <a:schemeClr val="accent1">
+              <a:shade val="50000"/>
+            </a:schemeClr>
+          </a:lnRef>
+          <a:fillRef idx="1">
+            <a:schemeClr val="accent1"/>
+          </a:fillRef>
+          <a:effectRef idx="0">
+            <a:schemeClr val="accent1"/>
+          </a:effectRef>
+          <a:fontRef idx="minor">
+            <a:schemeClr val="lt1"/>
+          </a:fontRef>
+        </p:style>
+        <p:txBody>
+          <a:bodyPr rtlCol="0" anchor="ctr"/>
+          <a:lstStyle/>
+          <a:p>
+            <a:pPr algn="ctr"/>
+            <a:endParaRPr lang="ko-KR" altLang="en-US" dirty="0"/>
+          </a:p>
+        </p:txBody>
+      </p:sp>
+      <p:cxnSp>
+        <p:nvCxnSpPr>
+          <p:cNvPr id="7" name="직선 연결선 6"/>
+          <p:cNvCxnSpPr/>
+          <p:nvPr/>
+        </p:nvCxnSpPr>
+        <p:spPr>
+          <a:xfrm flipV="1">
+            <a:off x="465513" y="897775"/>
+            <a:ext cx="2626822" cy="16625"/>
+          </a:xfrm>
+          <a:prstGeom prst="line">
+            <a:avLst/>
+          </a:prstGeom>
+          <a:ln w="41275">
+            <a:solidFill>
+              <a:schemeClr val="bg1">
+                <a:lumMod val="75000"/>
+              </a:schemeClr>
+            </a:solidFill>
+          </a:ln>
+        </p:spPr>
+        <p:style>
+          <a:lnRef idx="1">
+            <a:schemeClr val="accent1"/>
+          </a:lnRef>
+          <a:fillRef idx="0">
+            <a:schemeClr val="accent1"/>
+          </a:fillRef>
+          <a:effectRef idx="0">
+            <a:schemeClr val="accent1"/>
+          </a:effectRef>
+          <a:fontRef idx="minor">
+            <a:schemeClr val="tx1"/>
+          </a:fontRef>
+        </p:style>
+      </p:cxnSp>
+      <p:sp>
+        <p:nvSpPr>
+          <p:cNvPr id="9" name="TextBox 8"/>
+          <p:cNvSpPr txBox="1"/>
+          <p:nvPr/>
+        </p:nvSpPr>
+        <p:spPr>
+          <a:xfrm>
+            <a:off x="368666" y="313000"/>
+            <a:ext cx="2653290" cy="584775"/>
+          </a:xfrm>
+          <a:prstGeom prst="rect">
+            <a:avLst/>
+          </a:prstGeom>
+          <a:noFill/>
+        </p:spPr>
+        <p:txBody>
+          <a:bodyPr wrap="none" rtlCol="0">
+            <a:spAutoFit/>
+          </a:bodyPr>
+          <a:lstStyle/>
+          <a:p>
+            <a:r>
+              <a:rPr lang="en-US" altLang="ko-KR" sz="3200" dirty="0" smtClean="0">
+                <a:solidFill>
+                  <a:schemeClr val="bg1"/>
+                </a:solidFill>
+                <a:latin typeface="배스킨라빈스 R" panose="02020603020101020101" pitchFamily="18" charset="-127"/>
+                <a:ea typeface="배스킨라빈스 R" panose="02020603020101020101" pitchFamily="18" charset="-127"/>
+              </a:rPr>
+              <a:t>Render Sector</a:t>
+            </a:r>
+          </a:p>
+        </p:txBody>
+      </p:sp>
+      <p:sp>
+        <p:nvSpPr>
+          <p:cNvPr id="8" name="TextBox 7"/>
+          <p:cNvSpPr txBox="1"/>
+          <p:nvPr/>
+        </p:nvSpPr>
+        <p:spPr>
+          <a:xfrm>
+            <a:off x="250371" y="2134104"/>
+            <a:ext cx="3358473" cy="4524315"/>
+          </a:xfrm>
+          <a:prstGeom prst="rect">
+            <a:avLst/>
+          </a:prstGeom>
+          <a:noFill/>
+        </p:spPr>
+        <p:txBody>
+          <a:bodyPr wrap="square" rtlCol="0">
+            <a:spAutoFit/>
+          </a:bodyPr>
+          <a:lstStyle/>
+          <a:p>
+            <a:pPr algn="r"/>
+            <a:endParaRPr lang="en-US" altLang="ko-KR" dirty="0" smtClean="0">
+              <a:solidFill>
+                <a:schemeClr val="bg1"/>
+              </a:solidFill>
+              <a:latin typeface="배스킨라빈스 R" panose="02020603020101020101" pitchFamily="18" charset="-127"/>
+              <a:ea typeface="배스킨라빈스 R" panose="02020603020101020101" pitchFamily="18" charset="-127"/>
+            </a:endParaRPr>
+          </a:p>
+          <a:p>
+            <a:r>
+              <a:rPr lang="ko-KR" altLang="en-US" dirty="0" smtClean="0">
+                <a:solidFill>
+                  <a:schemeClr val="bg1"/>
+                </a:solidFill>
+                <a:latin typeface="배스킨라빈스 R" panose="02020603020101020101" pitchFamily="18" charset="-127"/>
+                <a:ea typeface="배스킨라빈스 R" panose="02020603020101020101" pitchFamily="18" charset="-127"/>
+              </a:rPr>
+              <a:t>각 </a:t>
+            </a:r>
+            <a:r>
+              <a:rPr lang="en-US" altLang="ko-KR" dirty="0" smtClean="0">
+                <a:solidFill>
+                  <a:schemeClr val="bg1"/>
+                </a:solidFill>
+                <a:latin typeface="배스킨라빈스 R" panose="02020603020101020101" pitchFamily="18" charset="-127"/>
+                <a:ea typeface="배스킨라빈스 R" panose="02020603020101020101" pitchFamily="18" charset="-127"/>
+              </a:rPr>
+              <a:t>Session </a:t>
+            </a:r>
+            <a:r>
+              <a:rPr lang="ko-KR" altLang="en-US" dirty="0" smtClean="0">
+                <a:solidFill>
+                  <a:schemeClr val="bg1"/>
+                </a:solidFill>
+                <a:latin typeface="배스킨라빈스 R" panose="02020603020101020101" pitchFamily="18" charset="-127"/>
+                <a:ea typeface="배스킨라빈스 R" panose="02020603020101020101" pitchFamily="18" charset="-127"/>
+              </a:rPr>
+              <a:t>들이 </a:t>
+            </a:r>
+            <a:endParaRPr lang="en-US" altLang="ko-KR" dirty="0" smtClean="0">
+              <a:solidFill>
+                <a:schemeClr val="bg1"/>
+              </a:solidFill>
+              <a:latin typeface="배스킨라빈스 R" panose="02020603020101020101" pitchFamily="18" charset="-127"/>
+              <a:ea typeface="배스킨라빈스 R" panose="02020603020101020101" pitchFamily="18" charset="-127"/>
+            </a:endParaRPr>
+          </a:p>
+          <a:p>
+            <a:r>
+              <a:rPr lang="ko-KR" altLang="en-US" dirty="0" smtClean="0">
+                <a:solidFill>
+                  <a:schemeClr val="bg1"/>
+                </a:solidFill>
+                <a:latin typeface="배스킨라빈스 R" panose="02020603020101020101" pitchFamily="18" charset="-127"/>
+                <a:ea typeface="배스킨라빈스 R" panose="02020603020101020101" pitchFamily="18" charset="-127"/>
+              </a:rPr>
+              <a:t>현재 </a:t>
+            </a:r>
+            <a:r>
+              <a:rPr lang="ko-KR" altLang="en-US" dirty="0" err="1" smtClean="0">
+                <a:solidFill>
+                  <a:schemeClr val="bg1"/>
+                </a:solidFill>
+                <a:latin typeface="배스킨라빈스 R" panose="02020603020101020101" pitchFamily="18" charset="-127"/>
+                <a:ea typeface="배스킨라빈스 R" panose="02020603020101020101" pitchFamily="18" charset="-127"/>
+              </a:rPr>
+              <a:t>렌더중인</a:t>
+            </a:r>
+            <a:r>
+              <a:rPr lang="ko-KR" altLang="en-US" dirty="0" smtClean="0">
+                <a:solidFill>
+                  <a:schemeClr val="bg1"/>
+                </a:solidFill>
+                <a:latin typeface="배스킨라빈스 R" panose="02020603020101020101" pitchFamily="18" charset="-127"/>
+                <a:ea typeface="배스킨라빈스 R" panose="02020603020101020101" pitchFamily="18" charset="-127"/>
+              </a:rPr>
+              <a:t> </a:t>
+            </a:r>
+            <a:r>
+              <a:rPr lang="en-US" altLang="ko-KR" dirty="0" smtClean="0">
+                <a:solidFill>
+                  <a:schemeClr val="bg1"/>
+                </a:solidFill>
+                <a:latin typeface="배스킨라빈스 R" panose="02020603020101020101" pitchFamily="18" charset="-127"/>
+                <a:ea typeface="배스킨라빈스 R" panose="02020603020101020101" pitchFamily="18" charset="-127"/>
+              </a:rPr>
+              <a:t>Sector </a:t>
+            </a:r>
+            <a:r>
+              <a:rPr lang="ko-KR" altLang="en-US" dirty="0" smtClean="0">
+                <a:solidFill>
+                  <a:schemeClr val="bg1"/>
+                </a:solidFill>
+                <a:latin typeface="배스킨라빈스 R" panose="02020603020101020101" pitchFamily="18" charset="-127"/>
+                <a:ea typeface="배스킨라빈스 R" panose="02020603020101020101" pitchFamily="18" charset="-127"/>
+              </a:rPr>
+              <a:t>정보가 </a:t>
+            </a:r>
+            <a:endParaRPr lang="en-US" altLang="ko-KR" dirty="0" smtClean="0">
+              <a:solidFill>
+                <a:schemeClr val="bg1"/>
+              </a:solidFill>
+              <a:latin typeface="배스킨라빈스 R" panose="02020603020101020101" pitchFamily="18" charset="-127"/>
+              <a:ea typeface="배스킨라빈스 R" panose="02020603020101020101" pitchFamily="18" charset="-127"/>
+            </a:endParaRPr>
+          </a:p>
+          <a:p>
+            <a:r>
+              <a:rPr lang="ko-KR" altLang="en-US" dirty="0" smtClean="0">
+                <a:solidFill>
+                  <a:schemeClr val="bg1"/>
+                </a:solidFill>
+                <a:latin typeface="배스킨라빈스 R" panose="02020603020101020101" pitchFamily="18" charset="-127"/>
+                <a:ea typeface="배스킨라빈스 R" panose="02020603020101020101" pitchFamily="18" charset="-127"/>
+              </a:rPr>
+              <a:t>다를 것 이기 때문에</a:t>
+            </a:r>
+            <a:endParaRPr lang="en-US" altLang="ko-KR" dirty="0" smtClean="0">
+              <a:solidFill>
+                <a:schemeClr val="bg1"/>
+              </a:solidFill>
+              <a:latin typeface="배스킨라빈스 R" panose="02020603020101020101" pitchFamily="18" charset="-127"/>
+              <a:ea typeface="배스킨라빈스 R" panose="02020603020101020101" pitchFamily="18" charset="-127"/>
+            </a:endParaRPr>
+          </a:p>
+          <a:p>
+            <a:r>
+              <a:rPr lang="en-US" altLang="ko-KR" dirty="0" smtClean="0">
+                <a:solidFill>
+                  <a:schemeClr val="bg1"/>
+                </a:solidFill>
+                <a:latin typeface="배스킨라빈스 R" panose="02020603020101020101" pitchFamily="18" charset="-127"/>
+                <a:ea typeface="배스킨라빈스 R" panose="02020603020101020101" pitchFamily="18" charset="-127"/>
+              </a:rPr>
+              <a:t>Session </a:t>
+            </a:r>
+            <a:r>
+              <a:rPr lang="ko-KR" altLang="en-US" dirty="0" smtClean="0">
+                <a:solidFill>
+                  <a:schemeClr val="bg1"/>
+                </a:solidFill>
+                <a:latin typeface="배스킨라빈스 R" panose="02020603020101020101" pitchFamily="18" charset="-127"/>
+                <a:ea typeface="배스킨라빈스 R" panose="02020603020101020101" pitchFamily="18" charset="-127"/>
+              </a:rPr>
+              <a:t>마다 </a:t>
+            </a:r>
+            <a:r>
+              <a:rPr lang="en-US" altLang="ko-KR" dirty="0" smtClean="0">
+                <a:solidFill>
+                  <a:schemeClr val="bg1"/>
+                </a:solidFill>
+                <a:latin typeface="배스킨라빈스 R" panose="02020603020101020101" pitchFamily="18" charset="-127"/>
+                <a:ea typeface="배스킨라빈스 R" panose="02020603020101020101" pitchFamily="18" charset="-127"/>
+              </a:rPr>
+              <a:t>LRU Queue</a:t>
+            </a:r>
+            <a:r>
+              <a:rPr lang="ko-KR" altLang="en-US" dirty="0" smtClean="0">
+                <a:solidFill>
+                  <a:schemeClr val="bg1"/>
+                </a:solidFill>
+                <a:latin typeface="배스킨라빈스 R" panose="02020603020101020101" pitchFamily="18" charset="-127"/>
+                <a:ea typeface="배스킨라빈스 R" panose="02020603020101020101" pitchFamily="18" charset="-127"/>
+              </a:rPr>
+              <a:t>를</a:t>
+            </a:r>
+            <a:endParaRPr lang="en-US" altLang="ko-KR" dirty="0" smtClean="0">
+              <a:solidFill>
+                <a:schemeClr val="bg1"/>
+              </a:solidFill>
+              <a:latin typeface="배스킨라빈스 R" panose="02020603020101020101" pitchFamily="18" charset="-127"/>
+              <a:ea typeface="배스킨라빈스 R" panose="02020603020101020101" pitchFamily="18" charset="-127"/>
+            </a:endParaRPr>
+          </a:p>
+          <a:p>
+            <a:r>
+              <a:rPr lang="ko-KR" altLang="en-US" dirty="0" smtClean="0">
+                <a:solidFill>
+                  <a:schemeClr val="bg1"/>
+                </a:solidFill>
+                <a:latin typeface="배스킨라빈스 R" panose="02020603020101020101" pitchFamily="18" charset="-127"/>
+                <a:ea typeface="배스킨라빈스 R" panose="02020603020101020101" pitchFamily="18" charset="-127"/>
+              </a:rPr>
+              <a:t>소유하게 했습니다</a:t>
+            </a:r>
+            <a:r>
+              <a:rPr lang="en-US" altLang="ko-KR" dirty="0" smtClean="0">
+                <a:solidFill>
+                  <a:schemeClr val="bg1"/>
+                </a:solidFill>
+                <a:latin typeface="배스킨라빈스 R" panose="02020603020101020101" pitchFamily="18" charset="-127"/>
+                <a:ea typeface="배스킨라빈스 R" panose="02020603020101020101" pitchFamily="18" charset="-127"/>
+              </a:rPr>
+              <a:t>.</a:t>
+            </a:r>
+          </a:p>
+          <a:p>
+            <a:endParaRPr lang="en-US" altLang="ko-KR" dirty="0">
+              <a:solidFill>
+                <a:schemeClr val="bg1"/>
+              </a:solidFill>
+              <a:latin typeface="배스킨라빈스 R" panose="02020603020101020101" pitchFamily="18" charset="-127"/>
+              <a:ea typeface="배스킨라빈스 R" panose="02020603020101020101" pitchFamily="18" charset="-127"/>
+            </a:endParaRPr>
+          </a:p>
+          <a:p>
+            <a:r>
+              <a:rPr lang="ko-KR" altLang="en-US" dirty="0" smtClean="0">
+                <a:solidFill>
+                  <a:schemeClr val="bg1"/>
+                </a:solidFill>
+                <a:latin typeface="배스킨라빈스 R" panose="02020603020101020101" pitchFamily="18" charset="-127"/>
+                <a:ea typeface="배스킨라빈스 R" panose="02020603020101020101" pitchFamily="18" charset="-127"/>
+              </a:rPr>
+              <a:t>오른쪽 이미지 두개는 </a:t>
+            </a:r>
+            <a:endParaRPr lang="en-US" altLang="ko-KR" dirty="0" smtClean="0">
+              <a:solidFill>
+                <a:schemeClr val="bg1"/>
+              </a:solidFill>
+              <a:latin typeface="배스킨라빈스 R" panose="02020603020101020101" pitchFamily="18" charset="-127"/>
+              <a:ea typeface="배스킨라빈스 R" panose="02020603020101020101" pitchFamily="18" charset="-127"/>
+            </a:endParaRPr>
+          </a:p>
+          <a:p>
+            <a:r>
+              <a:rPr lang="en-US" altLang="ko-KR" dirty="0" smtClean="0">
+                <a:solidFill>
+                  <a:schemeClr val="bg1"/>
+                </a:solidFill>
+                <a:latin typeface="배스킨라빈스 R" panose="02020603020101020101" pitchFamily="18" charset="-127"/>
+                <a:ea typeface="배스킨라빈스 R" panose="02020603020101020101" pitchFamily="18" charset="-127"/>
+              </a:rPr>
+              <a:t>Queue</a:t>
+            </a:r>
+            <a:r>
+              <a:rPr lang="ko-KR" altLang="en-US" dirty="0" smtClean="0">
+                <a:solidFill>
+                  <a:schemeClr val="bg1"/>
+                </a:solidFill>
+                <a:latin typeface="배스킨라빈스 R" panose="02020603020101020101" pitchFamily="18" charset="-127"/>
+                <a:ea typeface="배스킨라빈스 R" panose="02020603020101020101" pitchFamily="18" charset="-127"/>
+              </a:rPr>
+              <a:t>에서 </a:t>
+            </a:r>
+            <a:r>
+              <a:rPr lang="en-US" altLang="ko-KR" dirty="0" smtClean="0">
+                <a:solidFill>
+                  <a:schemeClr val="bg1"/>
+                </a:solidFill>
+                <a:latin typeface="배스킨라빈스 R" panose="02020603020101020101" pitchFamily="18" charset="-127"/>
+                <a:ea typeface="배스킨라빈스 R" panose="02020603020101020101" pitchFamily="18" charset="-127"/>
+              </a:rPr>
+              <a:t>Tile </a:t>
+            </a:r>
+            <a:r>
+              <a:rPr lang="ko-KR" altLang="en-US" dirty="0" smtClean="0">
+                <a:solidFill>
+                  <a:schemeClr val="bg1"/>
+                </a:solidFill>
+                <a:latin typeface="배스킨라빈스 R" panose="02020603020101020101" pitchFamily="18" charset="-127"/>
+                <a:ea typeface="배스킨라빈스 R" panose="02020603020101020101" pitchFamily="18" charset="-127"/>
+              </a:rPr>
+              <a:t>정보를 제외</a:t>
+            </a:r>
+            <a:endParaRPr lang="en-US" altLang="ko-KR" dirty="0" smtClean="0">
+              <a:solidFill>
+                <a:schemeClr val="bg1"/>
+              </a:solidFill>
+              <a:latin typeface="배스킨라빈스 R" panose="02020603020101020101" pitchFamily="18" charset="-127"/>
+              <a:ea typeface="배스킨라빈스 R" panose="02020603020101020101" pitchFamily="18" charset="-127"/>
+            </a:endParaRPr>
+          </a:p>
+          <a:p>
+            <a:r>
+              <a:rPr lang="ko-KR" altLang="en-US" dirty="0" smtClean="0">
+                <a:solidFill>
+                  <a:schemeClr val="bg1"/>
+                </a:solidFill>
+                <a:latin typeface="배스킨라빈스 R" panose="02020603020101020101" pitchFamily="18" charset="-127"/>
+                <a:ea typeface="배스킨라빈스 R" panose="02020603020101020101" pitchFamily="18" charset="-127"/>
+              </a:rPr>
+              <a:t>하는 이미지 입니다</a:t>
+            </a:r>
+            <a:r>
+              <a:rPr lang="en-US" altLang="ko-KR" dirty="0" smtClean="0">
+                <a:solidFill>
+                  <a:schemeClr val="bg1"/>
+                </a:solidFill>
+                <a:latin typeface="배스킨라빈스 R" panose="02020603020101020101" pitchFamily="18" charset="-127"/>
+                <a:ea typeface="배스킨라빈스 R" panose="02020603020101020101" pitchFamily="18" charset="-127"/>
+              </a:rPr>
+              <a:t>.</a:t>
+            </a:r>
+          </a:p>
+          <a:p>
+            <a:pPr algn="r"/>
+            <a:endParaRPr lang="en-US" altLang="ko-KR" dirty="0">
+              <a:solidFill>
+                <a:schemeClr val="bg1"/>
+              </a:solidFill>
+              <a:latin typeface="배스킨라빈스 R" panose="02020603020101020101" pitchFamily="18" charset="-127"/>
+              <a:ea typeface="배스킨라빈스 R" panose="02020603020101020101" pitchFamily="18" charset="-127"/>
+            </a:endParaRPr>
+          </a:p>
+          <a:p>
+            <a:endParaRPr lang="en-US" altLang="ko-KR" dirty="0" smtClean="0">
+              <a:solidFill>
+                <a:schemeClr val="bg1"/>
+              </a:solidFill>
+              <a:latin typeface="배스킨라빈스 R" panose="02020603020101020101" pitchFamily="18" charset="-127"/>
+              <a:ea typeface="배스킨라빈스 R" panose="02020603020101020101" pitchFamily="18" charset="-127"/>
+            </a:endParaRPr>
+          </a:p>
+          <a:p>
+            <a:pPr algn="r"/>
+            <a:endParaRPr lang="en-US" altLang="ko-KR" dirty="0">
+              <a:solidFill>
+                <a:schemeClr val="bg1"/>
+              </a:solidFill>
+              <a:latin typeface="배스킨라빈스 R" panose="02020603020101020101" pitchFamily="18" charset="-127"/>
+              <a:ea typeface="배스킨라빈스 R" panose="02020603020101020101" pitchFamily="18" charset="-127"/>
+            </a:endParaRPr>
+          </a:p>
+          <a:p>
+            <a:pPr algn="r"/>
+            <a:endParaRPr lang="en-US" altLang="ko-KR" dirty="0" smtClean="0">
+              <a:solidFill>
+                <a:schemeClr val="bg1"/>
+              </a:solidFill>
+              <a:latin typeface="배스킨라빈스 R" panose="02020603020101020101" pitchFamily="18" charset="-127"/>
+              <a:ea typeface="배스킨라빈스 R" panose="02020603020101020101" pitchFamily="18" charset="-127"/>
+            </a:endParaRPr>
+          </a:p>
+          <a:p>
+            <a:pPr algn="r"/>
+            <a:endParaRPr lang="en-US" altLang="ko-KR" dirty="0">
+              <a:solidFill>
+                <a:schemeClr val="bg1"/>
+              </a:solidFill>
+              <a:latin typeface="배스킨라빈스 R" panose="02020603020101020101" pitchFamily="18" charset="-127"/>
+              <a:ea typeface="배스킨라빈스 R" panose="02020603020101020101" pitchFamily="18" charset="-127"/>
+            </a:endParaRPr>
+          </a:p>
+          <a:p>
+            <a:pPr algn="r"/>
+            <a:r>
+              <a:rPr lang="ko-KR" altLang="en-US" dirty="0" smtClean="0">
+                <a:solidFill>
+                  <a:schemeClr val="bg1"/>
+                </a:solidFill>
+                <a:latin typeface="배스킨라빈스 R" panose="02020603020101020101" pitchFamily="18" charset="-127"/>
+                <a:ea typeface="배스킨라빈스 R" panose="02020603020101020101" pitchFamily="18" charset="-127"/>
+              </a:rPr>
+              <a:t> </a:t>
+            </a:r>
+            <a:endParaRPr lang="en-US" altLang="ko-KR" dirty="0" smtClean="0">
+              <a:solidFill>
+                <a:schemeClr val="bg1"/>
+              </a:solidFill>
+              <a:latin typeface="배스킨라빈스 R" panose="02020603020101020101" pitchFamily="18" charset="-127"/>
+              <a:ea typeface="배스킨라빈스 R" panose="02020603020101020101" pitchFamily="18" charset="-127"/>
+            </a:endParaRPr>
+          </a:p>
+        </p:txBody>
+      </p:sp>
+      <p:sp>
+        <p:nvSpPr>
+          <p:cNvPr id="19" name="TextBox 18"/>
+          <p:cNvSpPr txBox="1"/>
+          <p:nvPr/>
+        </p:nvSpPr>
+        <p:spPr>
+          <a:xfrm>
+            <a:off x="1578430" y="866997"/>
+            <a:ext cx="1540374" cy="400110"/>
+          </a:xfrm>
+          <a:prstGeom prst="rect">
+            <a:avLst/>
+          </a:prstGeom>
+          <a:noFill/>
+        </p:spPr>
+        <p:txBody>
+          <a:bodyPr wrap="square" rtlCol="0">
+            <a:spAutoFit/>
+          </a:bodyPr>
+          <a:lstStyle/>
+          <a:p>
+            <a:r>
+              <a:rPr lang="en-US" altLang="ko-KR" sz="2000" dirty="0" smtClean="0">
+                <a:solidFill>
+                  <a:schemeClr val="bg1">
+                    <a:lumMod val="50000"/>
+                  </a:schemeClr>
+                </a:solidFill>
+                <a:latin typeface="배스킨라빈스 R" panose="02020603020101020101" pitchFamily="18" charset="-127"/>
+                <a:ea typeface="배스킨라빈스 R" panose="02020603020101020101" pitchFamily="18" charset="-127"/>
+              </a:rPr>
+              <a:t>LRU Queue</a:t>
+            </a:r>
+            <a:endParaRPr lang="en-US" altLang="ko-KR" sz="2000" dirty="0">
+              <a:solidFill>
+                <a:schemeClr val="bg1">
+                  <a:lumMod val="50000"/>
+                </a:schemeClr>
+              </a:solidFill>
+              <a:latin typeface="배스킨라빈스 R" panose="02020603020101020101" pitchFamily="18" charset="-127"/>
+              <a:ea typeface="배스킨라빈스 R" panose="02020603020101020101" pitchFamily="18" charset="-127"/>
+            </a:endParaRPr>
+          </a:p>
+        </p:txBody>
+      </p:sp>
+      <p:pic>
+        <p:nvPicPr>
+          <p:cNvPr id="2" name="그림 1"/>
+          <p:cNvPicPr>
+            <a:picLocks noChangeAspect="1"/>
+          </p:cNvPicPr>
+          <p:nvPr/>
+        </p:nvPicPr>
+        <p:blipFill>
+          <a:blip r:embed="rId2"/>
+          <a:stretch>
+            <a:fillRect/>
+          </a:stretch>
+        </p:blipFill>
+        <p:spPr>
+          <a:xfrm>
+            <a:off x="3162714" y="44904"/>
+            <a:ext cx="4019550" cy="4144736"/>
+          </a:xfrm>
+          <a:prstGeom prst="rect">
+            <a:avLst/>
+          </a:prstGeom>
+        </p:spPr>
+      </p:pic>
+      <p:pic>
+        <p:nvPicPr>
+          <p:cNvPr id="3" name="그림 2"/>
+          <p:cNvPicPr>
+            <a:picLocks noChangeAspect="1"/>
+          </p:cNvPicPr>
+          <p:nvPr/>
+        </p:nvPicPr>
+        <p:blipFill>
+          <a:blip r:embed="rId3"/>
+          <a:stretch>
+            <a:fillRect/>
+          </a:stretch>
+        </p:blipFill>
+        <p:spPr>
+          <a:xfrm>
+            <a:off x="3162714" y="4169891"/>
+            <a:ext cx="4019550" cy="2623457"/>
+          </a:xfrm>
+          <a:prstGeom prst="rect">
+            <a:avLst/>
+          </a:prstGeom>
+        </p:spPr>
+      </p:pic>
+      <p:pic>
+        <p:nvPicPr>
+          <p:cNvPr id="5" name="그림 4"/>
+          <p:cNvPicPr>
+            <a:picLocks noChangeAspect="1"/>
+          </p:cNvPicPr>
+          <p:nvPr/>
+        </p:nvPicPr>
+        <p:blipFill>
+          <a:blip r:embed="rId4"/>
+          <a:stretch>
+            <a:fillRect/>
+          </a:stretch>
+        </p:blipFill>
+        <p:spPr>
+          <a:xfrm>
+            <a:off x="7167537" y="6621898"/>
+            <a:ext cx="638175" cy="171450"/>
+          </a:xfrm>
+          <a:prstGeom prst="rect">
+            <a:avLst/>
+          </a:prstGeom>
+        </p:spPr>
+      </p:pic>
+      <p:pic>
+        <p:nvPicPr>
+          <p:cNvPr id="6" name="그림 5"/>
+          <p:cNvPicPr>
+            <a:picLocks noChangeAspect="1"/>
+          </p:cNvPicPr>
+          <p:nvPr/>
+        </p:nvPicPr>
+        <p:blipFill>
+          <a:blip r:embed="rId5"/>
+          <a:stretch>
+            <a:fillRect/>
+          </a:stretch>
+        </p:blipFill>
+        <p:spPr>
+          <a:xfrm>
+            <a:off x="7986919" y="1077938"/>
+            <a:ext cx="3400425" cy="2095500"/>
+          </a:xfrm>
+          <a:prstGeom prst="rect">
+            <a:avLst/>
+          </a:prstGeom>
+        </p:spPr>
+      </p:pic>
+      <p:sp>
+        <p:nvSpPr>
+          <p:cNvPr id="12" name="TextBox 11"/>
+          <p:cNvSpPr txBox="1"/>
+          <p:nvPr/>
+        </p:nvSpPr>
+        <p:spPr>
+          <a:xfrm>
+            <a:off x="8696169" y="3244334"/>
+            <a:ext cx="1808545" cy="369332"/>
+          </a:xfrm>
+          <a:prstGeom prst="rect">
+            <a:avLst/>
+          </a:prstGeom>
+          <a:noFill/>
+        </p:spPr>
+        <p:txBody>
+          <a:bodyPr wrap="square" rtlCol="0">
+            <a:spAutoFit/>
+          </a:bodyPr>
+          <a:lstStyle/>
+          <a:p>
+            <a:r>
+              <a:rPr lang="en-US" altLang="ko-KR" dirty="0" err="1" smtClean="0">
+                <a:latin typeface="배스킨라빈스 R" panose="02020603020101020101" pitchFamily="18" charset="-127"/>
+                <a:ea typeface="배스킨라빈스 R" panose="02020603020101020101" pitchFamily="18" charset="-127"/>
+              </a:rPr>
+              <a:t>TileID</a:t>
+            </a:r>
+            <a:r>
+              <a:rPr lang="en-US" altLang="ko-KR" dirty="0" smtClean="0">
+                <a:latin typeface="배스킨라빈스 R" panose="02020603020101020101" pitchFamily="18" charset="-127"/>
+                <a:ea typeface="배스킨라빈스 R" panose="02020603020101020101" pitchFamily="18" charset="-127"/>
+              </a:rPr>
+              <a:t> | </a:t>
+            </a:r>
+            <a:r>
+              <a:rPr lang="ko-KR" altLang="en-US" dirty="0" smtClean="0">
+                <a:latin typeface="배스킨라빈스 R" panose="02020603020101020101" pitchFamily="18" charset="-127"/>
+                <a:ea typeface="배스킨라빈스 R" panose="02020603020101020101" pitchFamily="18" charset="-127"/>
+              </a:rPr>
+              <a:t>갱신 시간</a:t>
+            </a:r>
+            <a:endParaRPr lang="ko-KR" altLang="en-US" dirty="0">
+              <a:latin typeface="배스킨라빈스 R" panose="02020603020101020101" pitchFamily="18" charset="-127"/>
+              <a:ea typeface="배스킨라빈스 R" panose="02020603020101020101" pitchFamily="18" charset="-127"/>
+            </a:endParaRPr>
+          </a:p>
+        </p:txBody>
+      </p:sp>
+      <p:pic>
+        <p:nvPicPr>
+          <p:cNvPr id="13" name="그림 12"/>
+          <p:cNvPicPr>
+            <a:picLocks noChangeAspect="1"/>
+          </p:cNvPicPr>
+          <p:nvPr/>
+        </p:nvPicPr>
+        <p:blipFill>
+          <a:blip r:embed="rId6"/>
+          <a:stretch>
+            <a:fillRect/>
+          </a:stretch>
+        </p:blipFill>
+        <p:spPr>
+          <a:xfrm>
+            <a:off x="7805712" y="3684562"/>
+            <a:ext cx="3982760" cy="2779634"/>
+          </a:xfrm>
+          <a:prstGeom prst="rect">
+            <a:avLst/>
+          </a:prstGeom>
+        </p:spPr>
+      </p:pic>
+    </p:spTree>
+    <p:extLst>
+      <p:ext uri="{BB962C8B-B14F-4D97-AF65-F5344CB8AC3E}">
+        <p14:creationId xmlns:p14="http://schemas.microsoft.com/office/powerpoint/2010/main" val="2217001649"/>
+      </p:ext>
+    </p:extLst>
+  </p:cSld>
+  <p:clrMapOvr>
+    <a:masterClrMapping/>
+  </p:clrMapOvr>
+  <p:timing>
+    <p:tnLst>
+      <p:par>
+        <p:cTn id="1" dur="indefinite" restart="never" nodeType="tmRoot"/>
+      </p:par>
+    </p:tnLst>
+  </p:timing>
+</p:sld>
+</file>
+
+<file path=ppt/slides/slide16.xml><?xml version="1.0" encoding="utf-8"?>
+<p:sld xmlns:a="http://schemas.openxmlformats.org/drawingml/2006/main" xmlns:r="http://schemas.openxmlformats.org/officeDocument/2006/relationships" xmlns:p="http://schemas.openxmlformats.org/presentationml/2006/main">
+  <p:cSld>
+    <p:bg>
+      <p:bgPr>
+        <a:solidFill>
+          <a:schemeClr val="tx1">
+            <a:lumMod val="75000"/>
+            <a:lumOff val="25000"/>
+          </a:schemeClr>
+        </a:solidFill>
+        <a:effectLst/>
+      </p:bgPr>
+    </p:bg>
+    <p:spTree>
+      <p:nvGrpSpPr>
+        <p:cNvPr id="1" name=""/>
+        <p:cNvGrpSpPr/>
+        <p:nvPr/>
+      </p:nvGrpSpPr>
+      <p:grpSpPr>
+        <a:xfrm>
+          <a:off x="0" y="0"/>
+          <a:ext cx="0" cy="0"/>
+          <a:chOff x="0" y="0"/>
+          <a:chExt cx="0" cy="0"/>
+        </a:xfrm>
+      </p:grpSpPr>
+      <p:sp>
+        <p:nvSpPr>
+          <p:cNvPr id="4" name="직사각형 3"/>
+          <p:cNvSpPr/>
+          <p:nvPr/>
+        </p:nvSpPr>
+        <p:spPr>
+          <a:xfrm>
+            <a:off x="3092335" y="0"/>
+            <a:ext cx="9099665" cy="6858000"/>
+          </a:xfrm>
+          <a:prstGeom prst="rect">
+            <a:avLst/>
+          </a:prstGeom>
+          <a:solidFill>
+            <a:schemeClr val="bg1">
+              <a:lumMod val="85000"/>
+            </a:schemeClr>
+          </a:solidFill>
+          <a:ln>
+            <a:solidFill>
+              <a:schemeClr val="bg1">
+                <a:lumMod val="85000"/>
+              </a:schemeClr>
+            </a:solidFill>
+          </a:ln>
+        </p:spPr>
+        <p:style>
+          <a:lnRef idx="2">
+            <a:schemeClr val="accent1">
+              <a:shade val="50000"/>
+            </a:schemeClr>
+          </a:lnRef>
+          <a:fillRef idx="1">
+            <a:schemeClr val="accent1"/>
+          </a:fillRef>
+          <a:effectRef idx="0">
+            <a:schemeClr val="accent1"/>
+          </a:effectRef>
+          <a:fontRef idx="minor">
+            <a:schemeClr val="lt1"/>
+          </a:fontRef>
+        </p:style>
+        <p:txBody>
+          <a:bodyPr rtlCol="0" anchor="ctr"/>
+          <a:lstStyle/>
+          <a:p>
+            <a:pPr algn="ctr"/>
+            <a:endParaRPr lang="ko-KR" altLang="en-US" dirty="0"/>
+          </a:p>
+        </p:txBody>
+      </p:sp>
+      <p:cxnSp>
+        <p:nvCxnSpPr>
+          <p:cNvPr id="7" name="직선 연결선 6"/>
+          <p:cNvCxnSpPr/>
+          <p:nvPr/>
+        </p:nvCxnSpPr>
+        <p:spPr>
+          <a:xfrm flipV="1">
+            <a:off x="465513" y="897775"/>
+            <a:ext cx="2626822" cy="16625"/>
+          </a:xfrm>
+          <a:prstGeom prst="line">
+            <a:avLst/>
+          </a:prstGeom>
+          <a:ln w="41275">
+            <a:solidFill>
+              <a:schemeClr val="bg1">
+                <a:lumMod val="75000"/>
+              </a:schemeClr>
+            </a:solidFill>
+          </a:ln>
+        </p:spPr>
+        <p:style>
+          <a:lnRef idx="1">
+            <a:schemeClr val="accent1"/>
+          </a:lnRef>
+          <a:fillRef idx="0">
+            <a:schemeClr val="accent1"/>
+          </a:fillRef>
+          <a:effectRef idx="0">
+            <a:schemeClr val="accent1"/>
+          </a:effectRef>
+          <a:fontRef idx="minor">
+            <a:schemeClr val="tx1"/>
+          </a:fontRef>
+        </p:style>
+      </p:cxnSp>
+      <p:sp>
+        <p:nvSpPr>
+          <p:cNvPr id="9" name="TextBox 8"/>
+          <p:cNvSpPr txBox="1"/>
+          <p:nvPr/>
+        </p:nvSpPr>
+        <p:spPr>
+          <a:xfrm>
+            <a:off x="368666" y="313000"/>
+            <a:ext cx="1247457" cy="584775"/>
+          </a:xfrm>
+          <a:prstGeom prst="rect">
+            <a:avLst/>
+          </a:prstGeom>
+          <a:noFill/>
+        </p:spPr>
+        <p:txBody>
+          <a:bodyPr wrap="none" rtlCol="0">
+            <a:spAutoFit/>
+          </a:bodyPr>
+          <a:lstStyle/>
+          <a:p>
+            <a:r>
+              <a:rPr lang="en-US" altLang="ko-KR" sz="3200" dirty="0" smtClean="0">
+                <a:solidFill>
+                  <a:schemeClr val="bg1"/>
+                </a:solidFill>
+                <a:latin typeface="배스킨라빈스 R" panose="02020603020101020101" pitchFamily="18" charset="-127"/>
+                <a:ea typeface="배스킨라빈스 R" panose="02020603020101020101" pitchFamily="18" charset="-127"/>
+              </a:rPr>
+              <a:t>Dump</a:t>
+            </a:r>
+          </a:p>
+        </p:txBody>
+      </p:sp>
+      <p:sp>
+        <p:nvSpPr>
+          <p:cNvPr id="8" name="TextBox 7"/>
+          <p:cNvSpPr txBox="1"/>
+          <p:nvPr/>
+        </p:nvSpPr>
+        <p:spPr>
+          <a:xfrm>
+            <a:off x="99688" y="2668583"/>
+            <a:ext cx="3358473" cy="2862322"/>
+          </a:xfrm>
+          <a:prstGeom prst="rect">
+            <a:avLst/>
+          </a:prstGeom>
+          <a:noFill/>
+        </p:spPr>
+        <p:txBody>
+          <a:bodyPr wrap="square" rtlCol="0">
+            <a:spAutoFit/>
+          </a:bodyPr>
+          <a:lstStyle/>
+          <a:p>
+            <a:pPr algn="r"/>
+            <a:endParaRPr lang="en-US" altLang="ko-KR" dirty="0" smtClean="0">
+              <a:solidFill>
+                <a:schemeClr val="bg1"/>
+              </a:solidFill>
+              <a:latin typeface="배스킨라빈스 R" panose="02020603020101020101" pitchFamily="18" charset="-127"/>
+              <a:ea typeface="배스킨라빈스 R" panose="02020603020101020101" pitchFamily="18" charset="-127"/>
+            </a:endParaRPr>
+          </a:p>
+          <a:p>
+            <a:r>
+              <a:rPr lang="ko-KR" altLang="en-US" dirty="0" smtClean="0">
+                <a:solidFill>
+                  <a:schemeClr val="bg1"/>
+                </a:solidFill>
+                <a:latin typeface="배스킨라빈스 R" panose="02020603020101020101" pitchFamily="18" charset="-127"/>
+                <a:ea typeface="배스킨라빈스 R" panose="02020603020101020101" pitchFamily="18" charset="-127"/>
+              </a:rPr>
+              <a:t>에러 발생에 대한 </a:t>
+            </a:r>
+            <a:r>
+              <a:rPr lang="en-US" altLang="ko-KR" dirty="0" smtClean="0">
+                <a:solidFill>
+                  <a:schemeClr val="bg1"/>
+                </a:solidFill>
+                <a:latin typeface="배스킨라빈스 R" panose="02020603020101020101" pitchFamily="18" charset="-127"/>
+                <a:ea typeface="배스킨라빈스 R" panose="02020603020101020101" pitchFamily="18" charset="-127"/>
+              </a:rPr>
+              <a:t>Dump </a:t>
+            </a:r>
+            <a:r>
+              <a:rPr lang="ko-KR" altLang="en-US" dirty="0" smtClean="0">
+                <a:solidFill>
+                  <a:schemeClr val="bg1"/>
+                </a:solidFill>
+                <a:latin typeface="배스킨라빈스 R" panose="02020603020101020101" pitchFamily="18" charset="-127"/>
+                <a:ea typeface="배스킨라빈스 R" panose="02020603020101020101" pitchFamily="18" charset="-127"/>
+              </a:rPr>
+              <a:t>파일</a:t>
+            </a:r>
+            <a:endParaRPr lang="en-US" altLang="ko-KR" dirty="0" smtClean="0">
+              <a:solidFill>
+                <a:schemeClr val="bg1"/>
+              </a:solidFill>
+              <a:latin typeface="배스킨라빈스 R" panose="02020603020101020101" pitchFamily="18" charset="-127"/>
+              <a:ea typeface="배스킨라빈스 R" panose="02020603020101020101" pitchFamily="18" charset="-127"/>
+            </a:endParaRPr>
+          </a:p>
+          <a:p>
+            <a:r>
+              <a:rPr lang="ko-KR" altLang="en-US" dirty="0" smtClean="0">
+                <a:solidFill>
+                  <a:schemeClr val="bg1"/>
+                </a:solidFill>
+                <a:latin typeface="배스킨라빈스 R" panose="02020603020101020101" pitchFamily="18" charset="-127"/>
+                <a:ea typeface="배스킨라빈스 R" panose="02020603020101020101" pitchFamily="18" charset="-127"/>
+              </a:rPr>
+              <a:t>생성 및 </a:t>
+            </a:r>
+            <a:r>
+              <a:rPr lang="en-US" altLang="ko-KR" dirty="0" smtClean="0">
+                <a:solidFill>
+                  <a:schemeClr val="bg1"/>
+                </a:solidFill>
+                <a:latin typeface="배스킨라빈스 R" panose="02020603020101020101" pitchFamily="18" charset="-127"/>
+                <a:ea typeface="배스킨라빈스 R" panose="02020603020101020101" pitchFamily="18" charset="-127"/>
+              </a:rPr>
+              <a:t>Text </a:t>
+            </a:r>
+            <a:r>
+              <a:rPr lang="ko-KR" altLang="en-US" dirty="0" smtClean="0">
+                <a:solidFill>
+                  <a:schemeClr val="bg1"/>
+                </a:solidFill>
+                <a:latin typeface="배스킨라빈스 R" panose="02020603020101020101" pitchFamily="18" charset="-127"/>
+                <a:ea typeface="배스킨라빈스 R" panose="02020603020101020101" pitchFamily="18" charset="-127"/>
+              </a:rPr>
+              <a:t>파일로 필요한 </a:t>
+            </a:r>
+            <a:endParaRPr lang="en-US" altLang="ko-KR" dirty="0" smtClean="0">
+              <a:solidFill>
+                <a:schemeClr val="bg1"/>
+              </a:solidFill>
+              <a:latin typeface="배스킨라빈스 R" panose="02020603020101020101" pitchFamily="18" charset="-127"/>
+              <a:ea typeface="배스킨라빈스 R" panose="02020603020101020101" pitchFamily="18" charset="-127"/>
+            </a:endParaRPr>
+          </a:p>
+          <a:p>
+            <a:r>
+              <a:rPr lang="ko-KR" altLang="en-US" dirty="0" smtClean="0">
+                <a:solidFill>
+                  <a:schemeClr val="bg1"/>
+                </a:solidFill>
+                <a:latin typeface="배스킨라빈스 R" panose="02020603020101020101" pitchFamily="18" charset="-127"/>
+                <a:ea typeface="배스킨라빈스 R" panose="02020603020101020101" pitchFamily="18" charset="-127"/>
+              </a:rPr>
+              <a:t>내용 기록하도록 했습니다</a:t>
+            </a:r>
+            <a:r>
+              <a:rPr lang="en-US" altLang="ko-KR" dirty="0" smtClean="0">
+                <a:solidFill>
+                  <a:schemeClr val="bg1"/>
+                </a:solidFill>
+                <a:latin typeface="배스킨라빈스 R" panose="02020603020101020101" pitchFamily="18" charset="-127"/>
+                <a:ea typeface="배스킨라빈스 R" panose="02020603020101020101" pitchFamily="18" charset="-127"/>
+              </a:rPr>
+              <a:t>.</a:t>
+            </a:r>
+          </a:p>
+          <a:p>
+            <a:pPr algn="r"/>
+            <a:endParaRPr lang="en-US" altLang="ko-KR" dirty="0">
+              <a:solidFill>
+                <a:schemeClr val="bg1"/>
+              </a:solidFill>
+              <a:latin typeface="배스킨라빈스 R" panose="02020603020101020101" pitchFamily="18" charset="-127"/>
+              <a:ea typeface="배스킨라빈스 R" panose="02020603020101020101" pitchFamily="18" charset="-127"/>
+            </a:endParaRPr>
+          </a:p>
+          <a:p>
+            <a:endParaRPr lang="en-US" altLang="ko-KR" dirty="0" smtClean="0">
+              <a:solidFill>
+                <a:schemeClr val="bg1"/>
+              </a:solidFill>
+              <a:latin typeface="배스킨라빈스 R" panose="02020603020101020101" pitchFamily="18" charset="-127"/>
+              <a:ea typeface="배스킨라빈스 R" panose="02020603020101020101" pitchFamily="18" charset="-127"/>
+            </a:endParaRPr>
+          </a:p>
+          <a:p>
+            <a:pPr algn="r"/>
+            <a:endParaRPr lang="en-US" altLang="ko-KR" dirty="0">
+              <a:solidFill>
+                <a:schemeClr val="bg1"/>
+              </a:solidFill>
+              <a:latin typeface="배스킨라빈스 R" panose="02020603020101020101" pitchFamily="18" charset="-127"/>
+              <a:ea typeface="배스킨라빈스 R" panose="02020603020101020101" pitchFamily="18" charset="-127"/>
+            </a:endParaRPr>
+          </a:p>
+          <a:p>
+            <a:pPr algn="r"/>
+            <a:endParaRPr lang="en-US" altLang="ko-KR" dirty="0" smtClean="0">
+              <a:solidFill>
+                <a:schemeClr val="bg1"/>
+              </a:solidFill>
+              <a:latin typeface="배스킨라빈스 R" panose="02020603020101020101" pitchFamily="18" charset="-127"/>
+              <a:ea typeface="배스킨라빈스 R" panose="02020603020101020101" pitchFamily="18" charset="-127"/>
+            </a:endParaRPr>
+          </a:p>
+          <a:p>
+            <a:pPr algn="r"/>
+            <a:endParaRPr lang="en-US" altLang="ko-KR" dirty="0">
+              <a:solidFill>
+                <a:schemeClr val="bg1"/>
+              </a:solidFill>
+              <a:latin typeface="배스킨라빈스 R" panose="02020603020101020101" pitchFamily="18" charset="-127"/>
+              <a:ea typeface="배스킨라빈스 R" panose="02020603020101020101" pitchFamily="18" charset="-127"/>
+            </a:endParaRPr>
+          </a:p>
+          <a:p>
+            <a:pPr algn="r"/>
+            <a:r>
+              <a:rPr lang="ko-KR" altLang="en-US" dirty="0" smtClean="0">
+                <a:solidFill>
+                  <a:schemeClr val="bg1"/>
+                </a:solidFill>
+                <a:latin typeface="배스킨라빈스 R" panose="02020603020101020101" pitchFamily="18" charset="-127"/>
+                <a:ea typeface="배스킨라빈스 R" panose="02020603020101020101" pitchFamily="18" charset="-127"/>
+              </a:rPr>
+              <a:t> </a:t>
+            </a:r>
+            <a:endParaRPr lang="en-US" altLang="ko-KR" dirty="0" smtClean="0">
+              <a:solidFill>
+                <a:schemeClr val="bg1"/>
+              </a:solidFill>
+              <a:latin typeface="배스킨라빈스 R" panose="02020603020101020101" pitchFamily="18" charset="-127"/>
+              <a:ea typeface="배스킨라빈스 R" panose="02020603020101020101" pitchFamily="18" charset="-127"/>
+            </a:endParaRPr>
+          </a:p>
+        </p:txBody>
+      </p:sp>
+      <p:pic>
+        <p:nvPicPr>
+          <p:cNvPr id="10" name="그림 9"/>
+          <p:cNvPicPr>
+            <a:picLocks noChangeAspect="1"/>
+          </p:cNvPicPr>
+          <p:nvPr/>
+        </p:nvPicPr>
+        <p:blipFill>
+          <a:blip r:embed="rId2"/>
+          <a:stretch>
+            <a:fillRect/>
+          </a:stretch>
+        </p:blipFill>
+        <p:spPr>
+          <a:xfrm>
+            <a:off x="3262218" y="4263176"/>
+            <a:ext cx="8489376" cy="2386693"/>
+          </a:xfrm>
+          <a:prstGeom prst="rect">
+            <a:avLst/>
+          </a:prstGeom>
+        </p:spPr>
+      </p:pic>
+      <p:pic>
+        <p:nvPicPr>
+          <p:cNvPr id="11" name="그림 10"/>
+          <p:cNvPicPr>
+            <a:picLocks noChangeAspect="1"/>
+          </p:cNvPicPr>
+          <p:nvPr/>
+        </p:nvPicPr>
+        <p:blipFill>
+          <a:blip r:embed="rId3"/>
+          <a:stretch>
+            <a:fillRect/>
+          </a:stretch>
+        </p:blipFill>
+        <p:spPr>
+          <a:xfrm>
+            <a:off x="3315906" y="232075"/>
+            <a:ext cx="4191000" cy="3822970"/>
+          </a:xfrm>
+          <a:prstGeom prst="rect">
+            <a:avLst/>
+          </a:prstGeom>
+        </p:spPr>
+      </p:pic>
+      <p:pic>
+        <p:nvPicPr>
+          <p:cNvPr id="14" name="그림 13"/>
+          <p:cNvPicPr>
+            <a:picLocks noChangeAspect="1"/>
+          </p:cNvPicPr>
+          <p:nvPr/>
+        </p:nvPicPr>
+        <p:blipFill>
+          <a:blip r:embed="rId4"/>
+          <a:stretch>
+            <a:fillRect/>
+          </a:stretch>
+        </p:blipFill>
+        <p:spPr>
+          <a:xfrm>
+            <a:off x="3315906" y="95114"/>
+            <a:ext cx="1447800" cy="171450"/>
+          </a:xfrm>
+          <a:prstGeom prst="rect">
+            <a:avLst/>
+          </a:prstGeom>
+        </p:spPr>
+      </p:pic>
+      <p:pic>
+        <p:nvPicPr>
+          <p:cNvPr id="15" name="그림 14"/>
+          <p:cNvPicPr>
+            <a:picLocks noChangeAspect="1"/>
+          </p:cNvPicPr>
+          <p:nvPr/>
+        </p:nvPicPr>
+        <p:blipFill>
+          <a:blip r:embed="rId5"/>
+          <a:stretch>
+            <a:fillRect/>
+          </a:stretch>
+        </p:blipFill>
+        <p:spPr>
+          <a:xfrm>
+            <a:off x="7873361" y="232075"/>
+            <a:ext cx="3259617" cy="2800166"/>
+          </a:xfrm>
+          <a:prstGeom prst="rect">
+            <a:avLst/>
+          </a:prstGeom>
+        </p:spPr>
+      </p:pic>
+      <p:pic>
+        <p:nvPicPr>
+          <p:cNvPr id="16" name="그림 15"/>
+          <p:cNvPicPr>
+            <a:picLocks noChangeAspect="1"/>
+          </p:cNvPicPr>
+          <p:nvPr/>
+        </p:nvPicPr>
+        <p:blipFill>
+          <a:blip r:embed="rId6"/>
+          <a:stretch>
+            <a:fillRect/>
+          </a:stretch>
+        </p:blipFill>
+        <p:spPr>
+          <a:xfrm>
+            <a:off x="7873361" y="3176221"/>
+            <a:ext cx="3057525" cy="314325"/>
+          </a:xfrm>
+          <a:prstGeom prst="rect">
+            <a:avLst/>
+          </a:prstGeom>
+        </p:spPr>
+      </p:pic>
+      <p:sp>
+        <p:nvSpPr>
+          <p:cNvPr id="17" name="TextBox 16"/>
+          <p:cNvSpPr txBox="1"/>
+          <p:nvPr/>
+        </p:nvSpPr>
+        <p:spPr>
+          <a:xfrm>
+            <a:off x="7842333" y="3507529"/>
+            <a:ext cx="3088553" cy="369332"/>
+          </a:xfrm>
+          <a:prstGeom prst="rect">
+            <a:avLst/>
+          </a:prstGeom>
+          <a:noFill/>
+        </p:spPr>
+        <p:txBody>
+          <a:bodyPr wrap="square" rtlCol="0">
+            <a:spAutoFit/>
+          </a:bodyPr>
+          <a:lstStyle/>
+          <a:p>
+            <a:r>
+              <a:rPr lang="en-US" altLang="ko-KR" dirty="0" smtClean="0">
+                <a:solidFill>
+                  <a:schemeClr val="tx1">
+                    <a:lumMod val="65000"/>
+                    <a:lumOff val="35000"/>
+                  </a:schemeClr>
+                </a:solidFill>
+                <a:latin typeface="배스킨라빈스 R" panose="02020603020101020101" pitchFamily="18" charset="-127"/>
+                <a:ea typeface="배스킨라빈스 R" panose="02020603020101020101" pitchFamily="18" charset="-127"/>
+              </a:rPr>
+              <a:t>Text log </a:t>
+            </a:r>
+            <a:r>
+              <a:rPr lang="ko-KR" altLang="en-US" dirty="0" smtClean="0">
+                <a:solidFill>
+                  <a:schemeClr val="tx1">
+                    <a:lumMod val="65000"/>
+                    <a:lumOff val="35000"/>
+                  </a:schemeClr>
+                </a:solidFill>
+                <a:latin typeface="배스킨라빈스 R" panose="02020603020101020101" pitchFamily="18" charset="-127"/>
+                <a:ea typeface="배스킨라빈스 R" panose="02020603020101020101" pitchFamily="18" charset="-127"/>
+              </a:rPr>
+              <a:t>와 </a:t>
+            </a:r>
+            <a:r>
+              <a:rPr lang="en-US" altLang="ko-KR" dirty="0" smtClean="0">
+                <a:solidFill>
+                  <a:schemeClr val="tx1">
+                    <a:lumMod val="65000"/>
+                    <a:lumOff val="35000"/>
+                  </a:schemeClr>
+                </a:solidFill>
+                <a:latin typeface="배스킨라빈스 R" panose="02020603020101020101" pitchFamily="18" charset="-127"/>
+                <a:ea typeface="배스킨라빈스 R" panose="02020603020101020101" pitchFamily="18" charset="-127"/>
+              </a:rPr>
+              <a:t>dump </a:t>
+            </a:r>
+            <a:r>
+              <a:rPr lang="ko-KR" altLang="en-US" dirty="0" smtClean="0">
+                <a:solidFill>
+                  <a:schemeClr val="tx1">
+                    <a:lumMod val="65000"/>
+                    <a:lumOff val="35000"/>
+                  </a:schemeClr>
+                </a:solidFill>
+                <a:latin typeface="배스킨라빈스 R" panose="02020603020101020101" pitchFamily="18" charset="-127"/>
+                <a:ea typeface="배스킨라빈스 R" panose="02020603020101020101" pitchFamily="18" charset="-127"/>
+              </a:rPr>
+              <a:t>파일</a:t>
+            </a:r>
+            <a:endParaRPr lang="ko-KR" altLang="en-US" dirty="0">
+              <a:solidFill>
+                <a:schemeClr val="tx1">
+                  <a:lumMod val="65000"/>
+                  <a:lumOff val="35000"/>
+                </a:schemeClr>
+              </a:solidFill>
+              <a:latin typeface="배스킨라빈스 R" panose="02020603020101020101" pitchFamily="18" charset="-127"/>
+              <a:ea typeface="배스킨라빈스 R" panose="02020603020101020101" pitchFamily="18" charset="-127"/>
+            </a:endParaRPr>
+          </a:p>
+        </p:txBody>
+      </p:sp>
+    </p:spTree>
+    <p:extLst>
+      <p:ext uri="{BB962C8B-B14F-4D97-AF65-F5344CB8AC3E}">
+        <p14:creationId xmlns:p14="http://schemas.microsoft.com/office/powerpoint/2010/main" val="845581036"/>
+      </p:ext>
+    </p:extLst>
+  </p:cSld>
+  <p:clrMapOvr>
+    <a:masterClrMapping/>
+  </p:clrMapOvr>
+  <p:timing>
+    <p:tnLst>
+      <p:par>
+        <p:cTn id="1" dur="indefinite" restart="never" nodeType="tmRoot"/>
+      </p:par>
+    </p:tnLst>
+  </p:timing>
+</p:sld>
+</file>
+
+<file path=ppt/slides/slide17.xml><?xml version="1.0" encoding="utf-8"?>
+<p:sld xmlns:a="http://schemas.openxmlformats.org/drawingml/2006/main" xmlns:r="http://schemas.openxmlformats.org/officeDocument/2006/relationships" xmlns:p="http://schemas.openxmlformats.org/presentationml/2006/main">
+  <p:cSld>
+    <p:bg>
+      <p:bgPr>
+        <a:solidFill>
+          <a:schemeClr val="tx1">
+            <a:lumMod val="75000"/>
+            <a:lumOff val="25000"/>
+          </a:schemeClr>
+        </a:solidFill>
+        <a:effectLst/>
+      </p:bgPr>
+    </p:bg>
+    <p:spTree>
+      <p:nvGrpSpPr>
+        <p:cNvPr id="1" name=""/>
+        <p:cNvGrpSpPr/>
+        <p:nvPr/>
+      </p:nvGrpSpPr>
+      <p:grpSpPr>
+        <a:xfrm>
+          <a:off x="0" y="0"/>
+          <a:ext cx="0" cy="0"/>
+          <a:chOff x="0" y="0"/>
+          <a:chExt cx="0" cy="0"/>
+        </a:xfrm>
+      </p:grpSpPr>
+      <p:sp>
+        <p:nvSpPr>
+          <p:cNvPr id="4" name="직사각형 3"/>
+          <p:cNvSpPr/>
+          <p:nvPr/>
+        </p:nvSpPr>
+        <p:spPr>
+          <a:xfrm>
+            <a:off x="3092335" y="0"/>
+            <a:ext cx="9099665" cy="6858000"/>
+          </a:xfrm>
+          <a:prstGeom prst="rect">
+            <a:avLst/>
+          </a:prstGeom>
+          <a:solidFill>
+            <a:schemeClr val="bg1">
+              <a:lumMod val="85000"/>
+            </a:schemeClr>
+          </a:solidFill>
+          <a:ln>
+            <a:solidFill>
+              <a:schemeClr val="bg1">
+                <a:lumMod val="85000"/>
+              </a:schemeClr>
+            </a:solidFill>
+          </a:ln>
+        </p:spPr>
+        <p:style>
+          <a:lnRef idx="2">
+            <a:schemeClr val="accent1">
+              <a:shade val="50000"/>
+            </a:schemeClr>
+          </a:lnRef>
+          <a:fillRef idx="1">
+            <a:schemeClr val="accent1"/>
+          </a:fillRef>
+          <a:effectRef idx="0">
+            <a:schemeClr val="accent1"/>
+          </a:effectRef>
+          <a:fontRef idx="minor">
+            <a:schemeClr val="lt1"/>
+          </a:fontRef>
+        </p:style>
+        <p:txBody>
+          <a:bodyPr rtlCol="0" anchor="ctr"/>
+          <a:lstStyle/>
+          <a:p>
+            <a:pPr algn="ctr"/>
+            <a:endParaRPr lang="ko-KR" altLang="en-US" dirty="0"/>
+          </a:p>
+        </p:txBody>
+      </p:sp>
+      <p:cxnSp>
+        <p:nvCxnSpPr>
+          <p:cNvPr id="7" name="직선 연결선 6"/>
+          <p:cNvCxnSpPr/>
+          <p:nvPr/>
+        </p:nvCxnSpPr>
+        <p:spPr>
+          <a:xfrm flipV="1">
+            <a:off x="465513" y="897775"/>
+            <a:ext cx="2626822" cy="16625"/>
+          </a:xfrm>
+          <a:prstGeom prst="line">
+            <a:avLst/>
+          </a:prstGeom>
+          <a:ln w="41275">
+            <a:solidFill>
+              <a:schemeClr val="bg1">
+                <a:lumMod val="75000"/>
+              </a:schemeClr>
+            </a:solidFill>
+          </a:ln>
+        </p:spPr>
+        <p:style>
+          <a:lnRef idx="1">
+            <a:schemeClr val="accent1"/>
+          </a:lnRef>
+          <a:fillRef idx="0">
+            <a:schemeClr val="accent1"/>
+          </a:fillRef>
+          <a:effectRef idx="0">
+            <a:schemeClr val="accent1"/>
+          </a:effectRef>
+          <a:fontRef idx="minor">
+            <a:schemeClr val="tx1"/>
+          </a:fontRef>
+        </p:style>
+      </p:cxnSp>
+      <p:sp>
+        <p:nvSpPr>
+          <p:cNvPr id="9" name="TextBox 8"/>
+          <p:cNvSpPr txBox="1"/>
+          <p:nvPr/>
+        </p:nvSpPr>
+        <p:spPr>
+          <a:xfrm>
+            <a:off x="368666" y="313000"/>
+            <a:ext cx="2810385" cy="584775"/>
+          </a:xfrm>
+          <a:prstGeom prst="rect">
+            <a:avLst/>
+          </a:prstGeom>
+          <a:noFill/>
+        </p:spPr>
+        <p:txBody>
+          <a:bodyPr wrap="none" rtlCol="0">
+            <a:spAutoFit/>
+          </a:bodyPr>
+          <a:lstStyle/>
+          <a:p>
+            <a:r>
+              <a:rPr lang="ko-KR" altLang="en-US" sz="3200" dirty="0" smtClean="0">
+                <a:solidFill>
+                  <a:schemeClr val="bg1"/>
+                </a:solidFill>
+                <a:latin typeface="배스킨라빈스 R" panose="02020603020101020101" pitchFamily="18" charset="-127"/>
+                <a:ea typeface="배스킨라빈스 R" panose="02020603020101020101" pitchFamily="18" charset="-127"/>
+              </a:rPr>
+              <a:t>팀 프로젝트 참여</a:t>
+            </a:r>
+            <a:endParaRPr lang="en-US" altLang="ko-KR" sz="3200" dirty="0" smtClean="0">
+              <a:solidFill>
+                <a:schemeClr val="bg1"/>
+              </a:solidFill>
+              <a:latin typeface="배스킨라빈스 R" panose="02020603020101020101" pitchFamily="18" charset="-127"/>
+              <a:ea typeface="배스킨라빈스 R" panose="02020603020101020101" pitchFamily="18" charset="-127"/>
+            </a:endParaRPr>
+          </a:p>
+        </p:txBody>
+      </p:sp>
+      <p:sp>
+        <p:nvSpPr>
+          <p:cNvPr id="8" name="TextBox 7"/>
+          <p:cNvSpPr txBox="1"/>
+          <p:nvPr/>
+        </p:nvSpPr>
+        <p:spPr>
+          <a:xfrm>
+            <a:off x="234178" y="1405840"/>
+            <a:ext cx="2992646" cy="4801314"/>
+          </a:xfrm>
+          <a:prstGeom prst="rect">
+            <a:avLst/>
+          </a:prstGeom>
+          <a:noFill/>
+        </p:spPr>
+        <p:txBody>
+          <a:bodyPr wrap="square" rtlCol="0">
+            <a:spAutoFit/>
+          </a:bodyPr>
+          <a:lstStyle/>
+          <a:p>
+            <a:pPr algn="r"/>
+            <a:endParaRPr lang="en-US" altLang="ko-KR" dirty="0" smtClean="0">
+              <a:solidFill>
+                <a:schemeClr val="bg1"/>
+              </a:solidFill>
+              <a:latin typeface="배스킨라빈스 R" panose="02020603020101020101" pitchFamily="18" charset="-127"/>
+              <a:ea typeface="배스킨라빈스 R" panose="02020603020101020101" pitchFamily="18" charset="-127"/>
+            </a:endParaRPr>
+          </a:p>
+          <a:p>
+            <a:r>
+              <a:rPr lang="ko-KR" altLang="en-US" dirty="0" smtClean="0">
+                <a:solidFill>
+                  <a:schemeClr val="bg1"/>
+                </a:solidFill>
+                <a:latin typeface="배스킨라빈스 R" panose="02020603020101020101" pitchFamily="18" charset="-127"/>
+                <a:ea typeface="배스킨라빈스 R" panose="02020603020101020101" pitchFamily="18" charset="-127"/>
+              </a:rPr>
+              <a:t>프로젝트 명</a:t>
+            </a:r>
+            <a:r>
+              <a:rPr lang="en-US" altLang="ko-KR" dirty="0" smtClean="0">
+                <a:solidFill>
+                  <a:schemeClr val="bg1"/>
+                </a:solidFill>
+                <a:latin typeface="배스킨라빈스 R" panose="02020603020101020101" pitchFamily="18" charset="-127"/>
+                <a:ea typeface="배스킨라빈스 R" panose="02020603020101020101" pitchFamily="18" charset="-127"/>
+              </a:rPr>
+              <a:t>: Yggdrasil</a:t>
+            </a:r>
+          </a:p>
+          <a:p>
+            <a:r>
+              <a:rPr lang="ko-KR" altLang="en-US" dirty="0" smtClean="0">
+                <a:solidFill>
+                  <a:schemeClr val="bg1"/>
+                </a:solidFill>
+                <a:latin typeface="배스킨라빈스 R" panose="02020603020101020101" pitchFamily="18" charset="-127"/>
+                <a:ea typeface="배스킨라빈스 R" panose="02020603020101020101" pitchFamily="18" charset="-127"/>
+              </a:rPr>
+              <a:t>개발 인원</a:t>
+            </a:r>
+            <a:r>
+              <a:rPr lang="en-US" altLang="ko-KR" dirty="0" smtClean="0">
+                <a:solidFill>
+                  <a:schemeClr val="bg1"/>
+                </a:solidFill>
+                <a:latin typeface="배스킨라빈스 R" panose="02020603020101020101" pitchFamily="18" charset="-127"/>
+                <a:ea typeface="배스킨라빈스 R" panose="02020603020101020101" pitchFamily="18" charset="-127"/>
+              </a:rPr>
+              <a:t>: 8</a:t>
+            </a:r>
+            <a:r>
+              <a:rPr lang="ko-KR" altLang="en-US" dirty="0" smtClean="0">
+                <a:solidFill>
+                  <a:schemeClr val="bg1"/>
+                </a:solidFill>
+                <a:latin typeface="배스킨라빈스 R" panose="02020603020101020101" pitchFamily="18" charset="-127"/>
+                <a:ea typeface="배스킨라빈스 R" panose="02020603020101020101" pitchFamily="18" charset="-127"/>
+              </a:rPr>
+              <a:t>명</a:t>
+            </a:r>
+            <a:endParaRPr lang="en-US" altLang="ko-KR" dirty="0">
+              <a:solidFill>
+                <a:schemeClr val="bg1"/>
+              </a:solidFill>
+              <a:latin typeface="배스킨라빈스 R" panose="02020603020101020101" pitchFamily="18" charset="-127"/>
+              <a:ea typeface="배스킨라빈스 R" panose="02020603020101020101" pitchFamily="18" charset="-127"/>
+            </a:endParaRPr>
+          </a:p>
+          <a:p>
+            <a:r>
+              <a:rPr lang="en-US" altLang="ko-KR" dirty="0" smtClean="0">
+                <a:solidFill>
+                  <a:schemeClr val="bg1"/>
+                </a:solidFill>
+                <a:latin typeface="배스킨라빈스 R" panose="02020603020101020101" pitchFamily="18" charset="-127"/>
+                <a:ea typeface="배스킨라빈스 R" panose="02020603020101020101" pitchFamily="18" charset="-127"/>
+              </a:rPr>
+              <a:t>-</a:t>
+            </a:r>
+            <a:r>
+              <a:rPr lang="ko-KR" altLang="en-US" dirty="0" smtClean="0">
+                <a:solidFill>
+                  <a:schemeClr val="bg1"/>
+                </a:solidFill>
+                <a:latin typeface="배스킨라빈스 R" panose="02020603020101020101" pitchFamily="18" charset="-127"/>
+                <a:ea typeface="배스킨라빈스 R" panose="02020603020101020101" pitchFamily="18" charset="-127"/>
+              </a:rPr>
+              <a:t>클라이언트 프로그래머 </a:t>
+            </a:r>
+            <a:r>
+              <a:rPr lang="en-US" altLang="ko-KR" dirty="0" smtClean="0">
+                <a:solidFill>
+                  <a:schemeClr val="bg1"/>
+                </a:solidFill>
+                <a:latin typeface="배스킨라빈스 R" panose="02020603020101020101" pitchFamily="18" charset="-127"/>
+                <a:ea typeface="배스킨라빈스 R" panose="02020603020101020101" pitchFamily="18" charset="-127"/>
+              </a:rPr>
+              <a:t>3</a:t>
+            </a:r>
+            <a:r>
+              <a:rPr lang="ko-KR" altLang="en-US" dirty="0" smtClean="0">
+                <a:solidFill>
+                  <a:schemeClr val="bg1"/>
+                </a:solidFill>
+                <a:latin typeface="배스킨라빈스 R" panose="02020603020101020101" pitchFamily="18" charset="-127"/>
+                <a:ea typeface="배스킨라빈스 R" panose="02020603020101020101" pitchFamily="18" charset="-127"/>
+              </a:rPr>
+              <a:t>명</a:t>
+            </a:r>
+            <a:endParaRPr lang="en-US" altLang="ko-KR" dirty="0" smtClean="0">
+              <a:solidFill>
+                <a:schemeClr val="bg1"/>
+              </a:solidFill>
+              <a:latin typeface="배스킨라빈스 R" panose="02020603020101020101" pitchFamily="18" charset="-127"/>
+              <a:ea typeface="배스킨라빈스 R" panose="02020603020101020101" pitchFamily="18" charset="-127"/>
+            </a:endParaRPr>
+          </a:p>
+          <a:p>
+            <a:r>
+              <a:rPr lang="en-US" altLang="ko-KR" dirty="0" smtClean="0">
+                <a:solidFill>
+                  <a:schemeClr val="bg1"/>
+                </a:solidFill>
+                <a:latin typeface="배스킨라빈스 R" panose="02020603020101020101" pitchFamily="18" charset="-127"/>
+                <a:ea typeface="배스킨라빈스 R" panose="02020603020101020101" pitchFamily="18" charset="-127"/>
+              </a:rPr>
+              <a:t>-</a:t>
+            </a:r>
+            <a:r>
+              <a:rPr lang="ko-KR" altLang="en-US" dirty="0" smtClean="0">
+                <a:solidFill>
+                  <a:schemeClr val="bg1"/>
+                </a:solidFill>
+                <a:latin typeface="배스킨라빈스 R" panose="02020603020101020101" pitchFamily="18" charset="-127"/>
+                <a:ea typeface="배스킨라빈스 R" panose="02020603020101020101" pitchFamily="18" charset="-127"/>
+              </a:rPr>
+              <a:t>서버 프로그래머 </a:t>
+            </a:r>
+            <a:r>
+              <a:rPr lang="en-US" altLang="ko-KR" dirty="0" smtClean="0">
+                <a:solidFill>
+                  <a:schemeClr val="bg1"/>
+                </a:solidFill>
+                <a:latin typeface="배스킨라빈스 R" panose="02020603020101020101" pitchFamily="18" charset="-127"/>
+                <a:ea typeface="배스킨라빈스 R" panose="02020603020101020101" pitchFamily="18" charset="-127"/>
+              </a:rPr>
+              <a:t>2</a:t>
+            </a:r>
+            <a:r>
+              <a:rPr lang="ko-KR" altLang="en-US" dirty="0" smtClean="0">
+                <a:solidFill>
+                  <a:schemeClr val="bg1"/>
+                </a:solidFill>
+                <a:latin typeface="배스킨라빈스 R" panose="02020603020101020101" pitchFamily="18" charset="-127"/>
+                <a:ea typeface="배스킨라빈스 R" panose="02020603020101020101" pitchFamily="18" charset="-127"/>
+              </a:rPr>
+              <a:t>명</a:t>
+            </a:r>
+            <a:endParaRPr lang="en-US" altLang="ko-KR" dirty="0" smtClean="0">
+              <a:solidFill>
+                <a:schemeClr val="bg1"/>
+              </a:solidFill>
+              <a:latin typeface="배스킨라빈스 R" panose="02020603020101020101" pitchFamily="18" charset="-127"/>
+              <a:ea typeface="배스킨라빈스 R" panose="02020603020101020101" pitchFamily="18" charset="-127"/>
+            </a:endParaRPr>
+          </a:p>
+          <a:p>
+            <a:endParaRPr lang="en-US" altLang="ko-KR" dirty="0">
+              <a:solidFill>
+                <a:schemeClr val="bg1"/>
+              </a:solidFill>
+              <a:latin typeface="배스킨라빈스 R" panose="02020603020101020101" pitchFamily="18" charset="-127"/>
+              <a:ea typeface="배스킨라빈스 R" panose="02020603020101020101" pitchFamily="18" charset="-127"/>
+            </a:endParaRPr>
+          </a:p>
+          <a:p>
+            <a:r>
+              <a:rPr lang="ko-KR" altLang="en-US" dirty="0" smtClean="0">
+                <a:solidFill>
+                  <a:schemeClr val="bg1"/>
+                </a:solidFill>
+                <a:latin typeface="배스킨라빈스 R" panose="02020603020101020101" pitchFamily="18" charset="-127"/>
+                <a:ea typeface="배스킨라빈스 R" panose="02020603020101020101" pitchFamily="18" charset="-127"/>
+              </a:rPr>
+              <a:t>담당 업무</a:t>
+            </a:r>
+            <a:r>
+              <a:rPr lang="en-US" altLang="ko-KR" dirty="0" smtClean="0">
+                <a:solidFill>
+                  <a:schemeClr val="bg1"/>
+                </a:solidFill>
+                <a:latin typeface="배스킨라빈스 R" panose="02020603020101020101" pitchFamily="18" charset="-127"/>
+                <a:ea typeface="배스킨라빈스 R" panose="02020603020101020101" pitchFamily="18" charset="-127"/>
+              </a:rPr>
+              <a:t>: </a:t>
+            </a:r>
+            <a:endParaRPr lang="en-US" altLang="ko-KR" dirty="0">
+              <a:solidFill>
+                <a:schemeClr val="bg1"/>
+              </a:solidFill>
+              <a:latin typeface="배스킨라빈스 R" panose="02020603020101020101" pitchFamily="18" charset="-127"/>
+              <a:ea typeface="배스킨라빈스 R" panose="02020603020101020101" pitchFamily="18" charset="-127"/>
+            </a:endParaRPr>
+          </a:p>
+          <a:p>
+            <a:r>
+              <a:rPr lang="en-US" altLang="ko-KR" dirty="0" smtClean="0">
+                <a:solidFill>
+                  <a:schemeClr val="accent2">
+                    <a:lumMod val="75000"/>
+                  </a:schemeClr>
+                </a:solidFill>
+                <a:latin typeface="배스킨라빈스 R" panose="02020603020101020101" pitchFamily="18" charset="-127"/>
+                <a:ea typeface="배스킨라빈스 R" panose="02020603020101020101" pitchFamily="18" charset="-127"/>
+              </a:rPr>
+              <a:t>C++</a:t>
+            </a:r>
+            <a:r>
+              <a:rPr lang="ko-KR" altLang="en-US" dirty="0" smtClean="0">
+                <a:solidFill>
+                  <a:schemeClr val="accent2">
+                    <a:lumMod val="75000"/>
+                  </a:schemeClr>
+                </a:solidFill>
+                <a:latin typeface="배스킨라빈스 R" panose="02020603020101020101" pitchFamily="18" charset="-127"/>
+                <a:ea typeface="배스킨라빈스 R" panose="02020603020101020101" pitchFamily="18" charset="-127"/>
+              </a:rPr>
+              <a:t>와 </a:t>
+            </a:r>
+            <a:r>
+              <a:rPr lang="en-US" altLang="ko-KR" dirty="0" smtClean="0">
+                <a:solidFill>
+                  <a:schemeClr val="accent2">
+                    <a:lumMod val="75000"/>
+                  </a:schemeClr>
+                </a:solidFill>
+                <a:latin typeface="배스킨라빈스 R" panose="02020603020101020101" pitchFamily="18" charset="-127"/>
+                <a:ea typeface="배스킨라빈스 R" panose="02020603020101020101" pitchFamily="18" charset="-127"/>
+              </a:rPr>
+              <a:t>Unity</a:t>
+            </a:r>
+            <a:r>
+              <a:rPr lang="ko-KR" altLang="en-US" dirty="0" smtClean="0">
+                <a:solidFill>
+                  <a:schemeClr val="accent2">
+                    <a:lumMod val="75000"/>
+                  </a:schemeClr>
+                </a:solidFill>
+                <a:latin typeface="배스킨라빈스 R" panose="02020603020101020101" pitchFamily="18" charset="-127"/>
+                <a:ea typeface="배스킨라빈스 R" panose="02020603020101020101" pitchFamily="18" charset="-127"/>
+              </a:rPr>
+              <a:t>의 서버</a:t>
+            </a:r>
+            <a:r>
+              <a:rPr lang="ko-KR" altLang="en-US" dirty="0" smtClean="0">
+                <a:solidFill>
+                  <a:schemeClr val="bg1"/>
+                </a:solidFill>
+                <a:latin typeface="배스킨라빈스 R" panose="02020603020101020101" pitchFamily="18" charset="-127"/>
+                <a:ea typeface="배스킨라빈스 R" panose="02020603020101020101" pitchFamily="18" charset="-127"/>
+              </a:rPr>
+              <a:t> </a:t>
+            </a:r>
+            <a:r>
+              <a:rPr lang="ko-KR" altLang="en-US" dirty="0" smtClean="0">
+                <a:solidFill>
+                  <a:schemeClr val="bg1"/>
+                </a:solidFill>
+                <a:latin typeface="배스킨라빈스 R" panose="02020603020101020101" pitchFamily="18" charset="-127"/>
+                <a:ea typeface="배스킨라빈스 R" panose="02020603020101020101" pitchFamily="18" charset="-127"/>
+              </a:rPr>
+              <a:t>구현</a:t>
+            </a:r>
+            <a:endParaRPr lang="en-US" altLang="ko-KR" dirty="0" smtClean="0">
+              <a:solidFill>
+                <a:schemeClr val="bg1"/>
+              </a:solidFill>
+              <a:latin typeface="배스킨라빈스 R" panose="02020603020101020101" pitchFamily="18" charset="-127"/>
+              <a:ea typeface="배스킨라빈스 R" panose="02020603020101020101" pitchFamily="18" charset="-127"/>
+            </a:endParaRPr>
+          </a:p>
+          <a:p>
+            <a:r>
+              <a:rPr lang="ko-KR" altLang="en-US" dirty="0" smtClean="0">
+                <a:solidFill>
+                  <a:schemeClr val="bg1"/>
+                </a:solidFill>
+                <a:latin typeface="배스킨라빈스 R" panose="02020603020101020101" pitchFamily="18" charset="-127"/>
+                <a:ea typeface="배스킨라빈스 R" panose="02020603020101020101" pitchFamily="18" charset="-127"/>
+              </a:rPr>
+              <a:t>로그인</a:t>
+            </a:r>
+            <a:r>
+              <a:rPr lang="en-US" altLang="ko-KR" dirty="0" smtClean="0">
+                <a:solidFill>
+                  <a:schemeClr val="bg1"/>
+                </a:solidFill>
+                <a:latin typeface="배스킨라빈스 R" panose="02020603020101020101" pitchFamily="18" charset="-127"/>
+                <a:ea typeface="배스킨라빈스 R" panose="02020603020101020101" pitchFamily="18" charset="-127"/>
+              </a:rPr>
+              <a:t>/</a:t>
+            </a:r>
+            <a:r>
+              <a:rPr lang="ko-KR" altLang="en-US" dirty="0" smtClean="0">
+                <a:solidFill>
+                  <a:schemeClr val="bg1"/>
+                </a:solidFill>
+                <a:latin typeface="배스킨라빈스 R" panose="02020603020101020101" pitchFamily="18" charset="-127"/>
+                <a:ea typeface="배스킨라빈스 R" panose="02020603020101020101" pitchFamily="18" charset="-127"/>
+              </a:rPr>
+              <a:t>회원가입 </a:t>
+            </a:r>
+            <a:r>
+              <a:rPr lang="en-US" altLang="ko-KR" dirty="0" smtClean="0">
+                <a:solidFill>
+                  <a:schemeClr val="accent2">
+                    <a:lumMod val="75000"/>
+                  </a:schemeClr>
+                </a:solidFill>
+                <a:latin typeface="배스킨라빈스 R" panose="02020603020101020101" pitchFamily="18" charset="-127"/>
+                <a:ea typeface="배스킨라빈스 R" panose="02020603020101020101" pitchFamily="18" charset="-127"/>
+              </a:rPr>
+              <a:t>DB</a:t>
+            </a:r>
+            <a:r>
+              <a:rPr lang="en-US" altLang="ko-KR" dirty="0" smtClean="0">
+                <a:solidFill>
+                  <a:schemeClr val="bg1"/>
+                </a:solidFill>
+                <a:latin typeface="배스킨라빈스 R" panose="02020603020101020101" pitchFamily="18" charset="-127"/>
+                <a:ea typeface="배스킨라빈스 R" panose="02020603020101020101" pitchFamily="18" charset="-127"/>
+              </a:rPr>
+              <a:t> </a:t>
+            </a:r>
+            <a:r>
+              <a:rPr lang="ko-KR" altLang="en-US" dirty="0" smtClean="0">
+                <a:solidFill>
+                  <a:schemeClr val="bg1"/>
+                </a:solidFill>
+                <a:latin typeface="배스킨라빈스 R" panose="02020603020101020101" pitchFamily="18" charset="-127"/>
+                <a:ea typeface="배스킨라빈스 R" panose="02020603020101020101" pitchFamily="18" charset="-127"/>
+              </a:rPr>
+              <a:t>처리</a:t>
+            </a:r>
+            <a:endParaRPr lang="en-US" altLang="ko-KR" dirty="0" smtClean="0">
+              <a:solidFill>
+                <a:schemeClr val="bg1"/>
+              </a:solidFill>
+              <a:latin typeface="배스킨라빈스 R" panose="02020603020101020101" pitchFamily="18" charset="-127"/>
+              <a:ea typeface="배스킨라빈스 R" panose="02020603020101020101" pitchFamily="18" charset="-127"/>
+            </a:endParaRPr>
+          </a:p>
+          <a:p>
+            <a:r>
+              <a:rPr lang="ko-KR" altLang="en-US" dirty="0" smtClean="0">
+                <a:solidFill>
+                  <a:schemeClr val="bg1"/>
+                </a:solidFill>
+                <a:latin typeface="배스킨라빈스 R" panose="02020603020101020101" pitchFamily="18" charset="-127"/>
+                <a:ea typeface="배스킨라빈스 R" panose="02020603020101020101" pitchFamily="18" charset="-127"/>
+              </a:rPr>
+              <a:t>로그인 </a:t>
+            </a:r>
+            <a:r>
+              <a:rPr lang="en-US" altLang="ko-KR" dirty="0" smtClean="0">
+                <a:solidFill>
+                  <a:schemeClr val="bg1"/>
+                </a:solidFill>
+                <a:latin typeface="배스킨라빈스 R" panose="02020603020101020101" pitchFamily="18" charset="-127"/>
+                <a:ea typeface="배스킨라빈스 R" panose="02020603020101020101" pitchFamily="18" charset="-127"/>
+              </a:rPr>
+              <a:t>– </a:t>
+            </a:r>
+            <a:r>
+              <a:rPr lang="ko-KR" altLang="en-US" dirty="0" smtClean="0">
+                <a:solidFill>
+                  <a:schemeClr val="bg1"/>
+                </a:solidFill>
+                <a:latin typeface="배스킨라빈스 R" panose="02020603020101020101" pitchFamily="18" charset="-127"/>
+                <a:ea typeface="배스킨라빈스 R" panose="02020603020101020101" pitchFamily="18" charset="-127"/>
+              </a:rPr>
+              <a:t>게임 입장까지의 </a:t>
+            </a:r>
+            <a:endParaRPr lang="en-US" altLang="ko-KR" dirty="0" smtClean="0">
+              <a:solidFill>
+                <a:schemeClr val="bg1"/>
+              </a:solidFill>
+              <a:latin typeface="배스킨라빈스 R" panose="02020603020101020101" pitchFamily="18" charset="-127"/>
+              <a:ea typeface="배스킨라빈스 R" panose="02020603020101020101" pitchFamily="18" charset="-127"/>
+            </a:endParaRPr>
+          </a:p>
+          <a:p>
+            <a:r>
+              <a:rPr lang="en-US" altLang="ko-KR" dirty="0" smtClean="0">
+                <a:solidFill>
+                  <a:schemeClr val="accent2">
+                    <a:lumMod val="75000"/>
+                  </a:schemeClr>
+                </a:solidFill>
+                <a:latin typeface="배스킨라빈스 R" panose="02020603020101020101" pitchFamily="18" charset="-127"/>
+                <a:ea typeface="배스킨라빈스 R" panose="02020603020101020101" pitchFamily="18" charset="-127"/>
+              </a:rPr>
+              <a:t>UI </a:t>
+            </a:r>
+            <a:r>
+              <a:rPr lang="ko-KR" altLang="en-US" dirty="0" smtClean="0">
+                <a:solidFill>
+                  <a:schemeClr val="accent2">
+                    <a:lumMod val="75000"/>
+                  </a:schemeClr>
+                </a:solidFill>
+                <a:latin typeface="배스킨라빈스 R" panose="02020603020101020101" pitchFamily="18" charset="-127"/>
+                <a:ea typeface="배스킨라빈스 R" panose="02020603020101020101" pitchFamily="18" charset="-127"/>
+              </a:rPr>
+              <a:t>클라이언트</a:t>
+            </a:r>
+            <a:r>
+              <a:rPr lang="en-US" altLang="ko-KR" dirty="0" smtClean="0">
+                <a:solidFill>
+                  <a:schemeClr val="bg1"/>
+                </a:solidFill>
+                <a:latin typeface="배스킨라빈스 R" panose="02020603020101020101" pitchFamily="18" charset="-127"/>
+                <a:ea typeface="배스킨라빈스 R" panose="02020603020101020101" pitchFamily="18" charset="-127"/>
+              </a:rPr>
+              <a:t>&amp;</a:t>
+            </a:r>
+            <a:r>
+              <a:rPr lang="ko-KR" altLang="en-US" dirty="0" smtClean="0">
+                <a:solidFill>
+                  <a:schemeClr val="accent2">
+                    <a:lumMod val="75000"/>
+                  </a:schemeClr>
+                </a:solidFill>
+                <a:latin typeface="배스킨라빈스 R" panose="02020603020101020101" pitchFamily="18" charset="-127"/>
+                <a:ea typeface="배스킨라빈스 R" panose="02020603020101020101" pitchFamily="18" charset="-127"/>
+              </a:rPr>
+              <a:t>서버</a:t>
+            </a:r>
+            <a:r>
+              <a:rPr lang="ko-KR" altLang="en-US" dirty="0" smtClean="0">
+                <a:solidFill>
+                  <a:schemeClr val="bg1"/>
+                </a:solidFill>
+                <a:latin typeface="배스킨라빈스 R" panose="02020603020101020101" pitchFamily="18" charset="-127"/>
+                <a:ea typeface="배스킨라빈스 R" panose="02020603020101020101" pitchFamily="18" charset="-127"/>
+              </a:rPr>
+              <a:t> 기능 구현</a:t>
+            </a:r>
+            <a:r>
+              <a:rPr lang="en-US" altLang="ko-KR" dirty="0" smtClean="0">
+                <a:solidFill>
+                  <a:schemeClr val="bg1"/>
+                </a:solidFill>
+                <a:latin typeface="배스킨라빈스 R" panose="02020603020101020101" pitchFamily="18" charset="-127"/>
+                <a:ea typeface="배스킨라빈스 R" panose="02020603020101020101" pitchFamily="18" charset="-127"/>
+              </a:rPr>
+              <a:t>.</a:t>
+            </a:r>
+          </a:p>
+          <a:p>
+            <a:r>
+              <a:rPr lang="en-US" altLang="ko-KR" dirty="0" err="1" smtClean="0">
+                <a:solidFill>
+                  <a:schemeClr val="accent2">
+                    <a:lumMod val="75000"/>
+                  </a:schemeClr>
+                </a:solidFill>
+                <a:latin typeface="배스킨라빈스 R" panose="02020603020101020101" pitchFamily="18" charset="-127"/>
+                <a:ea typeface="배스킨라빈스 R" panose="02020603020101020101" pitchFamily="18" charset="-127"/>
+              </a:rPr>
+              <a:t>SectorManager</a:t>
+            </a:r>
+            <a:r>
+              <a:rPr lang="en-US" altLang="ko-KR" dirty="0" smtClean="0">
+                <a:solidFill>
+                  <a:schemeClr val="bg1"/>
+                </a:solidFill>
+                <a:latin typeface="배스킨라빈스 R" panose="02020603020101020101" pitchFamily="18" charset="-127"/>
+                <a:ea typeface="배스킨라빈스 R" panose="02020603020101020101" pitchFamily="18" charset="-127"/>
+              </a:rPr>
+              <a:t> </a:t>
+            </a:r>
+            <a:r>
+              <a:rPr lang="ko-KR" altLang="en-US" dirty="0" smtClean="0">
+                <a:solidFill>
+                  <a:schemeClr val="bg1"/>
+                </a:solidFill>
+                <a:latin typeface="배스킨라빈스 R" panose="02020603020101020101" pitchFamily="18" charset="-127"/>
+                <a:ea typeface="배스킨라빈스 R" panose="02020603020101020101" pitchFamily="18" charset="-127"/>
+              </a:rPr>
+              <a:t>구현</a:t>
+            </a:r>
+            <a:r>
+              <a:rPr lang="en-US" altLang="ko-KR" dirty="0" smtClean="0">
+                <a:solidFill>
+                  <a:schemeClr val="bg1"/>
+                </a:solidFill>
+                <a:latin typeface="배스킨라빈스 R" panose="02020603020101020101" pitchFamily="18" charset="-127"/>
+                <a:ea typeface="배스킨라빈스 R" panose="02020603020101020101" pitchFamily="18" charset="-127"/>
+              </a:rPr>
+              <a:t>.</a:t>
+            </a:r>
+          </a:p>
+          <a:p>
+            <a:endParaRPr lang="en-US" altLang="ko-KR" dirty="0" smtClean="0">
+              <a:solidFill>
+                <a:schemeClr val="bg1"/>
+              </a:solidFill>
+              <a:latin typeface="배스킨라빈스 R" panose="02020603020101020101" pitchFamily="18" charset="-127"/>
+              <a:ea typeface="배스킨라빈스 R" panose="02020603020101020101" pitchFamily="18" charset="-127"/>
+            </a:endParaRPr>
+          </a:p>
+          <a:p>
+            <a:pPr algn="r"/>
+            <a:endParaRPr lang="en-US" altLang="ko-KR" dirty="0">
+              <a:solidFill>
+                <a:schemeClr val="bg1"/>
+              </a:solidFill>
+              <a:latin typeface="배스킨라빈스 R" panose="02020603020101020101" pitchFamily="18" charset="-127"/>
+              <a:ea typeface="배스킨라빈스 R" panose="02020603020101020101" pitchFamily="18" charset="-127"/>
+            </a:endParaRPr>
+          </a:p>
+          <a:p>
+            <a:pPr algn="r"/>
+            <a:endParaRPr lang="en-US" altLang="ko-KR" dirty="0" smtClean="0">
+              <a:solidFill>
+                <a:schemeClr val="bg1"/>
+              </a:solidFill>
+              <a:latin typeface="배스킨라빈스 R" panose="02020603020101020101" pitchFamily="18" charset="-127"/>
+              <a:ea typeface="배스킨라빈스 R" panose="02020603020101020101" pitchFamily="18" charset="-127"/>
+            </a:endParaRPr>
+          </a:p>
+          <a:p>
+            <a:pPr algn="r"/>
+            <a:endParaRPr lang="en-US" altLang="ko-KR" dirty="0">
+              <a:solidFill>
+                <a:schemeClr val="bg1"/>
+              </a:solidFill>
+              <a:latin typeface="배스킨라빈스 R" panose="02020603020101020101" pitchFamily="18" charset="-127"/>
+              <a:ea typeface="배스킨라빈스 R" panose="02020603020101020101" pitchFamily="18" charset="-127"/>
+            </a:endParaRPr>
+          </a:p>
+          <a:p>
+            <a:pPr algn="r"/>
+            <a:r>
+              <a:rPr lang="ko-KR" altLang="en-US" dirty="0" smtClean="0">
+                <a:solidFill>
+                  <a:schemeClr val="bg1"/>
+                </a:solidFill>
+                <a:latin typeface="배스킨라빈스 R" panose="02020603020101020101" pitchFamily="18" charset="-127"/>
+                <a:ea typeface="배스킨라빈스 R" panose="02020603020101020101" pitchFamily="18" charset="-127"/>
+              </a:rPr>
+              <a:t> </a:t>
+            </a:r>
+            <a:endParaRPr lang="en-US" altLang="ko-KR" dirty="0" smtClean="0">
+              <a:solidFill>
+                <a:schemeClr val="bg1"/>
+              </a:solidFill>
+              <a:latin typeface="배스킨라빈스 R" panose="02020603020101020101" pitchFamily="18" charset="-127"/>
+              <a:ea typeface="배스킨라빈스 R" panose="02020603020101020101" pitchFamily="18" charset="-127"/>
+            </a:endParaRPr>
+          </a:p>
+        </p:txBody>
+      </p:sp>
+      <p:sp>
+        <p:nvSpPr>
+          <p:cNvPr id="5" name="직사각형 4"/>
+          <p:cNvSpPr/>
+          <p:nvPr/>
+        </p:nvSpPr>
+        <p:spPr>
+          <a:xfrm>
+            <a:off x="3226824" y="246929"/>
+            <a:ext cx="8736576" cy="6513100"/>
+          </a:xfrm>
+          <a:prstGeom prst="rect">
+            <a:avLst/>
+          </a:prstGeom>
+          <a:solidFill>
+            <a:schemeClr val="tx1">
+              <a:lumMod val="85000"/>
+              <a:lumOff val="15000"/>
+            </a:schemeClr>
+          </a:solidFill>
+          <a:ln>
+            <a:solidFill>
+              <a:schemeClr val="tx1">
+                <a:lumMod val="85000"/>
+                <a:lumOff val="15000"/>
+              </a:schemeClr>
+            </a:solidFill>
+          </a:ln>
+        </p:spPr>
+        <p:style>
+          <a:lnRef idx="2">
+            <a:schemeClr val="accent1">
+              <a:shade val="50000"/>
+            </a:schemeClr>
+          </a:lnRef>
+          <a:fillRef idx="1">
+            <a:schemeClr val="accent1"/>
+          </a:fillRef>
+          <a:effectRef idx="0">
+            <a:schemeClr val="accent1"/>
+          </a:effectRef>
+          <a:fontRef idx="minor">
+            <a:schemeClr val="lt1"/>
+          </a:fontRef>
+        </p:style>
+        <p:txBody>
+          <a:bodyPr rtlCol="0" anchor="ctr"/>
+          <a:lstStyle/>
+          <a:p>
+            <a:pPr algn="ctr"/>
+            <a:endParaRPr lang="ko-KR" altLang="en-US"/>
+          </a:p>
+        </p:txBody>
+      </p:sp>
+      <p:pic>
+        <p:nvPicPr>
+          <p:cNvPr id="6" name="그림 5"/>
+          <p:cNvPicPr>
+            <a:picLocks noChangeAspect="1"/>
+          </p:cNvPicPr>
+          <p:nvPr/>
+        </p:nvPicPr>
+        <p:blipFill>
+          <a:blip r:embed="rId2"/>
+          <a:stretch>
+            <a:fillRect/>
+          </a:stretch>
+        </p:blipFill>
+        <p:spPr>
+          <a:xfrm>
+            <a:off x="3490099" y="464000"/>
+            <a:ext cx="3209154" cy="2166468"/>
+          </a:xfrm>
+          <a:prstGeom prst="rect">
+            <a:avLst/>
+          </a:prstGeom>
+        </p:spPr>
+      </p:pic>
+      <p:pic>
+        <p:nvPicPr>
+          <p:cNvPr id="10" name="그림 9"/>
+          <p:cNvPicPr>
+            <a:picLocks noChangeAspect="1"/>
+          </p:cNvPicPr>
+          <p:nvPr/>
+        </p:nvPicPr>
+        <p:blipFill>
+          <a:blip r:embed="rId3"/>
+          <a:stretch>
+            <a:fillRect/>
+          </a:stretch>
+        </p:blipFill>
+        <p:spPr>
+          <a:xfrm>
+            <a:off x="7882123" y="464000"/>
+            <a:ext cx="3433329" cy="2177233"/>
+          </a:xfrm>
+          <a:prstGeom prst="rect">
+            <a:avLst/>
+          </a:prstGeom>
+        </p:spPr>
+      </p:pic>
+      <p:pic>
+        <p:nvPicPr>
+          <p:cNvPr id="3" name="그림 2"/>
+          <p:cNvPicPr>
+            <a:picLocks noChangeAspect="1"/>
+          </p:cNvPicPr>
+          <p:nvPr/>
+        </p:nvPicPr>
+        <p:blipFill>
+          <a:blip r:embed="rId4"/>
+          <a:stretch>
+            <a:fillRect/>
+          </a:stretch>
+        </p:blipFill>
+        <p:spPr>
+          <a:xfrm>
+            <a:off x="3490100" y="3738927"/>
+            <a:ext cx="3209154" cy="2166468"/>
+          </a:xfrm>
+          <a:prstGeom prst="rect">
+            <a:avLst/>
+          </a:prstGeom>
+        </p:spPr>
+      </p:pic>
+      <p:pic>
+        <p:nvPicPr>
+          <p:cNvPr id="11" name="그림 10"/>
+          <p:cNvPicPr>
+            <a:picLocks noChangeAspect="1"/>
+          </p:cNvPicPr>
+          <p:nvPr/>
+        </p:nvPicPr>
+        <p:blipFill>
+          <a:blip r:embed="rId5"/>
+          <a:stretch>
+            <a:fillRect/>
+          </a:stretch>
+        </p:blipFill>
+        <p:spPr>
+          <a:xfrm>
+            <a:off x="7882122" y="3677514"/>
+            <a:ext cx="3433330" cy="2227881"/>
+          </a:xfrm>
+          <a:prstGeom prst="rect">
+            <a:avLst/>
+          </a:prstGeom>
+        </p:spPr>
+      </p:pic>
+      <p:sp>
+        <p:nvSpPr>
+          <p:cNvPr id="12" name="TextBox 11"/>
+          <p:cNvSpPr txBox="1"/>
+          <p:nvPr/>
+        </p:nvSpPr>
+        <p:spPr>
+          <a:xfrm>
+            <a:off x="4264331" y="2692731"/>
+            <a:ext cx="1589315" cy="369332"/>
+          </a:xfrm>
+          <a:prstGeom prst="rect">
+            <a:avLst/>
+          </a:prstGeom>
+          <a:noFill/>
+        </p:spPr>
+        <p:txBody>
+          <a:bodyPr wrap="square" rtlCol="0">
+            <a:spAutoFit/>
+          </a:bodyPr>
+          <a:lstStyle/>
+          <a:p>
+            <a:r>
+              <a:rPr lang="ko-KR" altLang="en-US" dirty="0" smtClean="0">
+                <a:solidFill>
+                  <a:schemeClr val="bg1">
+                    <a:lumMod val="95000"/>
+                  </a:schemeClr>
+                </a:solidFill>
+                <a:latin typeface="배스킨라빈스 R" panose="02020603020101020101" pitchFamily="18" charset="-127"/>
+                <a:ea typeface="배스킨라빈스 R" panose="02020603020101020101" pitchFamily="18" charset="-127"/>
+              </a:rPr>
+              <a:t>로그인</a:t>
+            </a:r>
+            <a:r>
+              <a:rPr lang="en-US" altLang="ko-KR" dirty="0" smtClean="0">
+                <a:solidFill>
+                  <a:schemeClr val="bg1">
+                    <a:lumMod val="95000"/>
+                  </a:schemeClr>
+                </a:solidFill>
+                <a:latin typeface="배스킨라빈스 R" panose="02020603020101020101" pitchFamily="18" charset="-127"/>
+                <a:ea typeface="배스킨라빈스 R" panose="02020603020101020101" pitchFamily="18" charset="-127"/>
+              </a:rPr>
+              <a:t>/</a:t>
+            </a:r>
+            <a:r>
+              <a:rPr lang="ko-KR" altLang="en-US" dirty="0" smtClean="0">
+                <a:solidFill>
+                  <a:schemeClr val="bg1">
+                    <a:lumMod val="95000"/>
+                  </a:schemeClr>
+                </a:solidFill>
+                <a:latin typeface="배스킨라빈스 R" panose="02020603020101020101" pitchFamily="18" charset="-127"/>
+                <a:ea typeface="배스킨라빈스 R" panose="02020603020101020101" pitchFamily="18" charset="-127"/>
+              </a:rPr>
+              <a:t>회원가입</a:t>
+            </a:r>
+            <a:endParaRPr lang="ko-KR" altLang="en-US" dirty="0">
+              <a:solidFill>
+                <a:schemeClr val="bg1">
+                  <a:lumMod val="95000"/>
+                </a:schemeClr>
+              </a:solidFill>
+              <a:latin typeface="배스킨라빈스 R" panose="02020603020101020101" pitchFamily="18" charset="-127"/>
+              <a:ea typeface="배스킨라빈스 R" panose="02020603020101020101" pitchFamily="18" charset="-127"/>
+            </a:endParaRPr>
+          </a:p>
+        </p:txBody>
+      </p:sp>
+      <p:sp>
+        <p:nvSpPr>
+          <p:cNvPr id="13" name="TextBox 12"/>
+          <p:cNvSpPr txBox="1"/>
+          <p:nvPr/>
+        </p:nvSpPr>
+        <p:spPr>
+          <a:xfrm>
+            <a:off x="8919629" y="2692731"/>
+            <a:ext cx="1589315" cy="984885"/>
+          </a:xfrm>
+          <a:prstGeom prst="rect">
+            <a:avLst/>
+          </a:prstGeom>
+          <a:noFill/>
+        </p:spPr>
+        <p:txBody>
+          <a:bodyPr wrap="square" rtlCol="0">
+            <a:spAutoFit/>
+          </a:bodyPr>
+          <a:lstStyle/>
+          <a:p>
+            <a:r>
+              <a:rPr lang="ko-KR" altLang="en-US" dirty="0" smtClean="0">
+                <a:solidFill>
+                  <a:schemeClr val="bg1">
+                    <a:lumMod val="95000"/>
+                  </a:schemeClr>
+                </a:solidFill>
+                <a:latin typeface="배스킨라빈스 R" panose="02020603020101020101" pitchFamily="18" charset="-127"/>
+                <a:ea typeface="배스킨라빈스 R" panose="02020603020101020101" pitchFamily="18" charset="-127"/>
+              </a:rPr>
+              <a:t>로비 기능</a:t>
+            </a:r>
+            <a:endParaRPr lang="en-US" altLang="ko-KR" dirty="0" smtClean="0">
+              <a:solidFill>
+                <a:schemeClr val="bg1">
+                  <a:lumMod val="95000"/>
+                </a:schemeClr>
+              </a:solidFill>
+              <a:latin typeface="배스킨라빈스 R" panose="02020603020101020101" pitchFamily="18" charset="-127"/>
+              <a:ea typeface="배스킨라빈스 R" panose="02020603020101020101" pitchFamily="18" charset="-127"/>
+            </a:endParaRPr>
+          </a:p>
+          <a:p>
+            <a:r>
+              <a:rPr lang="en-US" altLang="ko-KR" sz="1000" dirty="0" smtClean="0">
+                <a:solidFill>
+                  <a:schemeClr val="bg1">
+                    <a:lumMod val="95000"/>
+                  </a:schemeClr>
+                </a:solidFill>
+                <a:latin typeface="배스킨라빈스 R" panose="02020603020101020101" pitchFamily="18" charset="-127"/>
+                <a:ea typeface="배스킨라빈스 R" panose="02020603020101020101" pitchFamily="18" charset="-127"/>
+              </a:rPr>
+              <a:t>-</a:t>
+            </a:r>
+            <a:r>
+              <a:rPr lang="ko-KR" altLang="en-US" sz="1000" dirty="0" smtClean="0">
+                <a:solidFill>
+                  <a:schemeClr val="bg1">
+                    <a:lumMod val="95000"/>
+                  </a:schemeClr>
+                </a:solidFill>
+                <a:latin typeface="배스킨라빈스 R" panose="02020603020101020101" pitchFamily="18" charset="-127"/>
+                <a:ea typeface="배스킨라빈스 R" panose="02020603020101020101" pitchFamily="18" charset="-127"/>
+              </a:rPr>
+              <a:t>방 만들기</a:t>
+            </a:r>
+            <a:endParaRPr lang="en-US" altLang="ko-KR" sz="1000" dirty="0" smtClean="0">
+              <a:solidFill>
+                <a:schemeClr val="bg1">
+                  <a:lumMod val="95000"/>
+                </a:schemeClr>
+              </a:solidFill>
+              <a:latin typeface="배스킨라빈스 R" panose="02020603020101020101" pitchFamily="18" charset="-127"/>
+              <a:ea typeface="배스킨라빈스 R" panose="02020603020101020101" pitchFamily="18" charset="-127"/>
+            </a:endParaRPr>
+          </a:p>
+          <a:p>
+            <a:r>
+              <a:rPr lang="en-US" altLang="ko-KR" sz="1000" dirty="0" smtClean="0">
+                <a:solidFill>
+                  <a:schemeClr val="bg1">
+                    <a:lumMod val="95000"/>
+                  </a:schemeClr>
+                </a:solidFill>
+                <a:latin typeface="배스킨라빈스 R" panose="02020603020101020101" pitchFamily="18" charset="-127"/>
+                <a:ea typeface="배스킨라빈스 R" panose="02020603020101020101" pitchFamily="18" charset="-127"/>
+              </a:rPr>
+              <a:t>-</a:t>
+            </a:r>
+            <a:r>
+              <a:rPr lang="ko-KR" altLang="en-US" sz="1000" dirty="0" err="1" smtClean="0">
+                <a:solidFill>
+                  <a:schemeClr val="bg1">
+                    <a:lumMod val="95000"/>
+                  </a:schemeClr>
+                </a:solidFill>
+                <a:latin typeface="배스킨라빈스 R" panose="02020603020101020101" pitchFamily="18" charset="-127"/>
+                <a:ea typeface="배스킨라빈스 R" panose="02020603020101020101" pitchFamily="18" charset="-127"/>
+              </a:rPr>
+              <a:t>방입장</a:t>
+            </a:r>
+            <a:endParaRPr lang="en-US" altLang="ko-KR" sz="1000" dirty="0" smtClean="0">
+              <a:solidFill>
+                <a:schemeClr val="bg1">
+                  <a:lumMod val="95000"/>
+                </a:schemeClr>
+              </a:solidFill>
+              <a:latin typeface="배스킨라빈스 R" panose="02020603020101020101" pitchFamily="18" charset="-127"/>
+              <a:ea typeface="배스킨라빈스 R" panose="02020603020101020101" pitchFamily="18" charset="-127"/>
+            </a:endParaRPr>
+          </a:p>
+          <a:p>
+            <a:r>
+              <a:rPr lang="en-US" altLang="ko-KR" sz="1000" dirty="0" smtClean="0">
+                <a:solidFill>
+                  <a:schemeClr val="bg1">
+                    <a:lumMod val="95000"/>
+                  </a:schemeClr>
+                </a:solidFill>
+                <a:latin typeface="배스킨라빈스 R" panose="02020603020101020101" pitchFamily="18" charset="-127"/>
+                <a:ea typeface="배스킨라빈스 R" panose="02020603020101020101" pitchFamily="18" charset="-127"/>
+              </a:rPr>
+              <a:t>-</a:t>
+            </a:r>
+            <a:r>
+              <a:rPr lang="ko-KR" altLang="en-US" sz="1000" dirty="0" smtClean="0">
+                <a:solidFill>
+                  <a:schemeClr val="bg1">
+                    <a:lumMod val="95000"/>
+                  </a:schemeClr>
+                </a:solidFill>
+                <a:latin typeface="배스킨라빈스 R" panose="02020603020101020101" pitchFamily="18" charset="-127"/>
+                <a:ea typeface="배스킨라빈스 R" panose="02020603020101020101" pitchFamily="18" charset="-127"/>
+              </a:rPr>
+              <a:t>채팅</a:t>
+            </a:r>
+            <a:endParaRPr lang="en-US" altLang="ko-KR" sz="1000" dirty="0" smtClean="0">
+              <a:solidFill>
+                <a:schemeClr val="bg1">
+                  <a:lumMod val="95000"/>
+                </a:schemeClr>
+              </a:solidFill>
+              <a:latin typeface="배스킨라빈스 R" panose="02020603020101020101" pitchFamily="18" charset="-127"/>
+              <a:ea typeface="배스킨라빈스 R" panose="02020603020101020101" pitchFamily="18" charset="-127"/>
+            </a:endParaRPr>
+          </a:p>
+          <a:p>
+            <a:r>
+              <a:rPr lang="en-US" altLang="ko-KR" sz="1000" dirty="0" smtClean="0">
+                <a:solidFill>
+                  <a:schemeClr val="bg1">
+                    <a:lumMod val="95000"/>
+                  </a:schemeClr>
+                </a:solidFill>
+                <a:latin typeface="배스킨라빈스 R" panose="02020603020101020101" pitchFamily="18" charset="-127"/>
+                <a:ea typeface="배스킨라빈스 R" panose="02020603020101020101" pitchFamily="18" charset="-127"/>
+              </a:rPr>
+              <a:t>-</a:t>
+            </a:r>
+            <a:r>
+              <a:rPr lang="ko-KR" altLang="en-US" sz="1000" dirty="0" smtClean="0">
+                <a:solidFill>
+                  <a:schemeClr val="bg1">
+                    <a:lumMod val="95000"/>
+                  </a:schemeClr>
+                </a:solidFill>
+                <a:latin typeface="배스킨라빈스 R" panose="02020603020101020101" pitchFamily="18" charset="-127"/>
+                <a:ea typeface="배스킨라빈스 R" panose="02020603020101020101" pitchFamily="18" charset="-127"/>
+              </a:rPr>
+              <a:t>옵션 설정</a:t>
+            </a:r>
+            <a:endParaRPr lang="ko-KR" altLang="en-US" sz="1000" dirty="0">
+              <a:solidFill>
+                <a:schemeClr val="bg1">
+                  <a:lumMod val="95000"/>
+                </a:schemeClr>
+              </a:solidFill>
+              <a:latin typeface="배스킨라빈스 R" panose="02020603020101020101" pitchFamily="18" charset="-127"/>
+              <a:ea typeface="배스킨라빈스 R" panose="02020603020101020101" pitchFamily="18" charset="-127"/>
+            </a:endParaRPr>
+          </a:p>
+        </p:txBody>
+      </p:sp>
+      <p:sp>
+        <p:nvSpPr>
+          <p:cNvPr id="14" name="TextBox 13"/>
+          <p:cNvSpPr txBox="1"/>
+          <p:nvPr/>
+        </p:nvSpPr>
+        <p:spPr>
+          <a:xfrm>
+            <a:off x="4340041" y="5835570"/>
+            <a:ext cx="2100340" cy="984885"/>
+          </a:xfrm>
+          <a:prstGeom prst="rect">
+            <a:avLst/>
+          </a:prstGeom>
+          <a:noFill/>
+        </p:spPr>
+        <p:txBody>
+          <a:bodyPr wrap="square" rtlCol="0">
+            <a:spAutoFit/>
+          </a:bodyPr>
+          <a:lstStyle/>
+          <a:p>
+            <a:r>
+              <a:rPr lang="ko-KR" altLang="en-US" dirty="0" smtClean="0">
+                <a:solidFill>
+                  <a:schemeClr val="bg1">
+                    <a:lumMod val="95000"/>
+                  </a:schemeClr>
+                </a:solidFill>
+                <a:latin typeface="배스킨라빈스 R" panose="02020603020101020101" pitchFamily="18" charset="-127"/>
+                <a:ea typeface="배스킨라빈스 R" panose="02020603020101020101" pitchFamily="18" charset="-127"/>
+              </a:rPr>
+              <a:t>방 기능</a:t>
+            </a:r>
+            <a:endParaRPr lang="en-US" altLang="ko-KR" dirty="0" smtClean="0">
+              <a:solidFill>
+                <a:schemeClr val="bg1">
+                  <a:lumMod val="95000"/>
+                </a:schemeClr>
+              </a:solidFill>
+              <a:latin typeface="배스킨라빈스 R" panose="02020603020101020101" pitchFamily="18" charset="-127"/>
+              <a:ea typeface="배스킨라빈스 R" panose="02020603020101020101" pitchFamily="18" charset="-127"/>
+            </a:endParaRPr>
+          </a:p>
+          <a:p>
+            <a:r>
+              <a:rPr lang="en-US" altLang="ko-KR" sz="1000" dirty="0" smtClean="0">
+                <a:solidFill>
+                  <a:schemeClr val="bg1">
+                    <a:lumMod val="95000"/>
+                  </a:schemeClr>
+                </a:solidFill>
+                <a:latin typeface="배스킨라빈스 R" panose="02020603020101020101" pitchFamily="18" charset="-127"/>
+                <a:ea typeface="배스킨라빈스 R" panose="02020603020101020101" pitchFamily="18" charset="-127"/>
+              </a:rPr>
+              <a:t>-</a:t>
+            </a:r>
+            <a:r>
+              <a:rPr lang="ko-KR" altLang="en-US" sz="1000" dirty="0" smtClean="0">
+                <a:solidFill>
+                  <a:schemeClr val="bg1">
+                    <a:lumMod val="95000"/>
+                  </a:schemeClr>
+                </a:solidFill>
+                <a:latin typeface="배스킨라빈스 R" panose="02020603020101020101" pitchFamily="18" charset="-127"/>
+                <a:ea typeface="배스킨라빈스 R" panose="02020603020101020101" pitchFamily="18" charset="-127"/>
+              </a:rPr>
+              <a:t>호스트</a:t>
+            </a:r>
+            <a:r>
+              <a:rPr lang="en-US" altLang="ko-KR" sz="1000" dirty="0" smtClean="0">
+                <a:solidFill>
+                  <a:schemeClr val="bg1">
+                    <a:lumMod val="95000"/>
+                  </a:schemeClr>
+                </a:solidFill>
+                <a:latin typeface="배스킨라빈스 R" panose="02020603020101020101" pitchFamily="18" charset="-127"/>
+                <a:ea typeface="배스킨라빈스 R" panose="02020603020101020101" pitchFamily="18" charset="-127"/>
+              </a:rPr>
+              <a:t>/</a:t>
+            </a:r>
+            <a:r>
+              <a:rPr lang="ko-KR" altLang="en-US" sz="1000" dirty="0" smtClean="0">
+                <a:solidFill>
+                  <a:schemeClr val="bg1">
+                    <a:lumMod val="95000"/>
+                  </a:schemeClr>
+                </a:solidFill>
+                <a:latin typeface="배스킨라빈스 R" panose="02020603020101020101" pitchFamily="18" charset="-127"/>
+                <a:ea typeface="배스킨라빈스 R" panose="02020603020101020101" pitchFamily="18" charset="-127"/>
+              </a:rPr>
+              <a:t>멤버 관리</a:t>
+            </a:r>
+            <a:endParaRPr lang="en-US" altLang="ko-KR" sz="1000" dirty="0" smtClean="0">
+              <a:solidFill>
+                <a:schemeClr val="bg1">
+                  <a:lumMod val="95000"/>
+                </a:schemeClr>
+              </a:solidFill>
+              <a:latin typeface="배스킨라빈스 R" panose="02020603020101020101" pitchFamily="18" charset="-127"/>
+              <a:ea typeface="배스킨라빈스 R" panose="02020603020101020101" pitchFamily="18" charset="-127"/>
+            </a:endParaRPr>
+          </a:p>
+          <a:p>
+            <a:r>
+              <a:rPr lang="en-US" altLang="ko-KR" sz="1000" dirty="0" smtClean="0">
+                <a:solidFill>
+                  <a:schemeClr val="bg1">
+                    <a:lumMod val="95000"/>
+                  </a:schemeClr>
+                </a:solidFill>
+                <a:latin typeface="배스킨라빈스 R" panose="02020603020101020101" pitchFamily="18" charset="-127"/>
+                <a:ea typeface="배스킨라빈스 R" panose="02020603020101020101" pitchFamily="18" charset="-127"/>
+              </a:rPr>
+              <a:t>-</a:t>
+            </a:r>
+            <a:r>
+              <a:rPr lang="ko-KR" altLang="en-US" sz="1000" dirty="0" smtClean="0">
+                <a:solidFill>
+                  <a:schemeClr val="bg1">
+                    <a:lumMod val="95000"/>
+                  </a:schemeClr>
+                </a:solidFill>
+                <a:latin typeface="배스킨라빈스 R" panose="02020603020101020101" pitchFamily="18" charset="-127"/>
+                <a:ea typeface="배스킨라빈스 R" panose="02020603020101020101" pitchFamily="18" charset="-127"/>
+              </a:rPr>
+              <a:t>레디</a:t>
+            </a:r>
+            <a:endParaRPr lang="en-US" altLang="ko-KR" sz="1000" dirty="0" smtClean="0">
+              <a:solidFill>
+                <a:schemeClr val="bg1">
+                  <a:lumMod val="95000"/>
+                </a:schemeClr>
+              </a:solidFill>
+              <a:latin typeface="배스킨라빈스 R" panose="02020603020101020101" pitchFamily="18" charset="-127"/>
+              <a:ea typeface="배스킨라빈스 R" panose="02020603020101020101" pitchFamily="18" charset="-127"/>
+            </a:endParaRPr>
+          </a:p>
+          <a:p>
+            <a:r>
+              <a:rPr lang="en-US" altLang="ko-KR" sz="1000" dirty="0" smtClean="0">
+                <a:solidFill>
+                  <a:schemeClr val="bg1">
+                    <a:lumMod val="95000"/>
+                  </a:schemeClr>
+                </a:solidFill>
+                <a:latin typeface="배스킨라빈스 R" panose="02020603020101020101" pitchFamily="18" charset="-127"/>
+                <a:ea typeface="배스킨라빈스 R" panose="02020603020101020101" pitchFamily="18" charset="-127"/>
+              </a:rPr>
+              <a:t>-</a:t>
+            </a:r>
+            <a:r>
+              <a:rPr lang="ko-KR" altLang="en-US" sz="1000" dirty="0">
+                <a:solidFill>
+                  <a:schemeClr val="bg1">
+                    <a:lumMod val="95000"/>
+                  </a:schemeClr>
+                </a:solidFill>
+                <a:latin typeface="배스킨라빈스 R" panose="02020603020101020101" pitchFamily="18" charset="-127"/>
+                <a:ea typeface="배스킨라빈스 R" panose="02020603020101020101" pitchFamily="18" charset="-127"/>
+              </a:rPr>
+              <a:t>캐릭터 </a:t>
+            </a:r>
+            <a:r>
+              <a:rPr lang="ko-KR" altLang="en-US" sz="1000" dirty="0" smtClean="0">
+                <a:solidFill>
+                  <a:schemeClr val="bg1">
+                    <a:lumMod val="95000"/>
+                  </a:schemeClr>
+                </a:solidFill>
+                <a:latin typeface="배스킨라빈스 R" panose="02020603020101020101" pitchFamily="18" charset="-127"/>
+                <a:ea typeface="배스킨라빈스 R" panose="02020603020101020101" pitchFamily="18" charset="-127"/>
+              </a:rPr>
+              <a:t>선택</a:t>
+            </a:r>
+            <a:r>
+              <a:rPr lang="en-US" altLang="ko-KR" sz="1000" dirty="0">
+                <a:solidFill>
+                  <a:schemeClr val="bg1">
+                    <a:lumMod val="95000"/>
+                  </a:schemeClr>
+                </a:solidFill>
+                <a:latin typeface="배스킨라빈스 R" panose="02020603020101020101" pitchFamily="18" charset="-127"/>
+                <a:ea typeface="배스킨라빈스 R" panose="02020603020101020101" pitchFamily="18" charset="-127"/>
+              </a:rPr>
+              <a:t> </a:t>
+            </a:r>
+            <a:r>
+              <a:rPr lang="ko-KR" altLang="en-US" sz="1000" dirty="0" smtClean="0">
+                <a:solidFill>
+                  <a:schemeClr val="bg1">
+                    <a:lumMod val="95000"/>
+                  </a:schemeClr>
+                </a:solidFill>
+                <a:latin typeface="배스킨라빈스 R" panose="02020603020101020101" pitchFamily="18" charset="-127"/>
+                <a:ea typeface="배스킨라빈스 R" panose="02020603020101020101" pitchFamily="18" charset="-127"/>
+              </a:rPr>
+              <a:t>등 처리</a:t>
+            </a:r>
+            <a:r>
+              <a:rPr lang="en-US" altLang="ko-KR" sz="1000" dirty="0" smtClean="0">
+                <a:solidFill>
+                  <a:schemeClr val="bg1">
+                    <a:lumMod val="95000"/>
+                  </a:schemeClr>
+                </a:solidFill>
+                <a:latin typeface="배스킨라빈스 R" panose="02020603020101020101" pitchFamily="18" charset="-127"/>
+                <a:ea typeface="배스킨라빈스 R" panose="02020603020101020101" pitchFamily="18" charset="-127"/>
+              </a:rPr>
+              <a:t>..</a:t>
+            </a:r>
+          </a:p>
+          <a:p>
+            <a:r>
+              <a:rPr lang="en-US" altLang="ko-KR" sz="1000" dirty="0" smtClean="0">
+                <a:solidFill>
+                  <a:schemeClr val="bg1">
+                    <a:lumMod val="95000"/>
+                  </a:schemeClr>
+                </a:solidFill>
+                <a:latin typeface="배스킨라빈스 R" panose="02020603020101020101" pitchFamily="18" charset="-127"/>
+                <a:ea typeface="배스킨라빈스 R" panose="02020603020101020101" pitchFamily="18" charset="-127"/>
+              </a:rPr>
+              <a:t>( Ready </a:t>
+            </a:r>
+            <a:r>
+              <a:rPr lang="ko-KR" altLang="en-US" sz="1000" dirty="0" smtClean="0">
+                <a:solidFill>
+                  <a:schemeClr val="bg1">
+                    <a:lumMod val="95000"/>
+                  </a:schemeClr>
+                </a:solidFill>
+                <a:latin typeface="배스킨라빈스 R" panose="02020603020101020101" pitchFamily="18" charset="-127"/>
+                <a:ea typeface="배스킨라빈스 R" panose="02020603020101020101" pitchFamily="18" charset="-127"/>
+              </a:rPr>
+              <a:t>하면 해당 캐릭터 중복 선택 </a:t>
+            </a:r>
+            <a:r>
+              <a:rPr lang="en-US" altLang="ko-KR" sz="1000" dirty="0" smtClean="0">
+                <a:solidFill>
+                  <a:schemeClr val="bg1">
+                    <a:lumMod val="95000"/>
+                  </a:schemeClr>
+                </a:solidFill>
+                <a:latin typeface="배스킨라빈스 R" panose="02020603020101020101" pitchFamily="18" charset="-127"/>
+                <a:ea typeface="배스킨라빈스 R" panose="02020603020101020101" pitchFamily="18" charset="-127"/>
+              </a:rPr>
+              <a:t>X)</a:t>
+            </a:r>
+          </a:p>
+        </p:txBody>
+      </p:sp>
+      <p:sp>
+        <p:nvSpPr>
+          <p:cNvPr id="15" name="TextBox 14"/>
+          <p:cNvSpPr txBox="1"/>
+          <p:nvPr/>
+        </p:nvSpPr>
+        <p:spPr>
+          <a:xfrm>
+            <a:off x="8919629" y="5835570"/>
+            <a:ext cx="1566807" cy="830997"/>
+          </a:xfrm>
+          <a:prstGeom prst="rect">
+            <a:avLst/>
+          </a:prstGeom>
+          <a:noFill/>
+        </p:spPr>
+        <p:txBody>
+          <a:bodyPr wrap="square" rtlCol="0">
+            <a:spAutoFit/>
+          </a:bodyPr>
+          <a:lstStyle/>
+          <a:p>
+            <a:r>
+              <a:rPr lang="ko-KR" altLang="en-US" dirty="0" smtClean="0">
+                <a:solidFill>
+                  <a:schemeClr val="bg1">
+                    <a:lumMod val="95000"/>
+                  </a:schemeClr>
+                </a:solidFill>
+                <a:latin typeface="배스킨라빈스 R" panose="02020603020101020101" pitchFamily="18" charset="-127"/>
+                <a:ea typeface="배스킨라빈스 R" panose="02020603020101020101" pitchFamily="18" charset="-127"/>
+              </a:rPr>
+              <a:t>게임 기능</a:t>
+            </a:r>
+            <a:endParaRPr lang="en-US" altLang="ko-KR" dirty="0" smtClean="0">
+              <a:solidFill>
+                <a:schemeClr val="bg1">
+                  <a:lumMod val="95000"/>
+                </a:schemeClr>
+              </a:solidFill>
+              <a:latin typeface="배스킨라빈스 R" panose="02020603020101020101" pitchFamily="18" charset="-127"/>
+              <a:ea typeface="배스킨라빈스 R" panose="02020603020101020101" pitchFamily="18" charset="-127"/>
+            </a:endParaRPr>
+          </a:p>
+          <a:p>
+            <a:pPr marL="171450" indent="-171450">
+              <a:buFontTx/>
+              <a:buChar char="-"/>
+            </a:pPr>
+            <a:r>
+              <a:rPr lang="ko-KR" altLang="en-US" sz="1000" dirty="0" smtClean="0">
+                <a:solidFill>
+                  <a:schemeClr val="bg1">
+                    <a:lumMod val="95000"/>
+                  </a:schemeClr>
+                </a:solidFill>
+                <a:latin typeface="배스킨라빈스 R" panose="02020603020101020101" pitchFamily="18" charset="-127"/>
+                <a:ea typeface="배스킨라빈스 R" panose="02020603020101020101" pitchFamily="18" charset="-127"/>
+              </a:rPr>
+              <a:t>로딩에 필요한 정보 </a:t>
+            </a:r>
+            <a:endParaRPr lang="en-US" altLang="ko-KR" sz="1000" dirty="0" smtClean="0">
+              <a:solidFill>
+                <a:schemeClr val="bg1">
+                  <a:lumMod val="95000"/>
+                </a:schemeClr>
+              </a:solidFill>
+              <a:latin typeface="배스킨라빈스 R" panose="02020603020101020101" pitchFamily="18" charset="-127"/>
+              <a:ea typeface="배스킨라빈스 R" panose="02020603020101020101" pitchFamily="18" charset="-127"/>
+            </a:endParaRPr>
+          </a:p>
+          <a:p>
+            <a:r>
+              <a:rPr lang="en-US" altLang="ko-KR" sz="1000" dirty="0">
+                <a:solidFill>
+                  <a:schemeClr val="bg1">
+                    <a:lumMod val="95000"/>
+                  </a:schemeClr>
+                </a:solidFill>
+                <a:latin typeface="배스킨라빈스 R" panose="02020603020101020101" pitchFamily="18" charset="-127"/>
+                <a:ea typeface="배스킨라빈스 R" panose="02020603020101020101" pitchFamily="18" charset="-127"/>
+              </a:rPr>
+              <a:t> </a:t>
+            </a:r>
+            <a:r>
+              <a:rPr lang="en-US" altLang="ko-KR" sz="1000" dirty="0" smtClean="0">
+                <a:solidFill>
+                  <a:schemeClr val="bg1">
+                    <a:lumMod val="95000"/>
+                  </a:schemeClr>
+                </a:solidFill>
+                <a:latin typeface="배스킨라빈스 R" panose="02020603020101020101" pitchFamily="18" charset="-127"/>
+                <a:ea typeface="배스킨라빈스 R" panose="02020603020101020101" pitchFamily="18" charset="-127"/>
+              </a:rPr>
+              <a:t>   </a:t>
+            </a:r>
+            <a:r>
+              <a:rPr lang="ko-KR" altLang="en-US" sz="1000" dirty="0" smtClean="0">
+                <a:solidFill>
+                  <a:schemeClr val="bg1">
+                    <a:lumMod val="95000"/>
+                  </a:schemeClr>
+                </a:solidFill>
+                <a:latin typeface="배스킨라빈스 R" panose="02020603020101020101" pitchFamily="18" charset="-127"/>
+                <a:ea typeface="배스킨라빈스 R" panose="02020603020101020101" pitchFamily="18" charset="-127"/>
+              </a:rPr>
+              <a:t>서버</a:t>
+            </a:r>
+            <a:r>
+              <a:rPr lang="en-US" altLang="ko-KR" sz="1000" dirty="0" smtClean="0">
+                <a:solidFill>
+                  <a:schemeClr val="bg1">
+                    <a:lumMod val="95000"/>
+                  </a:schemeClr>
+                </a:solidFill>
+                <a:latin typeface="배스킨라빈스 R" panose="02020603020101020101" pitchFamily="18" charset="-127"/>
+                <a:ea typeface="배스킨라빈스 R" panose="02020603020101020101" pitchFamily="18" charset="-127"/>
+              </a:rPr>
+              <a:t>-</a:t>
+            </a:r>
+            <a:r>
+              <a:rPr lang="ko-KR" altLang="en-US" sz="1000" dirty="0" smtClean="0">
+                <a:solidFill>
+                  <a:schemeClr val="bg1">
+                    <a:lumMod val="95000"/>
+                  </a:schemeClr>
+                </a:solidFill>
+                <a:latin typeface="배스킨라빈스 R" panose="02020603020101020101" pitchFamily="18" charset="-127"/>
+                <a:ea typeface="배스킨라빈스 R" panose="02020603020101020101" pitchFamily="18" charset="-127"/>
+              </a:rPr>
+              <a:t>클라 간의 교환</a:t>
+            </a:r>
+            <a:r>
+              <a:rPr lang="en-US" altLang="ko-KR" sz="1000" dirty="0">
+                <a:solidFill>
+                  <a:schemeClr val="bg1">
+                    <a:lumMod val="95000"/>
+                  </a:schemeClr>
+                </a:solidFill>
+                <a:latin typeface="배스킨라빈스 R" panose="02020603020101020101" pitchFamily="18" charset="-127"/>
+                <a:ea typeface="배스킨라빈스 R" panose="02020603020101020101" pitchFamily="18" charset="-127"/>
+              </a:rPr>
+              <a:t> </a:t>
+            </a:r>
+            <a:r>
+              <a:rPr lang="ko-KR" altLang="en-US" sz="1000" dirty="0" smtClean="0">
+                <a:solidFill>
+                  <a:schemeClr val="bg1">
+                    <a:lumMod val="95000"/>
+                  </a:schemeClr>
+                </a:solidFill>
+                <a:latin typeface="배스킨라빈스 R" panose="02020603020101020101" pitchFamily="18" charset="-127"/>
+                <a:ea typeface="배스킨라빈스 R" panose="02020603020101020101" pitchFamily="18" charset="-127"/>
+              </a:rPr>
+              <a:t>및</a:t>
+            </a:r>
+            <a:endParaRPr lang="en-US" altLang="ko-KR" sz="1000" dirty="0" smtClean="0">
+              <a:solidFill>
+                <a:schemeClr val="bg1">
+                  <a:lumMod val="95000"/>
+                </a:schemeClr>
+              </a:solidFill>
+              <a:latin typeface="배스킨라빈스 R" panose="02020603020101020101" pitchFamily="18" charset="-127"/>
+              <a:ea typeface="배스킨라빈스 R" panose="02020603020101020101" pitchFamily="18" charset="-127"/>
+            </a:endParaRPr>
+          </a:p>
+          <a:p>
+            <a:r>
+              <a:rPr lang="ko-KR" altLang="en-US" sz="1000" dirty="0" smtClean="0">
+                <a:solidFill>
+                  <a:schemeClr val="bg1">
+                    <a:lumMod val="95000"/>
+                  </a:schemeClr>
+                </a:solidFill>
+                <a:latin typeface="배스킨라빈스 R" panose="02020603020101020101" pitchFamily="18" charset="-127"/>
+                <a:ea typeface="배스킨라빈스 R" panose="02020603020101020101" pitchFamily="18" charset="-127"/>
+              </a:rPr>
+              <a:t>    데이터 설정</a:t>
+            </a:r>
+            <a:r>
+              <a:rPr lang="en-US" altLang="ko-KR" sz="1000" dirty="0" smtClean="0">
+                <a:solidFill>
+                  <a:schemeClr val="bg1">
+                    <a:lumMod val="95000"/>
+                  </a:schemeClr>
+                </a:solidFill>
+                <a:latin typeface="배스킨라빈스 R" panose="02020603020101020101" pitchFamily="18" charset="-127"/>
+                <a:ea typeface="배스킨라빈스 R" panose="02020603020101020101" pitchFamily="18" charset="-127"/>
+              </a:rPr>
+              <a:t>.</a:t>
+            </a:r>
+          </a:p>
+        </p:txBody>
+      </p:sp>
+    </p:spTree>
+    <p:extLst>
+      <p:ext uri="{BB962C8B-B14F-4D97-AF65-F5344CB8AC3E}">
+        <p14:creationId xmlns:p14="http://schemas.microsoft.com/office/powerpoint/2010/main" val="2507678852"/>
+      </p:ext>
+    </p:extLst>
+  </p:cSld>
+  <p:clrMapOvr>
+    <a:masterClrMapping/>
+  </p:clrMapOvr>
+  <p:timing>
+    <p:tnLst>
+      <p:par>
+        <p:cTn id="1" dur="indefinite" restart="never" nodeType="tmRoot"/>
+      </p:par>
+    </p:tnLst>
+  </p:timing>
+</p:sld>
+</file>
+
+<file path=ppt/slides/slide18.xml><?xml version="1.0" encoding="utf-8"?>
+<p:sld xmlns:a="http://schemas.openxmlformats.org/drawingml/2006/main" xmlns:r="http://schemas.openxmlformats.org/officeDocument/2006/relationships" xmlns:p="http://schemas.openxmlformats.org/presentationml/2006/main">
+  <p:cSld>
+    <p:bg>
+      <p:bgPr>
+        <a:solidFill>
+          <a:schemeClr val="tx1">
+            <a:lumMod val="75000"/>
+            <a:lumOff val="25000"/>
+          </a:schemeClr>
+        </a:solidFill>
+        <a:effectLst/>
+      </p:bgPr>
+    </p:bg>
+    <p:spTree>
+      <p:nvGrpSpPr>
+        <p:cNvPr id="1" name=""/>
+        <p:cNvGrpSpPr/>
+        <p:nvPr/>
+      </p:nvGrpSpPr>
+      <p:grpSpPr>
+        <a:xfrm>
+          <a:off x="0" y="0"/>
+          <a:ext cx="0" cy="0"/>
+          <a:chOff x="0" y="0"/>
+          <a:chExt cx="0" cy="0"/>
+        </a:xfrm>
+      </p:grpSpPr>
+      <p:sp>
+        <p:nvSpPr>
+          <p:cNvPr id="4" name="직사각형 3"/>
+          <p:cNvSpPr/>
+          <p:nvPr/>
+        </p:nvSpPr>
+        <p:spPr>
+          <a:xfrm>
+            <a:off x="3092335" y="0"/>
+            <a:ext cx="9099665" cy="6858000"/>
+          </a:xfrm>
+          <a:prstGeom prst="rect">
+            <a:avLst/>
+          </a:prstGeom>
+          <a:solidFill>
+            <a:schemeClr val="bg1">
+              <a:lumMod val="85000"/>
+            </a:schemeClr>
+          </a:solidFill>
+          <a:ln>
+            <a:solidFill>
+              <a:schemeClr val="bg1">
+                <a:lumMod val="85000"/>
+              </a:schemeClr>
+            </a:solidFill>
+          </a:ln>
+        </p:spPr>
+        <p:style>
+          <a:lnRef idx="2">
+            <a:schemeClr val="accent1">
+              <a:shade val="50000"/>
+            </a:schemeClr>
+          </a:lnRef>
+          <a:fillRef idx="1">
+            <a:schemeClr val="accent1"/>
+          </a:fillRef>
+          <a:effectRef idx="0">
+            <a:schemeClr val="accent1"/>
+          </a:effectRef>
+          <a:fontRef idx="minor">
+            <a:schemeClr val="lt1"/>
+          </a:fontRef>
+        </p:style>
+        <p:txBody>
+          <a:bodyPr rtlCol="0" anchor="ctr"/>
+          <a:lstStyle/>
+          <a:p>
+            <a:pPr algn="ctr"/>
+            <a:endParaRPr lang="ko-KR" altLang="en-US" dirty="0"/>
+          </a:p>
+        </p:txBody>
+      </p:sp>
+      <p:cxnSp>
+        <p:nvCxnSpPr>
+          <p:cNvPr id="7" name="직선 연결선 6"/>
+          <p:cNvCxnSpPr/>
+          <p:nvPr/>
+        </p:nvCxnSpPr>
+        <p:spPr>
+          <a:xfrm flipV="1">
+            <a:off x="465513" y="897775"/>
+            <a:ext cx="2626822" cy="16625"/>
+          </a:xfrm>
+          <a:prstGeom prst="line">
+            <a:avLst/>
+          </a:prstGeom>
+          <a:ln w="41275">
+            <a:solidFill>
+              <a:schemeClr val="bg1">
+                <a:lumMod val="75000"/>
+              </a:schemeClr>
+            </a:solidFill>
+          </a:ln>
+        </p:spPr>
+        <p:style>
+          <a:lnRef idx="1">
+            <a:schemeClr val="accent1"/>
+          </a:lnRef>
+          <a:fillRef idx="0">
+            <a:schemeClr val="accent1"/>
+          </a:fillRef>
+          <a:effectRef idx="0">
+            <a:schemeClr val="accent1"/>
+          </a:effectRef>
+          <a:fontRef idx="minor">
+            <a:schemeClr val="tx1"/>
+          </a:fontRef>
+        </p:style>
+      </p:cxnSp>
+      <p:sp>
+        <p:nvSpPr>
+          <p:cNvPr id="9" name="TextBox 8"/>
+          <p:cNvSpPr txBox="1"/>
+          <p:nvPr/>
+        </p:nvSpPr>
+        <p:spPr>
+          <a:xfrm>
+            <a:off x="368666" y="313000"/>
+            <a:ext cx="2810385" cy="584775"/>
+          </a:xfrm>
+          <a:prstGeom prst="rect">
+            <a:avLst/>
+          </a:prstGeom>
+          <a:noFill/>
+        </p:spPr>
+        <p:txBody>
+          <a:bodyPr wrap="none" rtlCol="0">
+            <a:spAutoFit/>
+          </a:bodyPr>
+          <a:lstStyle/>
+          <a:p>
+            <a:r>
+              <a:rPr lang="ko-KR" altLang="en-US" sz="3200" dirty="0" smtClean="0">
+                <a:solidFill>
+                  <a:schemeClr val="bg1"/>
+                </a:solidFill>
+                <a:latin typeface="배스킨라빈스 R" panose="02020603020101020101" pitchFamily="18" charset="-127"/>
+                <a:ea typeface="배스킨라빈스 R" panose="02020603020101020101" pitchFamily="18" charset="-127"/>
+              </a:rPr>
+              <a:t>팀 프로젝트 참여</a:t>
+            </a:r>
+            <a:endParaRPr lang="en-US" altLang="ko-KR" sz="3200" dirty="0" smtClean="0">
+              <a:solidFill>
+                <a:schemeClr val="bg1"/>
+              </a:solidFill>
+              <a:latin typeface="배스킨라빈스 R" panose="02020603020101020101" pitchFamily="18" charset="-127"/>
+              <a:ea typeface="배스킨라빈스 R" panose="02020603020101020101" pitchFamily="18" charset="-127"/>
+            </a:endParaRPr>
+          </a:p>
+        </p:txBody>
+      </p:sp>
+      <p:sp>
+        <p:nvSpPr>
+          <p:cNvPr id="8" name="TextBox 7"/>
+          <p:cNvSpPr txBox="1"/>
+          <p:nvPr/>
+        </p:nvSpPr>
+        <p:spPr>
+          <a:xfrm>
+            <a:off x="99688" y="2668583"/>
+            <a:ext cx="2992646" cy="3693319"/>
+          </a:xfrm>
+          <a:prstGeom prst="rect">
+            <a:avLst/>
+          </a:prstGeom>
+          <a:noFill/>
+        </p:spPr>
+        <p:txBody>
+          <a:bodyPr wrap="square" rtlCol="0">
+            <a:spAutoFit/>
+          </a:bodyPr>
+          <a:lstStyle/>
+          <a:p>
+            <a:r>
+              <a:rPr lang="en-US" altLang="ko-KR" dirty="0">
+                <a:solidFill>
+                  <a:schemeClr val="accent2">
+                    <a:lumMod val="75000"/>
+                  </a:schemeClr>
+                </a:solidFill>
+                <a:latin typeface="배스킨라빈스 R" panose="02020603020101020101" pitchFamily="18" charset="-127"/>
+                <a:ea typeface="배스킨라빈스 R" panose="02020603020101020101" pitchFamily="18" charset="-127"/>
+              </a:rPr>
+              <a:t>Roka0105</a:t>
+            </a:r>
+          </a:p>
+          <a:p>
+            <a:pPr algn="r"/>
+            <a:endParaRPr lang="en-US" altLang="ko-KR" dirty="0" smtClean="0">
+              <a:solidFill>
+                <a:schemeClr val="bg1"/>
+              </a:solidFill>
+              <a:latin typeface="배스킨라빈스 R" panose="02020603020101020101" pitchFamily="18" charset="-127"/>
+              <a:ea typeface="배스킨라빈스 R" panose="02020603020101020101" pitchFamily="18" charset="-127"/>
+            </a:endParaRPr>
+          </a:p>
+          <a:p>
+            <a:r>
+              <a:rPr lang="ko-KR" altLang="en-US" dirty="0" smtClean="0">
+                <a:solidFill>
+                  <a:schemeClr val="bg1"/>
+                </a:solidFill>
+                <a:latin typeface="배스킨라빈스 R" panose="02020603020101020101" pitchFamily="18" charset="-127"/>
+                <a:ea typeface="배스킨라빈스 R" panose="02020603020101020101" pitchFamily="18" charset="-127"/>
+              </a:rPr>
+              <a:t>분배된 역할에 </a:t>
+            </a:r>
+            <a:r>
+              <a:rPr lang="ko-KR" altLang="en-US" dirty="0">
+                <a:solidFill>
+                  <a:schemeClr val="bg1"/>
+                </a:solidFill>
+                <a:latin typeface="배스킨라빈스 R" panose="02020603020101020101" pitchFamily="18" charset="-127"/>
+                <a:ea typeface="배스킨라빈스 R" panose="02020603020101020101" pitchFamily="18" charset="-127"/>
+              </a:rPr>
+              <a:t>맞</a:t>
+            </a:r>
+            <a:r>
+              <a:rPr lang="ko-KR" altLang="en-US" dirty="0" smtClean="0">
+                <a:solidFill>
+                  <a:schemeClr val="bg1"/>
+                </a:solidFill>
+                <a:latin typeface="배스킨라빈스 R" panose="02020603020101020101" pitchFamily="18" charset="-127"/>
+                <a:ea typeface="배스킨라빈스 R" panose="02020603020101020101" pitchFamily="18" charset="-127"/>
+              </a:rPr>
+              <a:t>게 </a:t>
+            </a:r>
+            <a:endParaRPr lang="en-US" altLang="ko-KR" dirty="0" smtClean="0">
+              <a:solidFill>
+                <a:schemeClr val="bg1"/>
+              </a:solidFill>
+              <a:latin typeface="배스킨라빈스 R" panose="02020603020101020101" pitchFamily="18" charset="-127"/>
+              <a:ea typeface="배스킨라빈스 R" panose="02020603020101020101" pitchFamily="18" charset="-127"/>
+            </a:endParaRPr>
+          </a:p>
+          <a:p>
+            <a:r>
+              <a:rPr lang="ko-KR" altLang="en-US" dirty="0" smtClean="0">
+                <a:solidFill>
+                  <a:schemeClr val="bg1"/>
+                </a:solidFill>
+                <a:latin typeface="배스킨라빈스 R" panose="02020603020101020101" pitchFamily="18" charset="-127"/>
+                <a:ea typeface="배스킨라빈스 R" panose="02020603020101020101" pitchFamily="18" charset="-127"/>
+              </a:rPr>
+              <a:t>기능을 구현하며 팀원들과 협업</a:t>
+            </a:r>
+            <a:r>
+              <a:rPr lang="en-US" altLang="ko-KR" dirty="0" smtClean="0">
+                <a:solidFill>
+                  <a:schemeClr val="bg1"/>
+                </a:solidFill>
+                <a:latin typeface="배스킨라빈스 R" panose="02020603020101020101" pitchFamily="18" charset="-127"/>
+                <a:ea typeface="배스킨라빈스 R" panose="02020603020101020101" pitchFamily="18" charset="-127"/>
+              </a:rPr>
+              <a:t>.</a:t>
+            </a:r>
+          </a:p>
+          <a:p>
+            <a:endParaRPr lang="en-US" altLang="ko-KR" dirty="0">
+              <a:solidFill>
+                <a:schemeClr val="bg1"/>
+              </a:solidFill>
+              <a:latin typeface="배스킨라빈스 R" panose="02020603020101020101" pitchFamily="18" charset="-127"/>
+              <a:ea typeface="배스킨라빈스 R" panose="02020603020101020101" pitchFamily="18" charset="-127"/>
+            </a:endParaRPr>
+          </a:p>
+          <a:p>
+            <a:r>
+              <a:rPr lang="ko-KR" altLang="en-US" dirty="0" smtClean="0">
+                <a:solidFill>
+                  <a:schemeClr val="bg1"/>
+                </a:solidFill>
+                <a:latin typeface="배스킨라빈스 R" panose="02020603020101020101" pitchFamily="18" charset="-127"/>
+                <a:ea typeface="배스킨라빈스 R" panose="02020603020101020101" pitchFamily="18" charset="-127"/>
+              </a:rPr>
+              <a:t>서로 필요한 사항이 발생 시 </a:t>
+            </a:r>
+            <a:endParaRPr lang="en-US" altLang="ko-KR" dirty="0" smtClean="0">
+              <a:solidFill>
+                <a:schemeClr val="bg1"/>
+              </a:solidFill>
+              <a:latin typeface="배스킨라빈스 R" panose="02020603020101020101" pitchFamily="18" charset="-127"/>
+              <a:ea typeface="배스킨라빈스 R" panose="02020603020101020101" pitchFamily="18" charset="-127"/>
+            </a:endParaRPr>
+          </a:p>
+          <a:p>
+            <a:r>
+              <a:rPr lang="ko-KR" altLang="en-US" dirty="0" smtClean="0">
+                <a:solidFill>
+                  <a:schemeClr val="bg1"/>
+                </a:solidFill>
+                <a:latin typeface="배스킨라빈스 R" panose="02020603020101020101" pitchFamily="18" charset="-127"/>
+                <a:ea typeface="배스킨라빈스 R" panose="02020603020101020101" pitchFamily="18" charset="-127"/>
+              </a:rPr>
+              <a:t>소통을 통해 조율 및 해결</a:t>
+            </a:r>
+            <a:r>
+              <a:rPr lang="en-US" altLang="ko-KR" dirty="0" smtClean="0">
+                <a:solidFill>
+                  <a:schemeClr val="bg1"/>
+                </a:solidFill>
+                <a:latin typeface="배스킨라빈스 R" panose="02020603020101020101" pitchFamily="18" charset="-127"/>
+                <a:ea typeface="배스킨라빈스 R" panose="02020603020101020101" pitchFamily="18" charset="-127"/>
+              </a:rPr>
+              <a:t>.</a:t>
+            </a:r>
+          </a:p>
+          <a:p>
+            <a:endParaRPr lang="en-US" altLang="ko-KR" dirty="0">
+              <a:solidFill>
+                <a:schemeClr val="bg1"/>
+              </a:solidFill>
+              <a:latin typeface="배스킨라빈스 R" panose="02020603020101020101" pitchFamily="18" charset="-127"/>
+              <a:ea typeface="배스킨라빈스 R" panose="02020603020101020101" pitchFamily="18" charset="-127"/>
+            </a:endParaRPr>
+          </a:p>
+          <a:p>
+            <a:endParaRPr lang="en-US" altLang="ko-KR" dirty="0" smtClean="0">
+              <a:solidFill>
+                <a:schemeClr val="bg1"/>
+              </a:solidFill>
+              <a:latin typeface="배스킨라빈스 R" panose="02020603020101020101" pitchFamily="18" charset="-127"/>
+              <a:ea typeface="배스킨라빈스 R" panose="02020603020101020101" pitchFamily="18" charset="-127"/>
+            </a:endParaRPr>
+          </a:p>
+          <a:p>
+            <a:pPr algn="r"/>
+            <a:endParaRPr lang="en-US" altLang="ko-KR" dirty="0">
+              <a:solidFill>
+                <a:schemeClr val="bg1"/>
+              </a:solidFill>
+              <a:latin typeface="배스킨라빈스 R" panose="02020603020101020101" pitchFamily="18" charset="-127"/>
+              <a:ea typeface="배스킨라빈스 R" panose="02020603020101020101" pitchFamily="18" charset="-127"/>
+            </a:endParaRPr>
+          </a:p>
+          <a:p>
+            <a:pPr algn="r"/>
+            <a:endParaRPr lang="en-US" altLang="ko-KR" dirty="0" smtClean="0">
+              <a:solidFill>
+                <a:schemeClr val="bg1"/>
+              </a:solidFill>
+              <a:latin typeface="배스킨라빈스 R" panose="02020603020101020101" pitchFamily="18" charset="-127"/>
+              <a:ea typeface="배스킨라빈스 R" panose="02020603020101020101" pitchFamily="18" charset="-127"/>
+            </a:endParaRPr>
+          </a:p>
+          <a:p>
+            <a:pPr algn="r"/>
+            <a:endParaRPr lang="en-US" altLang="ko-KR" dirty="0">
+              <a:solidFill>
+                <a:schemeClr val="bg1"/>
+              </a:solidFill>
+              <a:latin typeface="배스킨라빈스 R" panose="02020603020101020101" pitchFamily="18" charset="-127"/>
+              <a:ea typeface="배스킨라빈스 R" panose="02020603020101020101" pitchFamily="18" charset="-127"/>
+            </a:endParaRPr>
+          </a:p>
+          <a:p>
+            <a:pPr algn="r"/>
+            <a:r>
+              <a:rPr lang="ko-KR" altLang="en-US" dirty="0" smtClean="0">
+                <a:solidFill>
+                  <a:schemeClr val="bg1"/>
+                </a:solidFill>
+                <a:latin typeface="배스킨라빈스 R" panose="02020603020101020101" pitchFamily="18" charset="-127"/>
+                <a:ea typeface="배스킨라빈스 R" panose="02020603020101020101" pitchFamily="18" charset="-127"/>
+              </a:rPr>
+              <a:t> </a:t>
+            </a:r>
+            <a:endParaRPr lang="en-US" altLang="ko-KR" dirty="0" smtClean="0">
+              <a:solidFill>
+                <a:schemeClr val="bg1"/>
+              </a:solidFill>
+              <a:latin typeface="배스킨라빈스 R" panose="02020603020101020101" pitchFamily="18" charset="-127"/>
+              <a:ea typeface="배스킨라빈스 R" panose="02020603020101020101" pitchFamily="18" charset="-127"/>
+            </a:endParaRPr>
+          </a:p>
+        </p:txBody>
+      </p:sp>
+      <p:pic>
+        <p:nvPicPr>
+          <p:cNvPr id="2" name="그림 1"/>
+          <p:cNvPicPr>
+            <a:picLocks noChangeAspect="1"/>
+          </p:cNvPicPr>
+          <p:nvPr/>
+        </p:nvPicPr>
+        <p:blipFill>
+          <a:blip r:embed="rId2"/>
+          <a:stretch>
+            <a:fillRect/>
+          </a:stretch>
+        </p:blipFill>
+        <p:spPr>
+          <a:xfrm>
+            <a:off x="3234189" y="914400"/>
+            <a:ext cx="8815956" cy="5146370"/>
+          </a:xfrm>
+          <a:prstGeom prst="rect">
+            <a:avLst/>
+          </a:prstGeom>
+        </p:spPr>
+      </p:pic>
+    </p:spTree>
+    <p:extLst>
+      <p:ext uri="{BB962C8B-B14F-4D97-AF65-F5344CB8AC3E}">
+        <p14:creationId xmlns:p14="http://schemas.microsoft.com/office/powerpoint/2010/main" val="3690548346"/>
+      </p:ext>
+    </p:extLst>
+  </p:cSld>
+  <p:clrMapOvr>
+    <a:masterClrMapping/>
+  </p:clrMapOvr>
+  <p:timing>
+    <p:tnLst>
+      <p:par>
+        <p:cTn id="1" dur="indefinite" restart="never" nodeType="tmRoot"/>
+      </p:par>
+    </p:tnLst>
+  </p:timing>
+</p:sld>
+</file>
+
+<file path=ppt/slides/slide19.xml><?xml version="1.0" encoding="utf-8"?>
+<p:sld xmlns:a="http://schemas.openxmlformats.org/drawingml/2006/main" xmlns:r="http://schemas.openxmlformats.org/officeDocument/2006/relationships" xmlns:p="http://schemas.openxmlformats.org/presentationml/2006/main">
+  <p:cSld>
+    <p:bg>
+      <p:bgPr>
+        <a:solidFill>
+          <a:schemeClr val="tx1">
+            <a:lumMod val="75000"/>
+            <a:lumOff val="25000"/>
+          </a:schemeClr>
+        </a:solidFill>
+        <a:effectLst/>
+      </p:bgPr>
+    </p:bg>
+    <p:spTree>
+      <p:nvGrpSpPr>
+        <p:cNvPr id="1" name=""/>
+        <p:cNvGrpSpPr/>
+        <p:nvPr/>
+      </p:nvGrpSpPr>
+      <p:grpSpPr>
+        <a:xfrm>
+          <a:off x="0" y="0"/>
+          <a:ext cx="0" cy="0"/>
+          <a:chOff x="0" y="0"/>
+          <a:chExt cx="0" cy="0"/>
+        </a:xfrm>
+      </p:grpSpPr>
+      <p:sp>
+        <p:nvSpPr>
+          <p:cNvPr id="2" name="제목 1"/>
+          <p:cNvSpPr>
+            <a:spLocks noGrp="1"/>
+          </p:cNvSpPr>
+          <p:nvPr>
+            <p:ph type="ctrTitle"/>
+          </p:nvPr>
+        </p:nvSpPr>
+        <p:spPr>
+          <a:xfrm>
+            <a:off x="1524000" y="1503363"/>
+            <a:ext cx="9144000" cy="2387600"/>
+          </a:xfrm>
+        </p:spPr>
+        <p:txBody>
+          <a:bodyPr/>
+          <a:lstStyle/>
+          <a:p>
+            <a:r>
+              <a:rPr lang="ko-KR" altLang="en-US" dirty="0" smtClean="0">
+                <a:solidFill>
+                  <a:schemeClr val="bg1"/>
+                </a:solidFill>
+                <a:latin typeface="SB 어그로 Medium" panose="02020603020101020101" pitchFamily="18" charset="-127"/>
+                <a:ea typeface="SB 어그로 Medium" panose="02020603020101020101" pitchFamily="18" charset="-127"/>
+              </a:rPr>
+              <a:t>감사합니다</a:t>
+            </a:r>
+            <a:r>
+              <a:rPr lang="en-US" altLang="ko-KR" dirty="0" smtClean="0">
+                <a:solidFill>
+                  <a:schemeClr val="bg1"/>
+                </a:solidFill>
+                <a:latin typeface="SB 어그로 Medium" panose="02020603020101020101" pitchFamily="18" charset="-127"/>
+                <a:ea typeface="SB 어그로 Medium" panose="02020603020101020101" pitchFamily="18" charset="-127"/>
+              </a:rPr>
+              <a:t>!</a:t>
+            </a:r>
+            <a:endParaRPr lang="ko-KR" altLang="en-US" dirty="0">
+              <a:solidFill>
+                <a:schemeClr val="bg1"/>
+              </a:solidFill>
+              <a:latin typeface="SB 어그로 Medium" panose="02020603020101020101" pitchFamily="18" charset="-127"/>
+              <a:ea typeface="SB 어그로 Medium" panose="02020603020101020101" pitchFamily="18" charset="-127"/>
+            </a:endParaRPr>
+          </a:p>
+        </p:txBody>
+      </p:sp>
+      <p:sp>
+        <p:nvSpPr>
+          <p:cNvPr id="4" name="직사각형 3"/>
+          <p:cNvSpPr/>
+          <p:nvPr/>
+        </p:nvSpPr>
+        <p:spPr>
+          <a:xfrm>
+            <a:off x="0" y="5704114"/>
+            <a:ext cx="12192000" cy="1153886"/>
+          </a:xfrm>
+          <a:prstGeom prst="rect">
+            <a:avLst/>
+          </a:prstGeom>
+          <a:solidFill>
+            <a:schemeClr val="bg1">
+              <a:lumMod val="85000"/>
+            </a:schemeClr>
+          </a:solidFill>
+          <a:ln>
+            <a:solidFill>
+              <a:schemeClr val="bg1">
+                <a:lumMod val="85000"/>
+              </a:schemeClr>
+            </a:solidFill>
+          </a:ln>
+        </p:spPr>
+        <p:style>
+          <a:lnRef idx="2">
+            <a:schemeClr val="accent1">
+              <a:shade val="50000"/>
+            </a:schemeClr>
+          </a:lnRef>
+          <a:fillRef idx="1">
+            <a:schemeClr val="accent1"/>
+          </a:fillRef>
+          <a:effectRef idx="0">
+            <a:schemeClr val="accent1"/>
+          </a:effectRef>
+          <a:fontRef idx="minor">
+            <a:schemeClr val="lt1"/>
+          </a:fontRef>
+        </p:style>
+        <p:txBody>
+          <a:bodyPr rtlCol="0" anchor="ctr"/>
+          <a:lstStyle/>
+          <a:p>
+            <a:pPr algn="ctr"/>
+            <a:endParaRPr lang="ko-KR" altLang="en-US"/>
+          </a:p>
+        </p:txBody>
+      </p:sp>
+    </p:spTree>
+    <p:extLst>
+      <p:ext uri="{BB962C8B-B14F-4D97-AF65-F5344CB8AC3E}">
+        <p14:creationId xmlns:p14="http://schemas.microsoft.com/office/powerpoint/2010/main" val="2855228617"/>
       </p:ext>
     </p:extLst>
   </p:cSld>
@@ -4518,7 +11099,7 @@
         </p:nvCxnSpPr>
         <p:spPr>
           <a:xfrm>
-            <a:off x="4882342" y="914400"/>
+            <a:off x="4882342" y="391886"/>
             <a:ext cx="5519650" cy="0"/>
           </a:xfrm>
           <a:prstGeom prst="line">
@@ -4594,7 +11175,7 @@
         </p:nvSpPr>
         <p:spPr>
           <a:xfrm>
-            <a:off x="6578135" y="3700183"/>
+            <a:off x="6578135" y="3006493"/>
             <a:ext cx="2765367" cy="553998"/>
           </a:xfrm>
           <a:prstGeom prst="rect">
@@ -4632,7 +11213,7 @@
         </p:nvSpPr>
         <p:spPr>
           <a:xfrm>
-            <a:off x="6578136" y="5184373"/>
+            <a:off x="6578135" y="4421848"/>
             <a:ext cx="2349731" cy="553998"/>
           </a:xfrm>
           <a:prstGeom prst="rect">
@@ -4670,7 +11251,7 @@
         </p:nvSpPr>
         <p:spPr>
           <a:xfrm>
-            <a:off x="6578135" y="3152001"/>
+            <a:off x="6578135" y="2395139"/>
             <a:ext cx="2349731" cy="553998"/>
           </a:xfrm>
           <a:prstGeom prst="rect">
@@ -4719,7 +11300,7 @@
         </p:nvSpPr>
         <p:spPr>
           <a:xfrm>
-            <a:off x="6578136" y="4257612"/>
+            <a:off x="6578136" y="3494069"/>
             <a:ext cx="3059084" cy="923330"/>
           </a:xfrm>
           <a:prstGeom prst="rect">
@@ -4826,7 +11407,7 @@
         </p:nvSpPr>
         <p:spPr>
           <a:xfrm>
-            <a:off x="6578136" y="1086340"/>
+            <a:off x="6578135" y="577835"/>
             <a:ext cx="2349731" cy="553998"/>
           </a:xfrm>
           <a:prstGeom prst="rect">
@@ -4868,7 +11449,7 @@
         </p:nvSpPr>
         <p:spPr>
           <a:xfrm>
-            <a:off x="6578136" y="1508027"/>
+            <a:off x="6578136" y="984729"/>
             <a:ext cx="3059084" cy="923330"/>
           </a:xfrm>
           <a:prstGeom prst="rect">
@@ -4996,7 +11577,7 @@
         </p:nvSpPr>
         <p:spPr>
           <a:xfrm>
-            <a:off x="6578135" y="2557709"/>
+            <a:off x="6578135" y="1864918"/>
             <a:ext cx="4278287" cy="553998"/>
           </a:xfrm>
           <a:prstGeom prst="rect">
@@ -5023,6 +11604,54 @@
               </a:rPr>
               <a:t>Map (Red Black Tree)</a:t>
             </a:r>
+          </a:p>
+        </p:txBody>
+      </p:sp>
+      <p:sp>
+        <p:nvSpPr>
+          <p:cNvPr id="20" name="TextBox 19"/>
+          <p:cNvSpPr txBox="1"/>
+          <p:nvPr/>
+        </p:nvSpPr>
+        <p:spPr>
+          <a:xfrm>
+            <a:off x="6578134" y="5117253"/>
+            <a:ext cx="2642066" cy="553998"/>
+          </a:xfrm>
+          <a:prstGeom prst="rect">
+            <a:avLst/>
+          </a:prstGeom>
+          <a:noFill/>
+        </p:spPr>
+        <p:txBody>
+          <a:bodyPr wrap="square" rtlCol="0">
+            <a:spAutoFit/>
+          </a:bodyPr>
+          <a:lstStyle/>
+          <a:p>
+            <a:r>
+              <a:rPr lang="ko-KR" altLang="en-US" sz="3000" smtClean="0">
+                <a:solidFill>
+                  <a:schemeClr val="tx1">
+                    <a:lumMod val="75000"/>
+                    <a:lumOff val="25000"/>
+                  </a:schemeClr>
+                </a:solidFill>
+                <a:latin typeface="배스킨라빈스 R" panose="02020603020101020101" pitchFamily="18" charset="-127"/>
+                <a:ea typeface="배스킨라빈스 R" panose="02020603020101020101" pitchFamily="18" charset="-127"/>
+              </a:rPr>
+              <a:t>팀 프로젝트 참여</a:t>
+            </a:r>
+            <a:endParaRPr lang="en-US" altLang="ko-KR" sz="3000" dirty="0" smtClean="0">
+              <a:solidFill>
+                <a:schemeClr val="tx1">
+                  <a:lumMod val="75000"/>
+                  <a:lumOff val="25000"/>
+                </a:schemeClr>
+              </a:solidFill>
+              <a:latin typeface="배스킨라빈스 R" panose="02020603020101020101" pitchFamily="18" charset="-127"/>
+              <a:ea typeface="배스킨라빈스 R" panose="02020603020101020101" pitchFamily="18" charset="-127"/>
+            </a:endParaRPr>
           </a:p>
         </p:txBody>
       </p:sp>
@@ -6388,8 +13017,9 @@
             <a:r>
               <a:rPr lang="en-US" altLang="ko-KR" dirty="0" err="1" smtClean="0">
                 <a:solidFill>
-                  <a:schemeClr val="bg1">
-                    <a:lumMod val="95000"/>
+                  <a:schemeClr val="accent4">
+                    <a:lumMod val="60000"/>
+                    <a:lumOff val="40000"/>
                   </a:schemeClr>
                 </a:solidFill>
                 <a:latin typeface="배스킨라빈스 R" panose="02020603020101020101" pitchFamily="18" charset="-127"/>
@@ -6400,8 +13030,9 @@
             <a:r>
               <a:rPr lang="en-US" altLang="ko-KR" dirty="0" smtClean="0">
                 <a:solidFill>
-                  <a:schemeClr val="bg1">
-                    <a:lumMod val="95000"/>
+                  <a:schemeClr val="accent4">
+                    <a:lumMod val="60000"/>
+                    <a:lumOff val="40000"/>
                   </a:schemeClr>
                 </a:solidFill>
                 <a:latin typeface="배스킨라빈스 R" panose="02020603020101020101" pitchFamily="18" charset="-127"/>

--- a/최예람 포트폴리오.pptx
+++ b/최예람 포트폴리오.pptx
@@ -36,20 +36,20 @@
   <p:notesSz cx="6858000" cy="9144000"/>
   <p:embeddedFontLst>
     <p:embeddedFont>
-      <p:font typeface="배스킨라빈스 B" panose="02020603020101020101" pitchFamily="18" charset="-127"/>
+      <p:font typeface="배스킨라빈스 R" panose="02020603020101020101" pitchFamily="18" charset="-127"/>
       <p:regular r:id="rId28"/>
     </p:embeddedFont>
     <p:embeddedFont>
-      <p:font typeface="맑은 고딕" panose="020B0503020000020004" pitchFamily="50" charset="-127"/>
+      <p:font typeface="SB 어그로 Medium" panose="02020603020101020101" pitchFamily="18" charset="-127"/>
       <p:regular r:id="rId29"/>
-      <p:bold r:id="rId30"/>
     </p:embeddedFont>
     <p:embeddedFont>
-      <p:font typeface="배스킨라빈스 R" panose="02020603020101020101" pitchFamily="18" charset="-127"/>
-      <p:regular r:id="rId31"/>
+      <p:font typeface="맑은 고딕" panose="020B0503020000020004" pitchFamily="50" charset="-127"/>
+      <p:regular r:id="rId30"/>
+      <p:bold r:id="rId31"/>
     </p:embeddedFont>
     <p:embeddedFont>
-      <p:font typeface="SB 어그로 Medium" panose="02020603020101020101" pitchFamily="18" charset="-127"/>
+      <p:font typeface="배스킨라빈스 B" panose="02020603020101020101" pitchFamily="18" charset="-127"/>
       <p:regular r:id="rId32"/>
     </p:embeddedFont>
   </p:embeddedFontLst>
@@ -287,7 +287,7 @@
           <a:p>
             <a:fld id="{B2A5FC70-7B36-45E3-95FD-37F18891D2C1}" type="datetimeFigureOut">
               <a:rPr lang="ko-KR" altLang="en-US" smtClean="0"/>
-              <a:t>2022-09-21</a:t>
+              <a:t>2022-09-28</a:t>
             </a:fld>
             <a:endParaRPr lang="ko-KR" altLang="en-US"/>
           </a:p>
@@ -457,7 +457,7 @@
           <a:p>
             <a:fld id="{B2A5FC70-7B36-45E3-95FD-37F18891D2C1}" type="datetimeFigureOut">
               <a:rPr lang="ko-KR" altLang="en-US" smtClean="0"/>
-              <a:t>2022-09-21</a:t>
+              <a:t>2022-09-28</a:t>
             </a:fld>
             <a:endParaRPr lang="ko-KR" altLang="en-US"/>
           </a:p>
@@ -637,7 +637,7 @@
           <a:p>
             <a:fld id="{B2A5FC70-7B36-45E3-95FD-37F18891D2C1}" type="datetimeFigureOut">
               <a:rPr lang="ko-KR" altLang="en-US" smtClean="0"/>
-              <a:t>2022-09-21</a:t>
+              <a:t>2022-09-28</a:t>
             </a:fld>
             <a:endParaRPr lang="ko-KR" altLang="en-US"/>
           </a:p>
@@ -807,7 +807,7 @@
           <a:p>
             <a:fld id="{B2A5FC70-7B36-45E3-95FD-37F18891D2C1}" type="datetimeFigureOut">
               <a:rPr lang="ko-KR" altLang="en-US" smtClean="0"/>
-              <a:t>2022-09-21</a:t>
+              <a:t>2022-09-28</a:t>
             </a:fld>
             <a:endParaRPr lang="ko-KR" altLang="en-US"/>
           </a:p>
@@ -1053,7 +1053,7 @@
           <a:p>
             <a:fld id="{B2A5FC70-7B36-45E3-95FD-37F18891D2C1}" type="datetimeFigureOut">
               <a:rPr lang="ko-KR" altLang="en-US" smtClean="0"/>
-              <a:t>2022-09-21</a:t>
+              <a:t>2022-09-28</a:t>
             </a:fld>
             <a:endParaRPr lang="ko-KR" altLang="en-US"/>
           </a:p>
@@ -1285,7 +1285,7 @@
           <a:p>
             <a:fld id="{B2A5FC70-7B36-45E3-95FD-37F18891D2C1}" type="datetimeFigureOut">
               <a:rPr lang="ko-KR" altLang="en-US" smtClean="0"/>
-              <a:t>2022-09-21</a:t>
+              <a:t>2022-09-28</a:t>
             </a:fld>
             <a:endParaRPr lang="ko-KR" altLang="en-US"/>
           </a:p>
@@ -1652,7 +1652,7 @@
           <a:p>
             <a:fld id="{B2A5FC70-7B36-45E3-95FD-37F18891D2C1}" type="datetimeFigureOut">
               <a:rPr lang="ko-KR" altLang="en-US" smtClean="0"/>
-              <a:t>2022-09-21</a:t>
+              <a:t>2022-09-28</a:t>
             </a:fld>
             <a:endParaRPr lang="ko-KR" altLang="en-US"/>
           </a:p>
@@ -1770,7 +1770,7 @@
           <a:p>
             <a:fld id="{B2A5FC70-7B36-45E3-95FD-37F18891D2C1}" type="datetimeFigureOut">
               <a:rPr lang="ko-KR" altLang="en-US" smtClean="0"/>
-              <a:t>2022-09-21</a:t>
+              <a:t>2022-09-28</a:t>
             </a:fld>
             <a:endParaRPr lang="ko-KR" altLang="en-US"/>
           </a:p>
@@ -1865,7 +1865,7 @@
           <a:p>
             <a:fld id="{B2A5FC70-7B36-45E3-95FD-37F18891D2C1}" type="datetimeFigureOut">
               <a:rPr lang="ko-KR" altLang="en-US" smtClean="0"/>
-              <a:t>2022-09-21</a:t>
+              <a:t>2022-09-28</a:t>
             </a:fld>
             <a:endParaRPr lang="ko-KR" altLang="en-US"/>
           </a:p>
@@ -2142,7 +2142,7 @@
           <a:p>
             <a:fld id="{B2A5FC70-7B36-45E3-95FD-37F18891D2C1}" type="datetimeFigureOut">
               <a:rPr lang="ko-KR" altLang="en-US" smtClean="0"/>
-              <a:t>2022-09-21</a:t>
+              <a:t>2022-09-28</a:t>
             </a:fld>
             <a:endParaRPr lang="ko-KR" altLang="en-US"/>
           </a:p>
@@ -2395,7 +2395,7 @@
           <a:p>
             <a:fld id="{B2A5FC70-7B36-45E3-95FD-37F18891D2C1}" type="datetimeFigureOut">
               <a:rPr lang="ko-KR" altLang="en-US" smtClean="0"/>
-              <a:t>2022-09-21</a:t>
+              <a:t>2022-09-28</a:t>
             </a:fld>
             <a:endParaRPr lang="ko-KR" altLang="en-US"/>
           </a:p>
@@ -2608,7 +2608,7 @@
           <a:p>
             <a:fld id="{B2A5FC70-7B36-45E3-95FD-37F18891D2C1}" type="datetimeFigureOut">
               <a:rPr lang="ko-KR" altLang="en-US" smtClean="0"/>
-              <a:t>2022-09-21</a:t>
+              <a:t>2022-09-28</a:t>
             </a:fld>
             <a:endParaRPr lang="ko-KR" altLang="en-US"/>
           </a:p>
@@ -3144,7 +3144,7 @@
                 <a:latin typeface="배스킨라빈스 R" panose="02020603020101020101" pitchFamily="18" charset="-127"/>
                 <a:ea typeface="배스킨라빈스 R" panose="02020603020101020101" pitchFamily="18" charset="-127"/>
               </a:rPr>
-              <a:t>클라이언트 프로그래머 지원 </a:t>
+              <a:t>     프로그래머 지원 </a:t>
             </a:r>
             <a:r>
               <a:rPr lang="ko-KR" altLang="en-US" sz="3600" dirty="0" err="1" smtClean="0">
@@ -12054,8 +12054,10 @@
                 <a:latin typeface="배스킨라빈스 R" panose="02020603020101020101" pitchFamily="18" charset="-127"/>
                 <a:ea typeface="배스킨라빈스 R" panose="02020603020101020101" pitchFamily="18" charset="-127"/>
               </a:rPr>
-              <a:t>     -Sector </a:t>
-            </a:r>
+              <a:t>     -Sector Manager</a:t>
+            </a:r>
+          </a:p>
+          <a:p>
             <a:r>
               <a:rPr lang="en-US" altLang="ko-KR" dirty="0" smtClean="0">
                 <a:solidFill>
@@ -12066,7 +12068,7 @@
                 <a:latin typeface="배스킨라빈스 R" panose="02020603020101020101" pitchFamily="18" charset="-127"/>
                 <a:ea typeface="배스킨라빈스 R" panose="02020603020101020101" pitchFamily="18" charset="-127"/>
               </a:rPr>
-              <a:t>Manager</a:t>
+              <a:t>     -Quad Tree</a:t>
             </a:r>
           </a:p>
           <a:p>
@@ -12080,45 +12082,7 @@
                 <a:latin typeface="배스킨라빈스 R" panose="02020603020101020101" pitchFamily="18" charset="-127"/>
                 <a:ea typeface="배스킨라빈스 R" panose="02020603020101020101" pitchFamily="18" charset="-127"/>
               </a:rPr>
-              <a:t>     -Quad </a:t>
-            </a:r>
-            <a:r>
-              <a:rPr lang="en-US" altLang="ko-KR" dirty="0" smtClean="0">
-                <a:solidFill>
-                  <a:schemeClr val="bg1">
-                    <a:lumMod val="50000"/>
-                  </a:schemeClr>
-                </a:solidFill>
-                <a:latin typeface="배스킨라빈스 R" panose="02020603020101020101" pitchFamily="18" charset="-127"/>
-                <a:ea typeface="배스킨라빈스 R" panose="02020603020101020101" pitchFamily="18" charset="-127"/>
-              </a:rPr>
-              <a:t>Tree</a:t>
-            </a:r>
-          </a:p>
-          <a:p>
-            <a:r>
-              <a:rPr lang="en-US" altLang="ko-KR" dirty="0" smtClean="0">
-                <a:solidFill>
-                  <a:schemeClr val="bg1">
-                    <a:lumMod val="50000"/>
-                  </a:schemeClr>
-                </a:solidFill>
-                <a:latin typeface="배스킨라빈스 R" panose="02020603020101020101" pitchFamily="18" charset="-127"/>
-                <a:ea typeface="배스킨라빈스 R" panose="02020603020101020101" pitchFamily="18" charset="-127"/>
-              </a:rPr>
-              <a:t>     -LRU </a:t>
-            </a:r>
-            <a:r>
-              <a:rPr lang="en-US" altLang="ko-KR" dirty="0" smtClean="0">
-                <a:solidFill>
-                  <a:schemeClr val="bg1">
-                    <a:lumMod val="50000"/>
-                  </a:schemeClr>
-                </a:solidFill>
-                <a:latin typeface="배스킨라빈스 R" panose="02020603020101020101" pitchFamily="18" charset="-127"/>
-                <a:ea typeface="배스킨라빈스 R" panose="02020603020101020101" pitchFamily="18" charset="-127"/>
-              </a:rPr>
-              <a:t>Queue </a:t>
+              <a:t>     -LRU Queue </a:t>
             </a:r>
             <a:r>
               <a:rPr lang="ko-KR" altLang="en-US" dirty="0" smtClean="0">
@@ -12468,19 +12432,7 @@
                 <a:latin typeface="배스킨라빈스 R" panose="02020603020101020101" pitchFamily="18" charset="-127"/>
                 <a:ea typeface="배스킨라빈스 R" panose="02020603020101020101" pitchFamily="18" charset="-127"/>
               </a:rPr>
-              <a:t>게임 </a:t>
-            </a:r>
-            <a:r>
-              <a:rPr lang="ko-KR" altLang="en-US" dirty="0" smtClean="0">
-                <a:solidFill>
-                  <a:schemeClr val="bg1">
-                    <a:lumMod val="50000"/>
-                  </a:schemeClr>
-                </a:solidFill>
-                <a:latin typeface="배스킨라빈스 R" panose="02020603020101020101" pitchFamily="18" charset="-127"/>
-                <a:ea typeface="배스킨라빈스 R" panose="02020603020101020101" pitchFamily="18" charset="-127"/>
-              </a:rPr>
-              <a:t>설명</a:t>
+              <a:t>게임 설명</a:t>
             </a:r>
             <a:endParaRPr lang="en-US" altLang="ko-KR" dirty="0" smtClean="0">
               <a:solidFill>
@@ -12515,19 +12467,7 @@
                 <a:latin typeface="배스킨라빈스 R" panose="02020603020101020101" pitchFamily="18" charset="-127"/>
                 <a:ea typeface="배스킨라빈스 R" panose="02020603020101020101" pitchFamily="18" charset="-127"/>
               </a:rPr>
-              <a:t>맡은 </a:t>
-            </a:r>
-            <a:r>
-              <a:rPr lang="ko-KR" altLang="en-US" dirty="0" smtClean="0">
-                <a:solidFill>
-                  <a:schemeClr val="bg1">
-                    <a:lumMod val="50000"/>
-                  </a:schemeClr>
-                </a:solidFill>
-                <a:latin typeface="배스킨라빈스 R" panose="02020603020101020101" pitchFamily="18" charset="-127"/>
-                <a:ea typeface="배스킨라빈스 R" panose="02020603020101020101" pitchFamily="18" charset="-127"/>
-              </a:rPr>
-              <a:t>업무</a:t>
+              <a:t>맡은 업무</a:t>
             </a:r>
             <a:endParaRPr lang="en-US" altLang="ko-KR" dirty="0" smtClean="0">
               <a:solidFill>
